--- a/ppt/sci.pptx
+++ b/ppt/sci.pptx
@@ -207,7 +207,7 @@
           <a:p>
             <a:fld id="{1EBEDD12-BCD5-485B-BCBC-34BB01D7923C}" type="datetimeFigureOut">
               <a:rPr lang="en-US" smtClean="0"/>
-              <a:t>4/16/2024</a:t>
+              <a:t>4/17/2024</a:t>
             </a:fld>
             <a:endParaRPr lang="en-US" dirty="0"/>
           </a:p>
@@ -421,7 +421,7 @@
           <a:p>
             <a:fld id="{6EE7A52F-9D89-7442-A8E9-48D1527B5F6B}" type="datetimeFigureOut">
               <a:rPr lang="en-US" smtClean="0"/>
-              <a:t>4/16/2024</a:t>
+              <a:t>4/17/2024</a:t>
             </a:fld>
             <a:endParaRPr lang="en-US" dirty="0"/>
           </a:p>
@@ -13545,6 +13545,35 @@
                 </a:solidFill>
               </a:rPr>
               <a:t>The SCIMS Database and project research consists of years from 1972 through 2021.</a:t>
+            </a:r>
+          </a:p>
+          <a:p>
+            <a:pPr marL="0" indent="0">
+              <a:buNone/>
+            </a:pPr>
+            <a:r>
+              <a:rPr lang="en-US" sz="2000" b="0" dirty="0">
+                <a:solidFill>
+                  <a:schemeClr val="bg1"/>
+                </a:solidFill>
+              </a:rPr>
+              <a:t>	-Follow-up interviews were conducted at the first anniversary if injury, then every following 5 </a:t>
+            </a:r>
+            <a:r>
+              <a:rPr lang="en-US" sz="2000" b="0">
+                <a:solidFill>
+                  <a:schemeClr val="bg1"/>
+                </a:solidFill>
+              </a:rPr>
+              <a:t>year 	anniversary</a:t>
+            </a:r>
+            <a:r>
+              <a:rPr lang="en-US" sz="2000" b="0" dirty="0">
+                <a:solidFill>
+                  <a:schemeClr val="bg1"/>
+                </a:solidFill>
+              </a:rPr>
+              <a:t>. </a:t>
             </a:r>
           </a:p>
           <a:p>
@@ -15456,15 +15485,6 @@
 </file>
 
 <file path=customXml/item1.xml><?xml version="1.0" encoding="utf-8"?>
-<?mso-contentType ?>
-<FormTemplates xmlns="http://schemas.microsoft.com/sharepoint/v3/contenttype/forms">
-  <Display>DocumentLibraryForm</Display>
-  <Edit>DocumentLibraryForm</Edit>
-  <New>DocumentLibraryForm</New>
-</FormTemplates>
-</file>
-
-<file path=customXml/item2.xml><?xml version="1.0" encoding="utf-8"?>
 <p:properties xmlns:p="http://schemas.microsoft.com/office/2006/metadata/properties" xmlns:xsi="http://www.w3.org/2001/XMLSchema-instance" xmlns:pc="http://schemas.microsoft.com/office/infopath/2007/PartnerControls">
   <documentManagement>
     <Background xmlns="71af3243-3dd4-4a8d-8c0d-dd76da1f02a5">false</Background>
@@ -15482,6 +15502,15 @@
     <MediaServiceKeyPoints xmlns="71af3243-3dd4-4a8d-8c0d-dd76da1f02a5" xsi:nil="true"/>
   </documentManagement>
 </p:properties>
+</file>
+
+<file path=customXml/item2.xml><?xml version="1.0" encoding="utf-8"?>
+<?mso-contentType ?>
+<FormTemplates xmlns="http://schemas.microsoft.com/sharepoint/v3/contenttype/forms">
+  <Display>DocumentLibraryForm</Display>
+  <Edit>DocumentLibraryForm</Edit>
+  <New>DocumentLibraryForm</New>
+</FormTemplates>
 </file>
 
 <file path=customXml/item3.xml><?xml version="1.0" encoding="utf-8"?>
@@ -15797,14 +15826,6 @@
 </file>
 
 <file path=customXml/itemProps1.xml><?xml version="1.0" encoding="utf-8"?>
-<ds:datastoreItem xmlns:ds="http://schemas.openxmlformats.org/officeDocument/2006/customXml" ds:itemID="{C21FFAC0-05A2-416A-B06C-C248395482CF}">
-  <ds:schemaRefs>
-    <ds:schemaRef ds:uri="http://schemas.microsoft.com/sharepoint/v3/contenttype/forms"/>
-  </ds:schemaRefs>
-</ds:datastoreItem>
-</file>
-
-<file path=customXml/itemProps2.xml><?xml version="1.0" encoding="utf-8"?>
 <ds:datastoreItem xmlns:ds="http://schemas.openxmlformats.org/officeDocument/2006/customXml" ds:itemID="{4F4B194E-8B30-4377-8C59-ECFB902D2A26}">
   <ds:schemaRefs>
     <ds:schemaRef ds:uri="http://schemas.microsoft.com/office/2006/metadata/properties"/>
@@ -15812,6 +15833,14 @@
     <ds:schemaRef ds:uri="71af3243-3dd4-4a8d-8c0d-dd76da1f02a5"/>
     <ds:schemaRef ds:uri="http://schemas.microsoft.com/sharepoint/v3"/>
     <ds:schemaRef ds:uri="230e9df3-be65-4c73-a93b-d1236ebd677e"/>
+  </ds:schemaRefs>
+</ds:datastoreItem>
+</file>
+
+<file path=customXml/itemProps2.xml><?xml version="1.0" encoding="utf-8"?>
+<ds:datastoreItem xmlns:ds="http://schemas.openxmlformats.org/officeDocument/2006/customXml" ds:itemID="{C21FFAC0-05A2-416A-B06C-C248395482CF}">
+  <ds:schemaRefs>
+    <ds:schemaRef ds:uri="http://schemas.microsoft.com/sharepoint/v3/contenttype/forms"/>
   </ds:schemaRefs>
 </ds:datastoreItem>
 </file>

--- a/ppt/sci.pptx
+++ b/ppt/sci.pptx
@@ -5,30 +5,34 @@
     <p:sldMasterId id="2147483658" r:id="rId4"/>
   </p:sldMasterIdLst>
   <p:notesMasterIdLst>
-    <p:notesMasterId r:id="rId23"/>
+    <p:notesMasterId r:id="rId27"/>
   </p:notesMasterIdLst>
   <p:handoutMasterIdLst>
-    <p:handoutMasterId r:id="rId24"/>
+    <p:handoutMasterId r:id="rId28"/>
   </p:handoutMasterIdLst>
   <p:sldIdLst>
     <p:sldId id="410" r:id="rId5"/>
     <p:sldId id="391" r:id="rId6"/>
-    <p:sldId id="383" r:id="rId7"/>
-    <p:sldId id="405" r:id="rId8"/>
-    <p:sldId id="417" r:id="rId9"/>
-    <p:sldId id="416" r:id="rId10"/>
-    <p:sldId id="412" r:id="rId11"/>
-    <p:sldId id="404" r:id="rId12"/>
-    <p:sldId id="414" r:id="rId13"/>
-    <p:sldId id="409" r:id="rId14"/>
-    <p:sldId id="389" r:id="rId15"/>
-    <p:sldId id="397" r:id="rId16"/>
-    <p:sldId id="407" r:id="rId17"/>
-    <p:sldId id="406" r:id="rId18"/>
-    <p:sldId id="411" r:id="rId19"/>
-    <p:sldId id="413" r:id="rId20"/>
-    <p:sldId id="403" r:id="rId21"/>
-    <p:sldId id="398" r:id="rId22"/>
+    <p:sldId id="418" r:id="rId7"/>
+    <p:sldId id="383" r:id="rId8"/>
+    <p:sldId id="405" r:id="rId9"/>
+    <p:sldId id="417" r:id="rId10"/>
+    <p:sldId id="422" r:id="rId11"/>
+    <p:sldId id="421" r:id="rId12"/>
+    <p:sldId id="412" r:id="rId13"/>
+    <p:sldId id="404" r:id="rId14"/>
+    <p:sldId id="414" r:id="rId15"/>
+    <p:sldId id="420" r:id="rId16"/>
+    <p:sldId id="416" r:id="rId17"/>
+    <p:sldId id="409" r:id="rId18"/>
+    <p:sldId id="389" r:id="rId19"/>
+    <p:sldId id="397" r:id="rId20"/>
+    <p:sldId id="407" r:id="rId21"/>
+    <p:sldId id="406" r:id="rId22"/>
+    <p:sldId id="411" r:id="rId23"/>
+    <p:sldId id="413" r:id="rId24"/>
+    <p:sldId id="403" r:id="rId25"/>
+    <p:sldId id="398" r:id="rId26"/>
   </p:sldIdLst>
   <p:sldSz cx="12192000" cy="6858000"/>
   <p:notesSz cx="6858000" cy="9144000"/>
@@ -207,7 +211,7 @@
           <a:p>
             <a:fld id="{1EBEDD12-BCD5-485B-BCBC-34BB01D7923C}" type="datetimeFigureOut">
               <a:rPr lang="en-US" smtClean="0"/>
-              <a:t>4/17/2024</a:t>
+              <a:t>4/18/2024</a:t>
             </a:fld>
             <a:endParaRPr lang="en-US" dirty="0"/>
           </a:p>
@@ -421,7 +425,7 @@
           <a:p>
             <a:fld id="{6EE7A52F-9D89-7442-A8E9-48D1527B5F6B}" type="datetimeFigureOut">
               <a:rPr lang="en-US" smtClean="0"/>
-              <a:t>4/17/2024</a:t>
+              <a:t>4/18/2024</a:t>
             </a:fld>
             <a:endParaRPr lang="en-US" dirty="0"/>
           </a:p>
@@ -846,7 +850,7 @@
     </p:spTree>
     <p:extLst>
       <p:ext uri="{BB962C8B-B14F-4D97-AF65-F5344CB8AC3E}">
-        <p14:creationId xmlns:p14="http://schemas.microsoft.com/office/powerpoint/2010/main" val="2730433110"/>
+        <p14:creationId xmlns:p14="http://schemas.microsoft.com/office/powerpoint/2010/main" val="634596896"/>
       </p:ext>
     </p:extLst>
   </p:cSld>
@@ -930,7 +934,7 @@
     </p:spTree>
     <p:extLst>
       <p:ext uri="{BB962C8B-B14F-4D97-AF65-F5344CB8AC3E}">
-        <p14:creationId xmlns:p14="http://schemas.microsoft.com/office/powerpoint/2010/main" val="3576248012"/>
+        <p14:creationId xmlns:p14="http://schemas.microsoft.com/office/powerpoint/2010/main" val="3731789711"/>
       </p:ext>
     </p:extLst>
   </p:cSld>
@@ -945,13 +949,7 @@
   <p:cSld>
     <p:spTree>
       <p:nvGrpSpPr>
-        <p:cNvPr id="1" name="">
-          <a:extLst>
-            <a:ext uri="{FF2B5EF4-FFF2-40B4-BE49-F238E27FC236}">
-              <a16:creationId xmlns:a16="http://schemas.microsoft.com/office/drawing/2014/main" id="{14BBC04D-2568-C19F-6211-ABA7996CBC5B}"/>
-            </a:ext>
-          </a:extLst>
-        </p:cNvPr>
+        <p:cNvPr id="1" name=""/>
         <p:cNvGrpSpPr/>
         <p:nvPr/>
       </p:nvGrpSpPr>
@@ -965,13 +963,7 @@
       </p:grpSpPr>
       <p:sp>
         <p:nvSpPr>
-          <p:cNvPr id="2" name="Slide Image Placeholder 1">
-            <a:extLst>
-              <a:ext uri="{FF2B5EF4-FFF2-40B4-BE49-F238E27FC236}">
-                <a16:creationId xmlns:a16="http://schemas.microsoft.com/office/drawing/2014/main" id="{BBBD96A4-D432-FA69-5E46-4DF91D77CA91}"/>
-              </a:ext>
-            </a:extLst>
-          </p:cNvPr>
+          <p:cNvPr id="2" name="Slide Image Placeholder 1"/>
           <p:cNvSpPr>
             <a:spLocks noGrp="1" noRot="1" noChangeAspect="1"/>
           </p:cNvSpPr>
@@ -983,13 +975,7 @@
       </p:sp>
       <p:sp>
         <p:nvSpPr>
-          <p:cNvPr id="3" name="Notes Placeholder 2">
-            <a:extLst>
-              <a:ext uri="{FF2B5EF4-FFF2-40B4-BE49-F238E27FC236}">
-                <a16:creationId xmlns:a16="http://schemas.microsoft.com/office/drawing/2014/main" id="{EF639921-CFBB-DE6F-31EB-81B758CA0268}"/>
-              </a:ext>
-            </a:extLst>
-          </p:cNvPr>
+          <p:cNvPr id="3" name="Notes Placeholder 2"/>
           <p:cNvSpPr>
             <a:spLocks noGrp="1"/>
           </p:cNvSpPr>
@@ -1008,13 +994,7 @@
       </p:sp>
       <p:sp>
         <p:nvSpPr>
-          <p:cNvPr id="4" name="Slide Number Placeholder 3">
-            <a:extLst>
-              <a:ext uri="{FF2B5EF4-FFF2-40B4-BE49-F238E27FC236}">
-                <a16:creationId xmlns:a16="http://schemas.microsoft.com/office/drawing/2014/main" id="{4453E3F8-8185-F97B-2F08-1F44FCE2A5AB}"/>
-              </a:ext>
-            </a:extLst>
-          </p:cNvPr>
+          <p:cNvPr id="4" name="Slide Number Placeholder 3"/>
           <p:cNvSpPr>
             <a:spLocks noGrp="1"/>
           </p:cNvSpPr>
@@ -1038,7 +1018,7 @@
     </p:spTree>
     <p:extLst>
       <p:ext uri="{BB962C8B-B14F-4D97-AF65-F5344CB8AC3E}">
-        <p14:creationId xmlns:p14="http://schemas.microsoft.com/office/powerpoint/2010/main" val="3727777786"/>
+        <p14:creationId xmlns:p14="http://schemas.microsoft.com/office/powerpoint/2010/main" val="3155109812"/>
       </p:ext>
     </p:extLst>
   </p:cSld>
@@ -1122,7 +1102,7 @@
     </p:spTree>
     <p:extLst>
       <p:ext uri="{BB962C8B-B14F-4D97-AF65-F5344CB8AC3E}">
-        <p14:creationId xmlns:p14="http://schemas.microsoft.com/office/powerpoint/2010/main" val="501160436"/>
+        <p14:creationId xmlns:p14="http://schemas.microsoft.com/office/powerpoint/2010/main" val="98724399"/>
       </p:ext>
     </p:extLst>
   </p:cSld>
@@ -1206,7 +1186,7 @@
     </p:spTree>
     <p:extLst>
       <p:ext uri="{BB962C8B-B14F-4D97-AF65-F5344CB8AC3E}">
-        <p14:creationId xmlns:p14="http://schemas.microsoft.com/office/powerpoint/2010/main" val="2994759380"/>
+        <p14:creationId xmlns:p14="http://schemas.microsoft.com/office/powerpoint/2010/main" val="2730433110"/>
       </p:ext>
     </p:extLst>
   </p:cSld>
@@ -1290,7 +1270,7 @@
     </p:spTree>
     <p:extLst>
       <p:ext uri="{BB962C8B-B14F-4D97-AF65-F5344CB8AC3E}">
-        <p14:creationId xmlns:p14="http://schemas.microsoft.com/office/powerpoint/2010/main" val="3028053685"/>
+        <p14:creationId xmlns:p14="http://schemas.microsoft.com/office/powerpoint/2010/main" val="3576248012"/>
       </p:ext>
     </p:extLst>
   </p:cSld>
@@ -1305,7 +1285,13 @@
   <p:cSld>
     <p:spTree>
       <p:nvGrpSpPr>
-        <p:cNvPr id="1" name=""/>
+        <p:cNvPr id="1" name="">
+          <a:extLst>
+            <a:ext uri="{FF2B5EF4-FFF2-40B4-BE49-F238E27FC236}">
+              <a16:creationId xmlns:a16="http://schemas.microsoft.com/office/drawing/2014/main" id="{14BBC04D-2568-C19F-6211-ABA7996CBC5B}"/>
+            </a:ext>
+          </a:extLst>
+        </p:cNvPr>
         <p:cNvGrpSpPr/>
         <p:nvPr/>
       </p:nvGrpSpPr>
@@ -1319,7 +1305,13 @@
       </p:grpSpPr>
       <p:sp>
         <p:nvSpPr>
-          <p:cNvPr id="2" name="Slide Image Placeholder 1"/>
+          <p:cNvPr id="2" name="Slide Image Placeholder 1">
+            <a:extLst>
+              <a:ext uri="{FF2B5EF4-FFF2-40B4-BE49-F238E27FC236}">
+                <a16:creationId xmlns:a16="http://schemas.microsoft.com/office/drawing/2014/main" id="{BBBD96A4-D432-FA69-5E46-4DF91D77CA91}"/>
+              </a:ext>
+            </a:extLst>
+          </p:cNvPr>
           <p:cNvSpPr>
             <a:spLocks noGrp="1" noRot="1" noChangeAspect="1"/>
           </p:cNvSpPr>
@@ -1331,7 +1323,13 @@
       </p:sp>
       <p:sp>
         <p:nvSpPr>
-          <p:cNvPr id="3" name="Notes Placeholder 2"/>
+          <p:cNvPr id="3" name="Notes Placeholder 2">
+            <a:extLst>
+              <a:ext uri="{FF2B5EF4-FFF2-40B4-BE49-F238E27FC236}">
+                <a16:creationId xmlns:a16="http://schemas.microsoft.com/office/drawing/2014/main" id="{EF639921-CFBB-DE6F-31EB-81B758CA0268}"/>
+              </a:ext>
+            </a:extLst>
+          </p:cNvPr>
           <p:cNvSpPr>
             <a:spLocks noGrp="1"/>
           </p:cNvSpPr>
@@ -1350,7 +1348,13 @@
       </p:sp>
       <p:sp>
         <p:nvSpPr>
-          <p:cNvPr id="4" name="Slide Number Placeholder 3"/>
+          <p:cNvPr id="4" name="Slide Number Placeholder 3">
+            <a:extLst>
+              <a:ext uri="{FF2B5EF4-FFF2-40B4-BE49-F238E27FC236}">
+                <a16:creationId xmlns:a16="http://schemas.microsoft.com/office/drawing/2014/main" id="{4453E3F8-8185-F97B-2F08-1F44FCE2A5AB}"/>
+              </a:ext>
+            </a:extLst>
+          </p:cNvPr>
           <p:cNvSpPr>
             <a:spLocks noGrp="1"/>
           </p:cNvSpPr>
@@ -1374,7 +1378,7 @@
     </p:spTree>
     <p:extLst>
       <p:ext uri="{BB962C8B-B14F-4D97-AF65-F5344CB8AC3E}">
-        <p14:creationId xmlns:p14="http://schemas.microsoft.com/office/powerpoint/2010/main" val="1703303388"/>
+        <p14:creationId xmlns:p14="http://schemas.microsoft.com/office/powerpoint/2010/main" val="3727777786"/>
       </p:ext>
     </p:extLst>
   </p:cSld>
@@ -1458,7 +1462,7 @@
     </p:spTree>
     <p:extLst>
       <p:ext uri="{BB962C8B-B14F-4D97-AF65-F5344CB8AC3E}">
-        <p14:creationId xmlns:p14="http://schemas.microsoft.com/office/powerpoint/2010/main" val="514488140"/>
+        <p14:creationId xmlns:p14="http://schemas.microsoft.com/office/powerpoint/2010/main" val="501160436"/>
       </p:ext>
     </p:extLst>
   </p:cSld>
@@ -1542,7 +1546,91 @@
     </p:spTree>
     <p:extLst>
       <p:ext uri="{BB962C8B-B14F-4D97-AF65-F5344CB8AC3E}">
-        <p14:creationId xmlns:p14="http://schemas.microsoft.com/office/powerpoint/2010/main" val="1765923172"/>
+        <p14:creationId xmlns:p14="http://schemas.microsoft.com/office/powerpoint/2010/main" val="2994759380"/>
+      </p:ext>
+    </p:extLst>
+  </p:cSld>
+  <p:clrMapOvr>
+    <a:masterClrMapping/>
+  </p:clrMapOvr>
+</p:notes>
+</file>
+
+<file path=ppt/notesSlides/notesSlide19.xml><?xml version="1.0" encoding="utf-8"?>
+<p:notes xmlns:a="http://schemas.openxmlformats.org/drawingml/2006/main" xmlns:r="http://schemas.openxmlformats.org/officeDocument/2006/relationships" xmlns:p="http://schemas.openxmlformats.org/presentationml/2006/main">
+  <p:cSld>
+    <p:spTree>
+      <p:nvGrpSpPr>
+        <p:cNvPr id="1" name=""/>
+        <p:cNvGrpSpPr/>
+        <p:nvPr/>
+      </p:nvGrpSpPr>
+      <p:grpSpPr>
+        <a:xfrm>
+          <a:off x="0" y="0"/>
+          <a:ext cx="0" cy="0"/>
+          <a:chOff x="0" y="0"/>
+          <a:chExt cx="0" cy="0"/>
+        </a:xfrm>
+      </p:grpSpPr>
+      <p:sp>
+        <p:nvSpPr>
+          <p:cNvPr id="2" name="Slide Image Placeholder 1"/>
+          <p:cNvSpPr>
+            <a:spLocks noGrp="1" noRot="1" noChangeAspect="1"/>
+          </p:cNvSpPr>
+          <p:nvPr>
+            <p:ph type="sldImg"/>
+          </p:nvPr>
+        </p:nvSpPr>
+        <p:spPr/>
+      </p:sp>
+      <p:sp>
+        <p:nvSpPr>
+          <p:cNvPr id="3" name="Notes Placeholder 2"/>
+          <p:cNvSpPr>
+            <a:spLocks noGrp="1"/>
+          </p:cNvSpPr>
+          <p:nvPr>
+            <p:ph type="body" idx="1"/>
+          </p:nvPr>
+        </p:nvSpPr>
+        <p:spPr/>
+        <p:txBody>
+          <a:bodyPr/>
+          <a:lstStyle/>
+          <a:p>
+            <a:endParaRPr lang="en-US" dirty="0"/>
+          </a:p>
+        </p:txBody>
+      </p:sp>
+      <p:sp>
+        <p:nvSpPr>
+          <p:cNvPr id="4" name="Slide Number Placeholder 3"/>
+          <p:cNvSpPr>
+            <a:spLocks noGrp="1"/>
+          </p:cNvSpPr>
+          <p:nvPr>
+            <p:ph type="sldNum" sz="quarter" idx="5"/>
+          </p:nvPr>
+        </p:nvSpPr>
+        <p:spPr/>
+        <p:txBody>
+          <a:bodyPr/>
+          <a:lstStyle/>
+          <a:p>
+            <a:fld id="{A89C7E07-3C67-C64C-8DA0-0404F6303970}" type="slidenum">
+              <a:rPr lang="en-US" smtClean="0"/>
+              <a:t>19</a:t>
+            </a:fld>
+            <a:endParaRPr lang="en-US" dirty="0"/>
+          </a:p>
+        </p:txBody>
+      </p:sp>
+    </p:spTree>
+    <p:extLst>
+      <p:ext uri="{BB962C8B-B14F-4D97-AF65-F5344CB8AC3E}">
+        <p14:creationId xmlns:p14="http://schemas.microsoft.com/office/powerpoint/2010/main" val="3028053685"/>
       </p:ext>
     </p:extLst>
   </p:cSld>
@@ -1636,6 +1724,258 @@
 </p:notes>
 </file>
 
+<file path=ppt/notesSlides/notesSlide20.xml><?xml version="1.0" encoding="utf-8"?>
+<p:notes xmlns:a="http://schemas.openxmlformats.org/drawingml/2006/main" xmlns:r="http://schemas.openxmlformats.org/officeDocument/2006/relationships" xmlns:p="http://schemas.openxmlformats.org/presentationml/2006/main">
+  <p:cSld>
+    <p:spTree>
+      <p:nvGrpSpPr>
+        <p:cNvPr id="1" name=""/>
+        <p:cNvGrpSpPr/>
+        <p:nvPr/>
+      </p:nvGrpSpPr>
+      <p:grpSpPr>
+        <a:xfrm>
+          <a:off x="0" y="0"/>
+          <a:ext cx="0" cy="0"/>
+          <a:chOff x="0" y="0"/>
+          <a:chExt cx="0" cy="0"/>
+        </a:xfrm>
+      </p:grpSpPr>
+      <p:sp>
+        <p:nvSpPr>
+          <p:cNvPr id="2" name="Slide Image Placeholder 1"/>
+          <p:cNvSpPr>
+            <a:spLocks noGrp="1" noRot="1" noChangeAspect="1"/>
+          </p:cNvSpPr>
+          <p:nvPr>
+            <p:ph type="sldImg"/>
+          </p:nvPr>
+        </p:nvSpPr>
+        <p:spPr/>
+      </p:sp>
+      <p:sp>
+        <p:nvSpPr>
+          <p:cNvPr id="3" name="Notes Placeholder 2"/>
+          <p:cNvSpPr>
+            <a:spLocks noGrp="1"/>
+          </p:cNvSpPr>
+          <p:nvPr>
+            <p:ph type="body" idx="1"/>
+          </p:nvPr>
+        </p:nvSpPr>
+        <p:spPr/>
+        <p:txBody>
+          <a:bodyPr/>
+          <a:lstStyle/>
+          <a:p>
+            <a:endParaRPr lang="en-US" dirty="0"/>
+          </a:p>
+        </p:txBody>
+      </p:sp>
+      <p:sp>
+        <p:nvSpPr>
+          <p:cNvPr id="4" name="Slide Number Placeholder 3"/>
+          <p:cNvSpPr>
+            <a:spLocks noGrp="1"/>
+          </p:cNvSpPr>
+          <p:nvPr>
+            <p:ph type="sldNum" sz="quarter" idx="5"/>
+          </p:nvPr>
+        </p:nvSpPr>
+        <p:spPr/>
+        <p:txBody>
+          <a:bodyPr/>
+          <a:lstStyle/>
+          <a:p>
+            <a:fld id="{A89C7E07-3C67-C64C-8DA0-0404F6303970}" type="slidenum">
+              <a:rPr lang="en-US" smtClean="0"/>
+              <a:t>20</a:t>
+            </a:fld>
+            <a:endParaRPr lang="en-US" dirty="0"/>
+          </a:p>
+        </p:txBody>
+      </p:sp>
+    </p:spTree>
+    <p:extLst>
+      <p:ext uri="{BB962C8B-B14F-4D97-AF65-F5344CB8AC3E}">
+        <p14:creationId xmlns:p14="http://schemas.microsoft.com/office/powerpoint/2010/main" val="1703303388"/>
+      </p:ext>
+    </p:extLst>
+  </p:cSld>
+  <p:clrMapOvr>
+    <a:masterClrMapping/>
+  </p:clrMapOvr>
+</p:notes>
+</file>
+
+<file path=ppt/notesSlides/notesSlide21.xml><?xml version="1.0" encoding="utf-8"?>
+<p:notes xmlns:a="http://schemas.openxmlformats.org/drawingml/2006/main" xmlns:r="http://schemas.openxmlformats.org/officeDocument/2006/relationships" xmlns:p="http://schemas.openxmlformats.org/presentationml/2006/main">
+  <p:cSld>
+    <p:spTree>
+      <p:nvGrpSpPr>
+        <p:cNvPr id="1" name=""/>
+        <p:cNvGrpSpPr/>
+        <p:nvPr/>
+      </p:nvGrpSpPr>
+      <p:grpSpPr>
+        <a:xfrm>
+          <a:off x="0" y="0"/>
+          <a:ext cx="0" cy="0"/>
+          <a:chOff x="0" y="0"/>
+          <a:chExt cx="0" cy="0"/>
+        </a:xfrm>
+      </p:grpSpPr>
+      <p:sp>
+        <p:nvSpPr>
+          <p:cNvPr id="2" name="Slide Image Placeholder 1"/>
+          <p:cNvSpPr>
+            <a:spLocks noGrp="1" noRot="1" noChangeAspect="1"/>
+          </p:cNvSpPr>
+          <p:nvPr>
+            <p:ph type="sldImg"/>
+          </p:nvPr>
+        </p:nvSpPr>
+        <p:spPr/>
+      </p:sp>
+      <p:sp>
+        <p:nvSpPr>
+          <p:cNvPr id="3" name="Notes Placeholder 2"/>
+          <p:cNvSpPr>
+            <a:spLocks noGrp="1"/>
+          </p:cNvSpPr>
+          <p:nvPr>
+            <p:ph type="body" idx="1"/>
+          </p:nvPr>
+        </p:nvSpPr>
+        <p:spPr/>
+        <p:txBody>
+          <a:bodyPr/>
+          <a:lstStyle/>
+          <a:p>
+            <a:endParaRPr lang="en-US" dirty="0"/>
+          </a:p>
+        </p:txBody>
+      </p:sp>
+      <p:sp>
+        <p:nvSpPr>
+          <p:cNvPr id="4" name="Slide Number Placeholder 3"/>
+          <p:cNvSpPr>
+            <a:spLocks noGrp="1"/>
+          </p:cNvSpPr>
+          <p:nvPr>
+            <p:ph type="sldNum" sz="quarter" idx="5"/>
+          </p:nvPr>
+        </p:nvSpPr>
+        <p:spPr/>
+        <p:txBody>
+          <a:bodyPr/>
+          <a:lstStyle/>
+          <a:p>
+            <a:fld id="{A89C7E07-3C67-C64C-8DA0-0404F6303970}" type="slidenum">
+              <a:rPr lang="en-US" smtClean="0"/>
+              <a:t>21</a:t>
+            </a:fld>
+            <a:endParaRPr lang="en-US" dirty="0"/>
+          </a:p>
+        </p:txBody>
+      </p:sp>
+    </p:spTree>
+    <p:extLst>
+      <p:ext uri="{BB962C8B-B14F-4D97-AF65-F5344CB8AC3E}">
+        <p14:creationId xmlns:p14="http://schemas.microsoft.com/office/powerpoint/2010/main" val="514488140"/>
+      </p:ext>
+    </p:extLst>
+  </p:cSld>
+  <p:clrMapOvr>
+    <a:masterClrMapping/>
+  </p:clrMapOvr>
+</p:notes>
+</file>
+
+<file path=ppt/notesSlides/notesSlide22.xml><?xml version="1.0" encoding="utf-8"?>
+<p:notes xmlns:a="http://schemas.openxmlformats.org/drawingml/2006/main" xmlns:r="http://schemas.openxmlformats.org/officeDocument/2006/relationships" xmlns:p="http://schemas.openxmlformats.org/presentationml/2006/main">
+  <p:cSld>
+    <p:spTree>
+      <p:nvGrpSpPr>
+        <p:cNvPr id="1" name=""/>
+        <p:cNvGrpSpPr/>
+        <p:nvPr/>
+      </p:nvGrpSpPr>
+      <p:grpSpPr>
+        <a:xfrm>
+          <a:off x="0" y="0"/>
+          <a:ext cx="0" cy="0"/>
+          <a:chOff x="0" y="0"/>
+          <a:chExt cx="0" cy="0"/>
+        </a:xfrm>
+      </p:grpSpPr>
+      <p:sp>
+        <p:nvSpPr>
+          <p:cNvPr id="2" name="Slide Image Placeholder 1"/>
+          <p:cNvSpPr>
+            <a:spLocks noGrp="1" noRot="1" noChangeAspect="1"/>
+          </p:cNvSpPr>
+          <p:nvPr>
+            <p:ph type="sldImg"/>
+          </p:nvPr>
+        </p:nvSpPr>
+        <p:spPr/>
+      </p:sp>
+      <p:sp>
+        <p:nvSpPr>
+          <p:cNvPr id="3" name="Notes Placeholder 2"/>
+          <p:cNvSpPr>
+            <a:spLocks noGrp="1"/>
+          </p:cNvSpPr>
+          <p:nvPr>
+            <p:ph type="body" idx="1"/>
+          </p:nvPr>
+        </p:nvSpPr>
+        <p:spPr/>
+        <p:txBody>
+          <a:bodyPr/>
+          <a:lstStyle/>
+          <a:p>
+            <a:endParaRPr lang="en-US" dirty="0"/>
+          </a:p>
+        </p:txBody>
+      </p:sp>
+      <p:sp>
+        <p:nvSpPr>
+          <p:cNvPr id="4" name="Slide Number Placeholder 3"/>
+          <p:cNvSpPr>
+            <a:spLocks noGrp="1"/>
+          </p:cNvSpPr>
+          <p:nvPr>
+            <p:ph type="sldNum" sz="quarter" idx="5"/>
+          </p:nvPr>
+        </p:nvSpPr>
+        <p:spPr/>
+        <p:txBody>
+          <a:bodyPr/>
+          <a:lstStyle/>
+          <a:p>
+            <a:fld id="{A89C7E07-3C67-C64C-8DA0-0404F6303970}" type="slidenum">
+              <a:rPr lang="en-US" smtClean="0"/>
+              <a:t>22</a:t>
+            </a:fld>
+            <a:endParaRPr lang="en-US" dirty="0"/>
+          </a:p>
+        </p:txBody>
+      </p:sp>
+    </p:spTree>
+    <p:extLst>
+      <p:ext uri="{BB962C8B-B14F-4D97-AF65-F5344CB8AC3E}">
+        <p14:creationId xmlns:p14="http://schemas.microsoft.com/office/powerpoint/2010/main" val="1765923172"/>
+      </p:ext>
+    </p:extLst>
+  </p:cSld>
+  <p:clrMapOvr>
+    <a:masterClrMapping/>
+  </p:clrMapOvr>
+</p:notes>
+</file>
+
 <file path=ppt/notesSlides/notesSlide3.xml><?xml version="1.0" encoding="utf-8"?>
 <p:notes xmlns:a="http://schemas.openxmlformats.org/drawingml/2006/main" xmlns:r="http://schemas.openxmlformats.org/officeDocument/2006/relationships" xmlns:p="http://schemas.openxmlformats.org/presentationml/2006/main">
   <p:cSld>
@@ -1710,7 +2050,7 @@
     </p:spTree>
     <p:extLst>
       <p:ext uri="{BB962C8B-B14F-4D97-AF65-F5344CB8AC3E}">
-        <p14:creationId xmlns:p14="http://schemas.microsoft.com/office/powerpoint/2010/main" val="3113416817"/>
+        <p14:creationId xmlns:p14="http://schemas.microsoft.com/office/powerpoint/2010/main" val="444994698"/>
       </p:ext>
     </p:extLst>
   </p:cSld>
@@ -1794,7 +2134,7 @@
     </p:spTree>
     <p:extLst>
       <p:ext uri="{BB962C8B-B14F-4D97-AF65-F5344CB8AC3E}">
-        <p14:creationId xmlns:p14="http://schemas.microsoft.com/office/powerpoint/2010/main" val="4050233131"/>
+        <p14:creationId xmlns:p14="http://schemas.microsoft.com/office/powerpoint/2010/main" val="3113416817"/>
       </p:ext>
     </p:extLst>
   </p:cSld>
@@ -1878,7 +2218,7 @@
     </p:spTree>
     <p:extLst>
       <p:ext uri="{BB962C8B-B14F-4D97-AF65-F5344CB8AC3E}">
-        <p14:creationId xmlns:p14="http://schemas.microsoft.com/office/powerpoint/2010/main" val="3996460508"/>
+        <p14:creationId xmlns:p14="http://schemas.microsoft.com/office/powerpoint/2010/main" val="4050233131"/>
       </p:ext>
     </p:extLst>
   </p:cSld>
@@ -1962,7 +2302,7 @@
     </p:spTree>
     <p:extLst>
       <p:ext uri="{BB962C8B-B14F-4D97-AF65-F5344CB8AC3E}">
-        <p14:creationId xmlns:p14="http://schemas.microsoft.com/office/powerpoint/2010/main" val="98724399"/>
+        <p14:creationId xmlns:p14="http://schemas.microsoft.com/office/powerpoint/2010/main" val="3996460508"/>
       </p:ext>
     </p:extLst>
   </p:cSld>
@@ -2046,7 +2386,7 @@
     </p:spTree>
     <p:extLst>
       <p:ext uri="{BB962C8B-B14F-4D97-AF65-F5344CB8AC3E}">
-        <p14:creationId xmlns:p14="http://schemas.microsoft.com/office/powerpoint/2010/main" val="2770219561"/>
+        <p14:creationId xmlns:p14="http://schemas.microsoft.com/office/powerpoint/2010/main" val="3367473427"/>
       </p:ext>
     </p:extLst>
   </p:cSld>
@@ -2130,7 +2470,7 @@
     </p:spTree>
     <p:extLst>
       <p:ext uri="{BB962C8B-B14F-4D97-AF65-F5344CB8AC3E}">
-        <p14:creationId xmlns:p14="http://schemas.microsoft.com/office/powerpoint/2010/main" val="634596896"/>
+        <p14:creationId xmlns:p14="http://schemas.microsoft.com/office/powerpoint/2010/main" val="551967069"/>
       </p:ext>
     </p:extLst>
   </p:cSld>
@@ -2214,7 +2554,7 @@
     </p:spTree>
     <p:extLst>
       <p:ext uri="{BB962C8B-B14F-4D97-AF65-F5344CB8AC3E}">
-        <p14:creationId xmlns:p14="http://schemas.microsoft.com/office/powerpoint/2010/main" val="3731789711"/>
+        <p14:creationId xmlns:p14="http://schemas.microsoft.com/office/powerpoint/2010/main" val="2770219561"/>
       </p:ext>
     </p:extLst>
   </p:cSld>
@@ -10715,46 +11055,12 @@
           <a:chExt cx="0" cy="0"/>
         </a:xfrm>
       </p:grpSpPr>
-      <p:pic>
-        <p:nvPicPr>
-          <p:cNvPr id="11" name="Picture Placeholder 10" descr="A close-up of a plant">
-            <a:extLst>
-              <a:ext uri="{FF2B5EF4-FFF2-40B4-BE49-F238E27FC236}">
-                <a16:creationId xmlns:a16="http://schemas.microsoft.com/office/drawing/2014/main" id="{8DB431A1-9806-9CFE-0E5F-1A5611C2A666}"/>
-              </a:ext>
-            </a:extLst>
-          </p:cNvPr>
-          <p:cNvPicPr>
-            <a:picLocks noGrp="1" noChangeAspect="1"/>
-          </p:cNvPicPr>
-          <p:nvPr>
-            <p:ph type="pic" sz="quarter" idx="13"/>
-          </p:nvPr>
-        </p:nvPicPr>
-        <p:blipFill>
-          <a:blip r:embed="rId3">
-            <a:extLst>
-              <a:ext uri="{28A0092B-C50C-407E-A947-70E740481C1C}">
-                <a14:useLocalDpi xmlns:a14="http://schemas.microsoft.com/office/drawing/2010/main" val="0"/>
-              </a:ext>
-            </a:extLst>
-          </a:blip>
-          <a:srcRect l="23" r="23"/>
-          <a:stretch/>
-        </p:blipFill>
-        <p:spPr>
-          <a:xfrm>
-            <a:off x="0" y="0"/>
-            <a:ext cx="12192000" cy="6880225"/>
-          </a:xfrm>
-        </p:spPr>
-      </p:pic>
       <p:sp>
         <p:nvSpPr>
-          <p:cNvPr id="3" name="Title 2">
+          <p:cNvPr id="2" name="Title 1">
             <a:extLst>
               <a:ext uri="{FF2B5EF4-FFF2-40B4-BE49-F238E27FC236}">
-                <a16:creationId xmlns:a16="http://schemas.microsoft.com/office/drawing/2014/main" id="{9C37279A-330D-886F-340D-494A5005E5FC}"/>
+                <a16:creationId xmlns:a16="http://schemas.microsoft.com/office/drawing/2014/main" id="{F0759DC4-8B30-98A0-5BAB-C78BA4A4AD55}"/>
               </a:ext>
             </a:extLst>
           </p:cNvPr>
@@ -10767,8 +11073,8 @@
         </p:nvSpPr>
         <p:spPr>
           <a:xfrm>
-            <a:off x="6309359" y="444933"/>
-            <a:ext cx="5477479" cy="3291840"/>
+            <a:off x="195901" y="199057"/>
+            <a:ext cx="9540815" cy="595222"/>
           </a:xfrm>
         </p:spPr>
         <p:txBody>
@@ -10776,16 +11082,80 @@
           <a:lstStyle/>
           <a:p>
             <a:r>
-              <a:rPr lang="en-US" dirty="0"/>
-              <a:t>Power of communication</a:t>
+              <a:rPr lang="en-US" sz="4200" dirty="0"/>
+              <a:t>Highest Education Level Completed</a:t>
             </a:r>
+          </a:p>
+        </p:txBody>
+      </p:sp>
+      <p:pic>
+        <p:nvPicPr>
+          <p:cNvPr id="7" name="Picture 6">
+            <a:extLst>
+              <a:ext uri="{FF2B5EF4-FFF2-40B4-BE49-F238E27FC236}">
+                <a16:creationId xmlns:a16="http://schemas.microsoft.com/office/drawing/2014/main" id="{4A8E39A2-6083-FB12-53A2-37E5E2D04E20}"/>
+              </a:ext>
+            </a:extLst>
+          </p:cNvPr>
+          <p:cNvPicPr>
+            <a:picLocks noChangeAspect="1"/>
+          </p:cNvPicPr>
+          <p:nvPr/>
+        </p:nvPicPr>
+        <p:blipFill>
+          <a:blip r:embed="rId3"/>
+          <a:stretch>
+            <a:fillRect/>
+          </a:stretch>
+        </p:blipFill>
+        <p:spPr>
+          <a:xfrm>
+            <a:off x="1069315" y="1050076"/>
+            <a:ext cx="8611028" cy="5400136"/>
+          </a:xfrm>
+          <a:prstGeom prst="rect">
+            <a:avLst/>
+          </a:prstGeom>
+        </p:spPr>
+      </p:pic>
+      <p:sp>
+        <p:nvSpPr>
+          <p:cNvPr id="9" name="TextBox 8">
+            <a:extLst>
+              <a:ext uri="{FF2B5EF4-FFF2-40B4-BE49-F238E27FC236}">
+                <a16:creationId xmlns:a16="http://schemas.microsoft.com/office/drawing/2014/main" id="{EFF7CF15-B011-9849-966C-BDFD63EA0FFE}"/>
+              </a:ext>
+            </a:extLst>
+          </p:cNvPr>
+          <p:cNvSpPr txBox="1"/>
+          <p:nvPr/>
+        </p:nvSpPr>
+        <p:spPr>
+          <a:xfrm>
+            <a:off x="532660" y="1988598"/>
+            <a:ext cx="2334827" cy="369332"/>
+          </a:xfrm>
+          <a:prstGeom prst="rect">
+            <a:avLst/>
+          </a:prstGeom>
+          <a:solidFill>
+            <a:schemeClr val="tx1"/>
+          </a:solidFill>
+        </p:spPr>
+        <p:txBody>
+          <a:bodyPr wrap="square" rtlCol="0">
+            <a:spAutoFit/>
+          </a:bodyPr>
+          <a:lstStyle/>
+          <a:p>
+            <a:endParaRPr lang="en-US" dirty="0"/>
           </a:p>
         </p:txBody>
       </p:sp>
     </p:spTree>
     <p:extLst>
       <p:ext uri="{BB962C8B-B14F-4D97-AF65-F5344CB8AC3E}">
-        <p14:creationId xmlns:p14="http://schemas.microsoft.com/office/powerpoint/2010/main" val="2249372667"/>
+        <p14:creationId xmlns:p14="http://schemas.microsoft.com/office/powerpoint/2010/main" val="1850768898"/>
       </p:ext>
     </p:extLst>
   </p:cSld>
@@ -10814,10 +11184,10 @@
       </p:grpSpPr>
       <p:sp>
         <p:nvSpPr>
-          <p:cNvPr id="2" name="Title 1">
+          <p:cNvPr id="4" name="Content Placeholder 3">
             <a:extLst>
               <a:ext uri="{FF2B5EF4-FFF2-40B4-BE49-F238E27FC236}">
-                <a16:creationId xmlns:a16="http://schemas.microsoft.com/office/drawing/2014/main" id="{65B8CE60-587E-1D5C-8B50-ED3441BA49CE}"/>
+                <a16:creationId xmlns:a16="http://schemas.microsoft.com/office/drawing/2014/main" id="{43E198AA-251D-4446-30C4-8F2FA7F6A72C}"/>
               </a:ext>
             </a:extLst>
           </p:cNvPr>
@@ -10825,13 +11195,13 @@
             <a:spLocks noGrp="1"/>
           </p:cNvSpPr>
           <p:nvPr>
-            <p:ph type="ctrTitle"/>
+            <p:ph sz="quarter" idx="14"/>
           </p:nvPr>
         </p:nvSpPr>
         <p:spPr>
           <a:xfrm>
-            <a:off x="6299835" y="430529"/>
-            <a:ext cx="5486400" cy="3291840"/>
+            <a:off x="500982" y="2393226"/>
+            <a:ext cx="10014618" cy="4265233"/>
           </a:xfrm>
         </p:spPr>
         <p:txBody>
@@ -10840,63 +11210,47 @@
           <a:p>
             <a:r>
               <a:rPr lang="en-US" dirty="0"/>
-              <a:t>Overcoming nervousness</a:t>
+              <a:t>The number of survivors continuing to pursue higher levels of education saw a dramatic increase post-injury</a:t>
+            </a:r>
+          </a:p>
+          <a:p>
+            <a:r>
+              <a:rPr lang="en-US" dirty="0"/>
+              <a:t>Bachelor’s Degrees saw an 18.02% increase</a:t>
+            </a:r>
+          </a:p>
+          <a:p>
+            <a:r>
+              <a:rPr lang="en-US" dirty="0"/>
+              <a:t>Associate’s Degrees saw an 14.45% increase</a:t>
+            </a:r>
+          </a:p>
+          <a:p>
+            <a:r>
+              <a:rPr lang="en-US" dirty="0"/>
+              <a:t>Master’s Degrees saw an 9.11% increase</a:t>
+            </a:r>
+          </a:p>
+          <a:p>
+            <a:r>
+              <a:rPr lang="en-US" dirty="0"/>
+              <a:t>Doctorate Degrees saw an 3.02% increase</a:t>
+            </a:r>
+          </a:p>
+          <a:p>
+            <a:r>
+              <a:rPr lang="en-US" dirty="0"/>
+              <a:t>High School Diplomas or lower education saw a 40.51% drop </a:t>
             </a:r>
           </a:p>
         </p:txBody>
       </p:sp>
-      <p:pic>
-        <p:nvPicPr>
-          <p:cNvPr id="12" name="Picture Placeholder 4" descr="A close-up of a wood grain">
-            <a:extLst>
-              <a:ext uri="{FF2B5EF4-FFF2-40B4-BE49-F238E27FC236}">
-                <a16:creationId xmlns:a16="http://schemas.microsoft.com/office/drawing/2014/main" id="{7D5BDB53-9169-3BBC-9362-0539514AC7DD}"/>
-              </a:ext>
-            </a:extLst>
-          </p:cNvPr>
-          <p:cNvPicPr>
-            <a:picLocks noGrp="1" noChangeAspect="1"/>
-          </p:cNvPicPr>
-          <p:nvPr>
-            <p:ph type="pic" sz="quarter" idx="12"/>
-          </p:nvPr>
-        </p:nvPicPr>
-        <p:blipFill rotWithShape="1">
-          <a:blip r:embed="rId3">
-            <a:extLst>
-              <a:ext uri="{BEBA8EAE-BF5A-486C-A8C5-ECC9F3942E4B}">
-                <a14:imgProps xmlns:a14="http://schemas.microsoft.com/office/drawing/2010/main">
-                  <a14:imgLayer r:embed="rId4">
-                    <a14:imgEffect>
-                      <a14:colorTemperature colorTemp="4700"/>
-                    </a14:imgEffect>
-                    <a14:imgEffect>
-                      <a14:saturation sat="0"/>
-                    </a14:imgEffect>
-                  </a14:imgLayer>
-                </a14:imgProps>
-              </a:ext>
-              <a:ext uri="{28A0092B-C50C-407E-A947-70E740481C1C}">
-                <a14:useLocalDpi xmlns:a14="http://schemas.microsoft.com/office/drawing/2010/main" val="0"/>
-              </a:ext>
-            </a:extLst>
-          </a:blip>
-          <a:srcRect/>
-          <a:stretch/>
-        </p:blipFill>
-        <p:spPr>
-          <a:xfrm>
-            <a:off x="0" y="-11113"/>
-            <a:ext cx="5791200" cy="6880226"/>
-          </a:xfrm>
-        </p:spPr>
-      </p:pic>
       <p:sp>
         <p:nvSpPr>
-          <p:cNvPr id="3" name="Text Placeholder 2">
+          <p:cNvPr id="2" name="Title 1">
             <a:extLst>
               <a:ext uri="{FF2B5EF4-FFF2-40B4-BE49-F238E27FC236}">
-                <a16:creationId xmlns:a16="http://schemas.microsoft.com/office/drawing/2014/main" id="{0E02AE9C-BA1D-195E-3B93-A5A0CC03D8F3}"/>
+                <a16:creationId xmlns:a16="http://schemas.microsoft.com/office/drawing/2014/main" id="{F0759DC4-8B30-98A0-5BAB-C78BA4A4AD55}"/>
               </a:ext>
             </a:extLst>
           </p:cNvPr>
@@ -10904,30 +11258,56 @@
             <a:spLocks noGrp="1"/>
           </p:cNvSpPr>
           <p:nvPr>
-            <p:ph type="body" sz="quarter" idx="11"/>
+            <p:ph type="title"/>
           </p:nvPr>
         </p:nvSpPr>
         <p:spPr>
           <a:xfrm>
-            <a:off x="6299835" y="4568602"/>
-            <a:ext cx="5486400" cy="1645920"/>
+            <a:off x="500982" y="199541"/>
+            <a:ext cx="9540815" cy="1839461"/>
           </a:xfrm>
         </p:spPr>
         <p:txBody>
           <a:bodyPr/>
           <a:lstStyle/>
           <a:p>
+            <a:pPr marR="0" lvl="0" algn="ctr">
+              <a:spcBef>
+                <a:spcPts val="0"/>
+              </a:spcBef>
+              <a:spcAft>
+                <a:spcPts val="0"/>
+              </a:spcAft>
+            </a:pPr>
             <a:r>
-              <a:rPr lang="en-US" dirty="0"/>
-              <a:t>Confidence-building strategies</a:t>
+              <a:rPr lang="en-US" sz="4400" dirty="0">
+                <a:solidFill>
+                  <a:srgbClr val="010101"/>
+                </a:solidFill>
+                <a:effectLst/>
+                <a:highlight>
+                  <a:srgbClr val="FFFFFF"/>
+                </a:highlight>
+                <a:ea typeface="Georgia" panose="02040502050405020303" pitchFamily="18" charset="0"/>
+                <a:cs typeface="Georgia" panose="02040502050405020303" pitchFamily="18" charset="0"/>
+              </a:rPr>
+              <a:t>What percentage of survivors pursue higher education at injury vs post injury?</a:t>
             </a:r>
+            <a:endParaRPr lang="en-US" sz="4400" dirty="0">
+              <a:effectLst/>
+              <a:highlight>
+                <a:srgbClr val="FFFFFF"/>
+              </a:highlight>
+              <a:ea typeface="Georgia" panose="02040502050405020303" pitchFamily="18" charset="0"/>
+              <a:cs typeface="Georgia" panose="02040502050405020303" pitchFamily="18" charset="0"/>
+            </a:endParaRPr>
           </a:p>
         </p:txBody>
       </p:sp>
     </p:spTree>
     <p:extLst>
       <p:ext uri="{BB962C8B-B14F-4D97-AF65-F5344CB8AC3E}">
-        <p14:creationId xmlns:p14="http://schemas.microsoft.com/office/powerpoint/2010/main" val="1440871986"/>
+        <p14:creationId xmlns:p14="http://schemas.microsoft.com/office/powerpoint/2010/main" val="716150947"/>
       </p:ext>
     </p:extLst>
   </p:cSld>
@@ -10942,13 +11322,7 @@
   <p:cSld>
     <p:spTree>
       <p:nvGrpSpPr>
-        <p:cNvPr id="1" name="">
-          <a:extLst>
-            <a:ext uri="{FF2B5EF4-FFF2-40B4-BE49-F238E27FC236}">
-              <a16:creationId xmlns:a16="http://schemas.microsoft.com/office/drawing/2014/main" id="{C21633A5-8BE3-D44D-57F3-2EF161376844}"/>
-            </a:ext>
-          </a:extLst>
-        </p:cNvPr>
+        <p:cNvPr id="1" name=""/>
         <p:cNvGrpSpPr/>
         <p:nvPr/>
       </p:nvGrpSpPr>
@@ -10962,76 +11336,252 @@
       </p:grpSpPr>
       <p:sp>
         <p:nvSpPr>
-          <p:cNvPr id="9" name="Title 8">
+          <p:cNvPr id="8" name="TextBox 7">
             <a:extLst>
               <a:ext uri="{FF2B5EF4-FFF2-40B4-BE49-F238E27FC236}">
-                <a16:creationId xmlns:a16="http://schemas.microsoft.com/office/drawing/2014/main" id="{5AB6D40A-2A0A-AF3D-8CF7-3ECD37765637}"/>
+                <a16:creationId xmlns:a16="http://schemas.microsoft.com/office/drawing/2014/main" id="{D3CDA2FC-EBBF-EE7F-D5EC-AD28C0F68788}"/>
               </a:ext>
             </a:extLst>
           </p:cNvPr>
-          <p:cNvSpPr>
-            <a:spLocks noGrp="1"/>
-          </p:cNvSpPr>
-          <p:nvPr>
-            <p:ph type="ctrTitle"/>
-          </p:nvPr>
+          <p:cNvSpPr txBox="1"/>
+          <p:nvPr/>
         </p:nvSpPr>
         <p:spPr>
           <a:xfrm>
-            <a:off x="6309904" y="411479"/>
-            <a:ext cx="5486400" cy="3291840"/>
+            <a:off x="1993124" y="475898"/>
+            <a:ext cx="1041620" cy="369332"/>
           </a:xfrm>
+          <a:prstGeom prst="rect">
+            <a:avLst/>
+          </a:prstGeom>
+          <a:noFill/>
         </p:spPr>
         <p:txBody>
-          <a:bodyPr/>
+          <a:bodyPr wrap="square" rtlCol="0">
+            <a:spAutoFit/>
+          </a:bodyPr>
           <a:lstStyle/>
           <a:p>
             <a:r>
-              <a:rPr lang="en-US" dirty="0"/>
-              <a:t>Selecting visual aids</a:t>
+              <a:rPr lang="en-US" b="1" dirty="0">
+                <a:solidFill>
+                  <a:schemeClr val="bg1"/>
+                </a:solidFill>
+              </a:rPr>
+              <a:t>At Injury</a:t>
             </a:r>
           </a:p>
         </p:txBody>
       </p:sp>
       <p:sp>
         <p:nvSpPr>
-          <p:cNvPr id="3" name="Text Placeholder 2">
+          <p:cNvPr id="9" name="TextBox 8">
             <a:extLst>
               <a:ext uri="{FF2B5EF4-FFF2-40B4-BE49-F238E27FC236}">
-                <a16:creationId xmlns:a16="http://schemas.microsoft.com/office/drawing/2014/main" id="{591442CD-A26D-1761-8CE7-8BC3075BB4ED}"/>
+                <a16:creationId xmlns:a16="http://schemas.microsoft.com/office/drawing/2014/main" id="{3620F464-2733-40B8-A7E0-28B5C9E27462}"/>
               </a:ext>
             </a:extLst>
           </p:cNvPr>
-          <p:cNvSpPr>
-            <a:spLocks noGrp="1"/>
-          </p:cNvSpPr>
-          <p:nvPr>
-            <p:ph type="body" sz="quarter" idx="11"/>
-          </p:nvPr>
+          <p:cNvSpPr txBox="1"/>
+          <p:nvPr/>
         </p:nvSpPr>
         <p:spPr>
           <a:xfrm>
-            <a:off x="6309905" y="4549552"/>
-            <a:ext cx="5486400" cy="1645920"/>
+            <a:off x="5008307" y="516969"/>
+            <a:ext cx="1398102" cy="369332"/>
           </a:xfrm>
+          <a:prstGeom prst="rect">
+            <a:avLst/>
+          </a:prstGeom>
+          <a:noFill/>
         </p:spPr>
         <p:txBody>
-          <a:bodyPr>
-            <a:normAutofit/>
+          <a:bodyPr wrap="square" rtlCol="0">
+            <a:spAutoFit/>
           </a:bodyPr>
           <a:lstStyle/>
           <a:p>
             <a:r>
-              <a:rPr lang="en-US" dirty="0"/>
-              <a:t>Enhancing your presentation</a:t>
+              <a:rPr lang="en-US" b="1" dirty="0">
+                <a:solidFill>
+                  <a:schemeClr val="bg1"/>
+                </a:solidFill>
+              </a:rPr>
+              <a:t>Post Injury</a:t>
             </a:r>
           </a:p>
         </p:txBody>
       </p:sp>
+      <p:sp>
+        <p:nvSpPr>
+          <p:cNvPr id="2" name="Title 5">
+            <a:extLst>
+              <a:ext uri="{FF2B5EF4-FFF2-40B4-BE49-F238E27FC236}">
+                <a16:creationId xmlns:a16="http://schemas.microsoft.com/office/drawing/2014/main" id="{DB416918-87CD-82FA-81FE-FAE5EFF1934D}"/>
+              </a:ext>
+            </a:extLst>
+          </p:cNvPr>
+          <p:cNvSpPr txBox="1">
+            <a:spLocks/>
+          </p:cNvSpPr>
+          <p:nvPr/>
+        </p:nvSpPr>
+        <p:spPr>
+          <a:xfrm>
+            <a:off x="690113" y="55213"/>
+            <a:ext cx="10834778" cy="1380760"/>
+          </a:xfrm>
+          <a:prstGeom prst="rect">
+            <a:avLst/>
+          </a:prstGeom>
+        </p:spPr>
+        <p:txBody>
+          <a:bodyPr vert="horz" lIns="0" tIns="0" rIns="0" bIns="0" rtlCol="0" anchor="b" anchorCtr="0">
+            <a:noAutofit/>
+          </a:bodyPr>
+          <a:lstStyle>
+            <a:lvl1pPr algn="l" defTabSz="914400" rtl="0" eaLnBrk="1" latinLnBrk="0" hangingPunct="1">
+              <a:lnSpc>
+                <a:spcPct val="80000"/>
+              </a:lnSpc>
+              <a:spcBef>
+                <a:spcPct val="0"/>
+              </a:spcBef>
+              <a:buNone/>
+              <a:defRPr sz="4400" b="1" i="0" kern="1200" spc="100" baseline="0">
+                <a:solidFill>
+                  <a:schemeClr val="bg1"/>
+                </a:solidFill>
+                <a:latin typeface="+mj-lt"/>
+                <a:ea typeface="+mj-ea"/>
+                <a:cs typeface="+mj-cs"/>
+              </a:defRPr>
+            </a:lvl1pPr>
+            <a:lvl2pPr eaLnBrk="1" hangingPunct="1">
+              <a:defRPr>
+                <a:solidFill>
+                  <a:schemeClr val="tx2"/>
+                </a:solidFill>
+              </a:defRPr>
+            </a:lvl2pPr>
+            <a:lvl3pPr eaLnBrk="1" hangingPunct="1">
+              <a:defRPr>
+                <a:solidFill>
+                  <a:schemeClr val="tx2"/>
+                </a:solidFill>
+              </a:defRPr>
+            </a:lvl3pPr>
+            <a:lvl4pPr eaLnBrk="1" hangingPunct="1">
+              <a:defRPr>
+                <a:solidFill>
+                  <a:schemeClr val="tx2"/>
+                </a:solidFill>
+              </a:defRPr>
+            </a:lvl4pPr>
+            <a:lvl5pPr eaLnBrk="1" hangingPunct="1">
+              <a:defRPr>
+                <a:solidFill>
+                  <a:schemeClr val="tx2"/>
+                </a:solidFill>
+              </a:defRPr>
+            </a:lvl5pPr>
+            <a:lvl6pPr eaLnBrk="1" hangingPunct="1">
+              <a:defRPr>
+                <a:solidFill>
+                  <a:schemeClr val="tx2"/>
+                </a:solidFill>
+              </a:defRPr>
+            </a:lvl6pPr>
+            <a:lvl7pPr eaLnBrk="1" hangingPunct="1">
+              <a:defRPr>
+                <a:solidFill>
+                  <a:schemeClr val="tx2"/>
+                </a:solidFill>
+              </a:defRPr>
+            </a:lvl7pPr>
+            <a:lvl8pPr eaLnBrk="1" hangingPunct="1">
+              <a:defRPr>
+                <a:solidFill>
+                  <a:schemeClr val="tx2"/>
+                </a:solidFill>
+              </a:defRPr>
+            </a:lvl8pPr>
+            <a:lvl9pPr eaLnBrk="1" hangingPunct="1">
+              <a:defRPr>
+                <a:solidFill>
+                  <a:schemeClr val="tx2"/>
+                </a:solidFill>
+              </a:defRPr>
+            </a:lvl9pPr>
+          </a:lstStyle>
+          <a:p>
+            <a:pPr marR="0" lvl="0" algn="ctr">
+              <a:spcBef>
+                <a:spcPts val="0"/>
+              </a:spcBef>
+              <a:spcAft>
+                <a:spcPts val="0"/>
+              </a:spcAft>
+            </a:pPr>
+            <a:r>
+              <a:rPr lang="en-US" sz="4400" dirty="0">
+                <a:solidFill>
+                  <a:srgbClr val="010101"/>
+                </a:solidFill>
+                <a:effectLst/>
+                <a:highlight>
+                  <a:srgbClr val="FFFFFF"/>
+                </a:highlight>
+                <a:ea typeface="Georgia" panose="02040502050405020303" pitchFamily="18" charset="0"/>
+                <a:cs typeface="Georgia" panose="02040502050405020303" pitchFamily="18" charset="0"/>
+              </a:rPr>
+              <a:t>What percentage of survivors have a career at injury vs post injury?</a:t>
+            </a:r>
+            <a:endParaRPr lang="en-US" sz="4400" dirty="0">
+              <a:effectLst/>
+              <a:highlight>
+                <a:srgbClr val="FFFFFF"/>
+              </a:highlight>
+              <a:ea typeface="Georgia" panose="02040502050405020303" pitchFamily="18" charset="0"/>
+              <a:cs typeface="Georgia" panose="02040502050405020303" pitchFamily="18" charset="0"/>
+            </a:endParaRPr>
+          </a:p>
+        </p:txBody>
+      </p:sp>
+      <p:pic>
+        <p:nvPicPr>
+          <p:cNvPr id="11" name="Picture 10">
+            <a:extLst>
+              <a:ext uri="{FF2B5EF4-FFF2-40B4-BE49-F238E27FC236}">
+                <a16:creationId xmlns:a16="http://schemas.microsoft.com/office/drawing/2014/main" id="{CB04DFD9-05F1-045C-3BC8-03C9711A80DE}"/>
+              </a:ext>
+            </a:extLst>
+          </p:cNvPr>
+          <p:cNvPicPr>
+            <a:picLocks noChangeAspect="1"/>
+          </p:cNvPicPr>
+          <p:nvPr/>
+        </p:nvPicPr>
+        <p:blipFill>
+          <a:blip r:embed="rId3"/>
+          <a:stretch>
+            <a:fillRect/>
+          </a:stretch>
+        </p:blipFill>
+        <p:spPr>
+          <a:xfrm>
+            <a:off x="2074534" y="1565072"/>
+            <a:ext cx="8389308" cy="4228212"/>
+          </a:xfrm>
+          <a:prstGeom prst="rect">
+            <a:avLst/>
+          </a:prstGeom>
+        </p:spPr>
+      </p:pic>
     </p:spTree>
     <p:extLst>
       <p:ext uri="{BB962C8B-B14F-4D97-AF65-F5344CB8AC3E}">
-        <p14:creationId xmlns:p14="http://schemas.microsoft.com/office/powerpoint/2010/main" val="2039059756"/>
+        <p14:creationId xmlns:p14="http://schemas.microsoft.com/office/powerpoint/2010/main" val="1165606152"/>
       </p:ext>
     </p:extLst>
   </p:cSld>
@@ -11063,7 +11613,7 @@
           <p:cNvPr id="2" name="Title 1">
             <a:extLst>
               <a:ext uri="{FF2B5EF4-FFF2-40B4-BE49-F238E27FC236}">
-                <a16:creationId xmlns:a16="http://schemas.microsoft.com/office/drawing/2014/main" id="{60BD29B5-1B58-809F-FEA7-B82105E94664}"/>
+                <a16:creationId xmlns:a16="http://schemas.microsoft.com/office/drawing/2014/main" id="{F0759DC4-8B30-98A0-5BAB-C78BA4A4AD55}"/>
               </a:ext>
             </a:extLst>
           </p:cNvPr>
@@ -11076,8 +11626,8 @@
         </p:nvSpPr>
         <p:spPr>
           <a:xfrm>
-            <a:off x="6318885" y="3499667"/>
-            <a:ext cx="4939666" cy="2542810"/>
+            <a:off x="3442590" y="242675"/>
+            <a:ext cx="4217667" cy="595222"/>
           </a:xfrm>
         </p:spPr>
         <p:txBody>
@@ -11085,116 +11635,277 @@
           <a:lstStyle/>
           <a:p>
             <a:r>
-              <a:rPr lang="en-US" dirty="0"/>
-              <a:t>Navigating Q&amp;A sessions</a:t>
+              <a:rPr lang="en-US" sz="4200" dirty="0"/>
+              <a:t>Marriage Rates</a:t>
             </a:r>
           </a:p>
         </p:txBody>
       </p:sp>
       <p:sp>
         <p:nvSpPr>
-          <p:cNvPr id="4" name="Content Placeholder 3">
+          <p:cNvPr id="7" name="TextBox 6">
             <a:extLst>
               <a:ext uri="{FF2B5EF4-FFF2-40B4-BE49-F238E27FC236}">
-                <a16:creationId xmlns:a16="http://schemas.microsoft.com/office/drawing/2014/main" id="{07C3632C-2D2E-7026-33B8-EE42DA4BDB5C}"/>
+                <a16:creationId xmlns:a16="http://schemas.microsoft.com/office/drawing/2014/main" id="{8C38F152-E7C4-7A1D-C6ED-B18775AB9B2C}"/>
               </a:ext>
             </a:extLst>
           </p:cNvPr>
-          <p:cNvSpPr>
-            <a:spLocks noGrp="1"/>
-          </p:cNvSpPr>
-          <p:nvPr>
-            <p:ph sz="quarter" idx="14"/>
-          </p:nvPr>
+          <p:cNvSpPr txBox="1"/>
+          <p:nvPr/>
         </p:nvSpPr>
         <p:spPr>
           <a:xfrm>
-            <a:off x="603885" y="457201"/>
-            <a:ext cx="5198269" cy="2305050"/>
+            <a:off x="457200" y="1863306"/>
+            <a:ext cx="2518913" cy="612475"/>
           </a:xfrm>
+          <a:prstGeom prst="rect">
+            <a:avLst/>
+          </a:prstGeom>
+          <a:solidFill>
+            <a:schemeClr val="tx1"/>
+          </a:solidFill>
         </p:spPr>
         <p:txBody>
-          <a:bodyPr/>
+          <a:bodyPr wrap="square" rtlCol="0">
+            <a:spAutoFit/>
+          </a:bodyPr>
           <a:lstStyle/>
           <a:p>
-            <a:r>
-              <a:rPr lang="en-US" dirty="0"/>
-              <a:t>Know your material in advance</a:t>
-            </a:r>
-          </a:p>
-          <a:p>
-            <a:r>
-              <a:rPr lang="en-US" dirty="0"/>
-              <a:t>Anticipate common questions</a:t>
-            </a:r>
-          </a:p>
-          <a:p>
-            <a:r>
-              <a:rPr lang="en-US" dirty="0"/>
-              <a:t>Rehearse your responses</a:t>
-            </a:r>
+            <a:endParaRPr lang="en-US" dirty="0"/>
           </a:p>
         </p:txBody>
       </p:sp>
+      <p:pic>
+        <p:nvPicPr>
+          <p:cNvPr id="6" name="Picture 5">
+            <a:extLst>
+              <a:ext uri="{FF2B5EF4-FFF2-40B4-BE49-F238E27FC236}">
+                <a16:creationId xmlns:a16="http://schemas.microsoft.com/office/drawing/2014/main" id="{224FA8D6-658B-725D-56AF-E7DA09A96E19}"/>
+              </a:ext>
+            </a:extLst>
+          </p:cNvPr>
+          <p:cNvPicPr>
+            <a:picLocks noChangeAspect="1"/>
+          </p:cNvPicPr>
+          <p:nvPr/>
+        </p:nvPicPr>
+        <p:blipFill>
+          <a:blip r:embed="rId3"/>
+          <a:stretch>
+            <a:fillRect/>
+          </a:stretch>
+        </p:blipFill>
+        <p:spPr>
+          <a:xfrm>
+            <a:off x="1467139" y="1135238"/>
+            <a:ext cx="7630590" cy="4124901"/>
+          </a:xfrm>
+          <a:prstGeom prst="rect">
+            <a:avLst/>
+          </a:prstGeom>
+        </p:spPr>
+      </p:pic>
       <p:sp>
         <p:nvSpPr>
-          <p:cNvPr id="3" name="Content Placeholder 2">
+          <p:cNvPr id="8" name="Content Placeholder 3">
             <a:extLst>
               <a:ext uri="{FF2B5EF4-FFF2-40B4-BE49-F238E27FC236}">
-                <a16:creationId xmlns:a16="http://schemas.microsoft.com/office/drawing/2014/main" id="{8B599B60-BF79-A832-6AD4-6C6FC6CE4317}"/>
+                <a16:creationId xmlns:a16="http://schemas.microsoft.com/office/drawing/2014/main" id="{36A71E29-E193-AEC3-8F97-E10D018B0C59}"/>
               </a:ext>
             </a:extLst>
           </p:cNvPr>
-          <p:cNvSpPr>
-            <a:spLocks noGrp="1"/>
+          <p:cNvSpPr txBox="1">
+            <a:spLocks/>
           </p:cNvSpPr>
-          <p:nvPr>
-            <p:ph sz="quarter" idx="15"/>
-          </p:nvPr>
+          <p:nvPr/>
         </p:nvSpPr>
         <p:spPr>
           <a:xfrm>
-            <a:off x="594360" y="2810595"/>
-            <a:ext cx="5198269" cy="3319513"/>
+            <a:off x="1346371" y="5553673"/>
+            <a:ext cx="10014618" cy="1035774"/>
           </a:xfrm>
+          <a:prstGeom prst="rect">
+            <a:avLst/>
+          </a:prstGeom>
         </p:spPr>
         <p:txBody>
-          <a:bodyPr>
+          <a:bodyPr vert="horz" lIns="0" tIns="45720" rIns="91440" bIns="45720" rtlCol="0">
             <a:normAutofit/>
           </a:bodyPr>
-          <a:lstStyle/>
+          <a:lstStyle>
+            <a:lvl1pPr marL="342900" indent="-342900" algn="l" defTabSz="914400" rtl="0" eaLnBrk="1" latinLnBrk="0" hangingPunct="1">
+              <a:lnSpc>
+                <a:spcPct val="90000"/>
+              </a:lnSpc>
+              <a:spcBef>
+                <a:spcPts val="1800"/>
+              </a:spcBef>
+              <a:buFont typeface="Arial" panose="020B0604020202020204" pitchFamily="34" charset="0"/>
+              <a:buChar char="•"/>
+              <a:defRPr sz="2000" b="0" i="0" kern="1200">
+                <a:solidFill>
+                  <a:schemeClr val="bg1"/>
+                </a:solidFill>
+                <a:latin typeface="+mn-lt"/>
+                <a:ea typeface="+mn-ea"/>
+                <a:cs typeface="+mn-cs"/>
+              </a:defRPr>
+            </a:lvl1pPr>
+            <a:lvl2pPr marL="685800" indent="-283464" algn="l" defTabSz="914400" rtl="0" eaLnBrk="1" latinLnBrk="0" hangingPunct="1">
+              <a:lnSpc>
+                <a:spcPct val="90000"/>
+              </a:lnSpc>
+              <a:spcBef>
+                <a:spcPts val="1800"/>
+              </a:spcBef>
+              <a:buFont typeface="Arial" panose="020B0604020202020204" pitchFamily="34" charset="0"/>
+              <a:buChar char="•"/>
+              <a:defRPr sz="2000" b="0" i="0" kern="1200">
+                <a:solidFill>
+                  <a:schemeClr val="bg1"/>
+                </a:solidFill>
+                <a:latin typeface="+mn-lt"/>
+                <a:ea typeface="+mn-ea"/>
+                <a:cs typeface="+mn-cs"/>
+              </a:defRPr>
+            </a:lvl2pPr>
+            <a:lvl3pPr marL="1143000" indent="-283464" algn="l" defTabSz="914400" rtl="0" eaLnBrk="1" latinLnBrk="0" hangingPunct="1">
+              <a:lnSpc>
+                <a:spcPct val="90000"/>
+              </a:lnSpc>
+              <a:spcBef>
+                <a:spcPts val="1800"/>
+              </a:spcBef>
+              <a:buFont typeface="Arial" panose="020B0604020202020204" pitchFamily="34" charset="0"/>
+              <a:buChar char="•"/>
+              <a:defRPr sz="2000" b="0" i="0" kern="1200">
+                <a:solidFill>
+                  <a:schemeClr val="bg1"/>
+                </a:solidFill>
+                <a:latin typeface="+mn-lt"/>
+                <a:ea typeface="+mn-ea"/>
+                <a:cs typeface="+mn-cs"/>
+              </a:defRPr>
+            </a:lvl3pPr>
+            <a:lvl4pPr marL="1600200" indent="-283464" algn="l" defTabSz="914400" rtl="0" eaLnBrk="1" latinLnBrk="0" hangingPunct="1">
+              <a:lnSpc>
+                <a:spcPct val="90000"/>
+              </a:lnSpc>
+              <a:spcBef>
+                <a:spcPts val="1800"/>
+              </a:spcBef>
+              <a:buFont typeface="Arial" panose="020B0604020202020204" pitchFamily="34" charset="0"/>
+              <a:buChar char="•"/>
+              <a:defRPr sz="2000" b="0" i="0" kern="1200">
+                <a:solidFill>
+                  <a:schemeClr val="bg1"/>
+                </a:solidFill>
+                <a:latin typeface="+mn-lt"/>
+                <a:ea typeface="+mn-ea"/>
+                <a:cs typeface="+mn-cs"/>
+              </a:defRPr>
+            </a:lvl4pPr>
+            <a:lvl5pPr marL="2057400" indent="-283464" algn="l" defTabSz="914400" rtl="0" eaLnBrk="1" latinLnBrk="0" hangingPunct="1">
+              <a:lnSpc>
+                <a:spcPct val="90000"/>
+              </a:lnSpc>
+              <a:spcBef>
+                <a:spcPts val="1800"/>
+              </a:spcBef>
+              <a:buFont typeface="Arial" panose="020B0604020202020204" pitchFamily="34" charset="0"/>
+              <a:buChar char="•"/>
+              <a:defRPr sz="2000" b="0" i="0" kern="1200">
+                <a:solidFill>
+                  <a:schemeClr val="bg1"/>
+                </a:solidFill>
+                <a:latin typeface="+mn-lt"/>
+                <a:ea typeface="+mn-ea"/>
+                <a:cs typeface="+mn-cs"/>
+              </a:defRPr>
+            </a:lvl5pPr>
+            <a:lvl6pPr marL="2514600" indent="-228600" algn="l" defTabSz="914400" rtl="0" eaLnBrk="1" latinLnBrk="0" hangingPunct="1">
+              <a:lnSpc>
+                <a:spcPct val="90000"/>
+              </a:lnSpc>
+              <a:spcBef>
+                <a:spcPts val="500"/>
+              </a:spcBef>
+              <a:buFont typeface="Arial" panose="020B0604020202020204" pitchFamily="34" charset="0"/>
+              <a:buChar char="•"/>
+              <a:defRPr sz="1800" kern="1200">
+                <a:solidFill>
+                  <a:schemeClr val="tx1"/>
+                </a:solidFill>
+                <a:latin typeface="+mn-lt"/>
+                <a:ea typeface="+mn-ea"/>
+                <a:cs typeface="+mn-cs"/>
+              </a:defRPr>
+            </a:lvl6pPr>
+            <a:lvl7pPr marL="2971800" indent="-228600" algn="l" defTabSz="914400" rtl="0" eaLnBrk="1" latinLnBrk="0" hangingPunct="1">
+              <a:lnSpc>
+                <a:spcPct val="90000"/>
+              </a:lnSpc>
+              <a:spcBef>
+                <a:spcPts val="500"/>
+              </a:spcBef>
+              <a:buFont typeface="Arial" panose="020B0604020202020204" pitchFamily="34" charset="0"/>
+              <a:buChar char="•"/>
+              <a:defRPr sz="1800" kern="1200">
+                <a:solidFill>
+                  <a:schemeClr val="tx1"/>
+                </a:solidFill>
+                <a:latin typeface="+mn-lt"/>
+                <a:ea typeface="+mn-ea"/>
+                <a:cs typeface="+mn-cs"/>
+              </a:defRPr>
+            </a:lvl7pPr>
+            <a:lvl8pPr marL="3429000" indent="-228600" algn="l" defTabSz="914400" rtl="0" eaLnBrk="1" latinLnBrk="0" hangingPunct="1">
+              <a:lnSpc>
+                <a:spcPct val="90000"/>
+              </a:lnSpc>
+              <a:spcBef>
+                <a:spcPts val="500"/>
+              </a:spcBef>
+              <a:buFont typeface="Arial" panose="020B0604020202020204" pitchFamily="34" charset="0"/>
+              <a:buChar char="•"/>
+              <a:defRPr sz="1800" kern="1200">
+                <a:solidFill>
+                  <a:schemeClr val="tx1"/>
+                </a:solidFill>
+                <a:latin typeface="+mn-lt"/>
+                <a:ea typeface="+mn-ea"/>
+                <a:cs typeface="+mn-cs"/>
+              </a:defRPr>
+            </a:lvl8pPr>
+            <a:lvl9pPr marL="3886200" indent="-228600" algn="l" defTabSz="914400" rtl="0" eaLnBrk="1" latinLnBrk="0" hangingPunct="1">
+              <a:lnSpc>
+                <a:spcPct val="90000"/>
+              </a:lnSpc>
+              <a:spcBef>
+                <a:spcPts val="500"/>
+              </a:spcBef>
+              <a:buFont typeface="Arial" panose="020B0604020202020204" pitchFamily="34" charset="0"/>
+              <a:buChar char="•"/>
+              <a:defRPr sz="1800" kern="1200">
+                <a:solidFill>
+                  <a:schemeClr val="tx1"/>
+                </a:solidFill>
+                <a:latin typeface="+mn-lt"/>
+                <a:ea typeface="+mn-ea"/>
+                <a:cs typeface="+mn-cs"/>
+              </a:defRPr>
+            </a:lvl9pPr>
+          </a:lstStyle>
           <a:p>
             <a:r>
               <a:rPr lang="en-US" dirty="0"/>
-              <a:t>Maintaining composure during the Q&amp;A session is essential for projecting confidence and authority. Consider the following tips for staying composed:</a:t>
+              <a:t>The percentage of single survivors decreased from time of injury through 30 years.</a:t>
             </a:r>
           </a:p>
           <a:p>
-            <a:pPr lvl="1"/>
             <a:r>
               <a:rPr lang="en-US" dirty="0"/>
-              <a:t>Stay calm</a:t>
-            </a:r>
-          </a:p>
-          <a:p>
-            <a:pPr lvl="1"/>
-            <a:r>
-              <a:rPr lang="en-US" dirty="0"/>
-              <a:t>Actively listen</a:t>
-            </a:r>
-          </a:p>
-          <a:p>
-            <a:pPr lvl="1"/>
-            <a:r>
-              <a:rPr lang="en-US" dirty="0"/>
-              <a:t>Pause and reflect</a:t>
-            </a:r>
-          </a:p>
-          <a:p>
-            <a:pPr lvl="1"/>
-            <a:r>
-              <a:rPr lang="en-US" dirty="0"/>
-              <a:t>Maintain eye contact</a:t>
+              <a:t>Both the marriage rate and divorce rate increased over this time period.</a:t>
             </a:r>
           </a:p>
         </p:txBody>
@@ -11202,7 +11913,7 @@
     </p:spTree>
     <p:extLst>
       <p:ext uri="{BB962C8B-B14F-4D97-AF65-F5344CB8AC3E}">
-        <p14:creationId xmlns:p14="http://schemas.microsoft.com/office/powerpoint/2010/main" val="3088225330"/>
+        <p14:creationId xmlns:p14="http://schemas.microsoft.com/office/powerpoint/2010/main" val="1781485680"/>
       </p:ext>
     </p:extLst>
   </p:cSld>
@@ -11229,6 +11940,520 @@
           <a:chExt cx="0" cy="0"/>
         </a:xfrm>
       </p:grpSpPr>
+      <p:pic>
+        <p:nvPicPr>
+          <p:cNvPr id="11" name="Picture Placeholder 10" descr="A close-up of a plant">
+            <a:extLst>
+              <a:ext uri="{FF2B5EF4-FFF2-40B4-BE49-F238E27FC236}">
+                <a16:creationId xmlns:a16="http://schemas.microsoft.com/office/drawing/2014/main" id="{8DB431A1-9806-9CFE-0E5F-1A5611C2A666}"/>
+              </a:ext>
+            </a:extLst>
+          </p:cNvPr>
+          <p:cNvPicPr>
+            <a:picLocks noGrp="1" noChangeAspect="1"/>
+          </p:cNvPicPr>
+          <p:nvPr>
+            <p:ph type="pic" sz="quarter" idx="13"/>
+          </p:nvPr>
+        </p:nvPicPr>
+        <p:blipFill>
+          <a:blip r:embed="rId3">
+            <a:extLst>
+              <a:ext uri="{28A0092B-C50C-407E-A947-70E740481C1C}">
+                <a14:useLocalDpi xmlns:a14="http://schemas.microsoft.com/office/drawing/2010/main" val="0"/>
+              </a:ext>
+            </a:extLst>
+          </a:blip>
+          <a:srcRect l="23" r="23"/>
+          <a:stretch/>
+        </p:blipFill>
+        <p:spPr>
+          <a:xfrm>
+            <a:off x="0" y="0"/>
+            <a:ext cx="12192000" cy="6880225"/>
+          </a:xfrm>
+        </p:spPr>
+      </p:pic>
+      <p:sp>
+        <p:nvSpPr>
+          <p:cNvPr id="3" name="Title 2">
+            <a:extLst>
+              <a:ext uri="{FF2B5EF4-FFF2-40B4-BE49-F238E27FC236}">
+                <a16:creationId xmlns:a16="http://schemas.microsoft.com/office/drawing/2014/main" id="{9C37279A-330D-886F-340D-494A5005E5FC}"/>
+              </a:ext>
+            </a:extLst>
+          </p:cNvPr>
+          <p:cNvSpPr>
+            <a:spLocks noGrp="1"/>
+          </p:cNvSpPr>
+          <p:nvPr>
+            <p:ph type="title"/>
+          </p:nvPr>
+        </p:nvSpPr>
+        <p:spPr>
+          <a:xfrm>
+            <a:off x="6309359" y="444933"/>
+            <a:ext cx="5477479" cy="3291840"/>
+          </a:xfrm>
+        </p:spPr>
+        <p:txBody>
+          <a:bodyPr/>
+          <a:lstStyle/>
+          <a:p>
+            <a:r>
+              <a:rPr lang="en-US" dirty="0"/>
+              <a:t>Power of communication</a:t>
+            </a:r>
+          </a:p>
+        </p:txBody>
+      </p:sp>
+    </p:spTree>
+    <p:extLst>
+      <p:ext uri="{BB962C8B-B14F-4D97-AF65-F5344CB8AC3E}">
+        <p14:creationId xmlns:p14="http://schemas.microsoft.com/office/powerpoint/2010/main" val="2249372667"/>
+      </p:ext>
+    </p:extLst>
+  </p:cSld>
+  <p:clrMapOvr>
+    <a:masterClrMapping/>
+  </p:clrMapOvr>
+</p:sld>
+</file>
+
+<file path=ppt/slides/slide15.xml><?xml version="1.0" encoding="utf-8"?>
+<p:sld xmlns:a="http://schemas.openxmlformats.org/drawingml/2006/main" xmlns:r="http://schemas.openxmlformats.org/officeDocument/2006/relationships" xmlns:p="http://schemas.openxmlformats.org/presentationml/2006/main">
+  <p:cSld>
+    <p:spTree>
+      <p:nvGrpSpPr>
+        <p:cNvPr id="1" name=""/>
+        <p:cNvGrpSpPr/>
+        <p:nvPr/>
+      </p:nvGrpSpPr>
+      <p:grpSpPr>
+        <a:xfrm>
+          <a:off x="0" y="0"/>
+          <a:ext cx="0" cy="0"/>
+          <a:chOff x="0" y="0"/>
+          <a:chExt cx="0" cy="0"/>
+        </a:xfrm>
+      </p:grpSpPr>
+      <p:sp>
+        <p:nvSpPr>
+          <p:cNvPr id="2" name="Title 1">
+            <a:extLst>
+              <a:ext uri="{FF2B5EF4-FFF2-40B4-BE49-F238E27FC236}">
+                <a16:creationId xmlns:a16="http://schemas.microsoft.com/office/drawing/2014/main" id="{65B8CE60-587E-1D5C-8B50-ED3441BA49CE}"/>
+              </a:ext>
+            </a:extLst>
+          </p:cNvPr>
+          <p:cNvSpPr>
+            <a:spLocks noGrp="1"/>
+          </p:cNvSpPr>
+          <p:nvPr>
+            <p:ph type="ctrTitle"/>
+          </p:nvPr>
+        </p:nvSpPr>
+        <p:spPr>
+          <a:xfrm>
+            <a:off x="6299835" y="430529"/>
+            <a:ext cx="5486400" cy="3291840"/>
+          </a:xfrm>
+        </p:spPr>
+        <p:txBody>
+          <a:bodyPr/>
+          <a:lstStyle/>
+          <a:p>
+            <a:r>
+              <a:rPr lang="en-US" dirty="0"/>
+              <a:t>Overcoming nervousness</a:t>
+            </a:r>
+          </a:p>
+        </p:txBody>
+      </p:sp>
+      <p:pic>
+        <p:nvPicPr>
+          <p:cNvPr id="12" name="Picture Placeholder 4" descr="A close-up of a wood grain">
+            <a:extLst>
+              <a:ext uri="{FF2B5EF4-FFF2-40B4-BE49-F238E27FC236}">
+                <a16:creationId xmlns:a16="http://schemas.microsoft.com/office/drawing/2014/main" id="{7D5BDB53-9169-3BBC-9362-0539514AC7DD}"/>
+              </a:ext>
+            </a:extLst>
+          </p:cNvPr>
+          <p:cNvPicPr>
+            <a:picLocks noGrp="1" noChangeAspect="1"/>
+          </p:cNvPicPr>
+          <p:nvPr>
+            <p:ph type="pic" sz="quarter" idx="12"/>
+          </p:nvPr>
+        </p:nvPicPr>
+        <p:blipFill rotWithShape="1">
+          <a:blip r:embed="rId3">
+            <a:extLst>
+              <a:ext uri="{BEBA8EAE-BF5A-486C-A8C5-ECC9F3942E4B}">
+                <a14:imgProps xmlns:a14="http://schemas.microsoft.com/office/drawing/2010/main">
+                  <a14:imgLayer r:embed="rId4">
+                    <a14:imgEffect>
+                      <a14:colorTemperature colorTemp="4700"/>
+                    </a14:imgEffect>
+                    <a14:imgEffect>
+                      <a14:saturation sat="0"/>
+                    </a14:imgEffect>
+                  </a14:imgLayer>
+                </a14:imgProps>
+              </a:ext>
+              <a:ext uri="{28A0092B-C50C-407E-A947-70E740481C1C}">
+                <a14:useLocalDpi xmlns:a14="http://schemas.microsoft.com/office/drawing/2010/main" val="0"/>
+              </a:ext>
+            </a:extLst>
+          </a:blip>
+          <a:srcRect/>
+          <a:stretch/>
+        </p:blipFill>
+        <p:spPr>
+          <a:xfrm>
+            <a:off x="0" y="-11113"/>
+            <a:ext cx="5791200" cy="6880226"/>
+          </a:xfrm>
+        </p:spPr>
+      </p:pic>
+      <p:sp>
+        <p:nvSpPr>
+          <p:cNvPr id="3" name="Text Placeholder 2">
+            <a:extLst>
+              <a:ext uri="{FF2B5EF4-FFF2-40B4-BE49-F238E27FC236}">
+                <a16:creationId xmlns:a16="http://schemas.microsoft.com/office/drawing/2014/main" id="{0E02AE9C-BA1D-195E-3B93-A5A0CC03D8F3}"/>
+              </a:ext>
+            </a:extLst>
+          </p:cNvPr>
+          <p:cNvSpPr>
+            <a:spLocks noGrp="1"/>
+          </p:cNvSpPr>
+          <p:nvPr>
+            <p:ph type="body" sz="quarter" idx="11"/>
+          </p:nvPr>
+        </p:nvSpPr>
+        <p:spPr>
+          <a:xfrm>
+            <a:off x="6299835" y="4568602"/>
+            <a:ext cx="5486400" cy="1645920"/>
+          </a:xfrm>
+        </p:spPr>
+        <p:txBody>
+          <a:bodyPr/>
+          <a:lstStyle/>
+          <a:p>
+            <a:r>
+              <a:rPr lang="en-US" dirty="0"/>
+              <a:t>Confidence-building strategies</a:t>
+            </a:r>
+          </a:p>
+        </p:txBody>
+      </p:sp>
+    </p:spTree>
+    <p:extLst>
+      <p:ext uri="{BB962C8B-B14F-4D97-AF65-F5344CB8AC3E}">
+        <p14:creationId xmlns:p14="http://schemas.microsoft.com/office/powerpoint/2010/main" val="1440871986"/>
+      </p:ext>
+    </p:extLst>
+  </p:cSld>
+  <p:clrMapOvr>
+    <a:masterClrMapping/>
+  </p:clrMapOvr>
+</p:sld>
+</file>
+
+<file path=ppt/slides/slide16.xml><?xml version="1.0" encoding="utf-8"?>
+<p:sld xmlns:a="http://schemas.openxmlformats.org/drawingml/2006/main" xmlns:r="http://schemas.openxmlformats.org/officeDocument/2006/relationships" xmlns:p="http://schemas.openxmlformats.org/presentationml/2006/main">
+  <p:cSld>
+    <p:spTree>
+      <p:nvGrpSpPr>
+        <p:cNvPr id="1" name="">
+          <a:extLst>
+            <a:ext uri="{FF2B5EF4-FFF2-40B4-BE49-F238E27FC236}">
+              <a16:creationId xmlns:a16="http://schemas.microsoft.com/office/drawing/2014/main" id="{C21633A5-8BE3-D44D-57F3-2EF161376844}"/>
+            </a:ext>
+          </a:extLst>
+        </p:cNvPr>
+        <p:cNvGrpSpPr/>
+        <p:nvPr/>
+      </p:nvGrpSpPr>
+      <p:grpSpPr>
+        <a:xfrm>
+          <a:off x="0" y="0"/>
+          <a:ext cx="0" cy="0"/>
+          <a:chOff x="0" y="0"/>
+          <a:chExt cx="0" cy="0"/>
+        </a:xfrm>
+      </p:grpSpPr>
+      <p:sp>
+        <p:nvSpPr>
+          <p:cNvPr id="9" name="Title 8">
+            <a:extLst>
+              <a:ext uri="{FF2B5EF4-FFF2-40B4-BE49-F238E27FC236}">
+                <a16:creationId xmlns:a16="http://schemas.microsoft.com/office/drawing/2014/main" id="{5AB6D40A-2A0A-AF3D-8CF7-3ECD37765637}"/>
+              </a:ext>
+            </a:extLst>
+          </p:cNvPr>
+          <p:cNvSpPr>
+            <a:spLocks noGrp="1"/>
+          </p:cNvSpPr>
+          <p:nvPr>
+            <p:ph type="ctrTitle"/>
+          </p:nvPr>
+        </p:nvSpPr>
+        <p:spPr>
+          <a:xfrm>
+            <a:off x="6309904" y="411479"/>
+            <a:ext cx="5486400" cy="3291840"/>
+          </a:xfrm>
+        </p:spPr>
+        <p:txBody>
+          <a:bodyPr/>
+          <a:lstStyle/>
+          <a:p>
+            <a:r>
+              <a:rPr lang="en-US" dirty="0"/>
+              <a:t>Selecting visual aids</a:t>
+            </a:r>
+          </a:p>
+        </p:txBody>
+      </p:sp>
+      <p:sp>
+        <p:nvSpPr>
+          <p:cNvPr id="3" name="Text Placeholder 2">
+            <a:extLst>
+              <a:ext uri="{FF2B5EF4-FFF2-40B4-BE49-F238E27FC236}">
+                <a16:creationId xmlns:a16="http://schemas.microsoft.com/office/drawing/2014/main" id="{591442CD-A26D-1761-8CE7-8BC3075BB4ED}"/>
+              </a:ext>
+            </a:extLst>
+          </p:cNvPr>
+          <p:cNvSpPr>
+            <a:spLocks noGrp="1"/>
+          </p:cNvSpPr>
+          <p:nvPr>
+            <p:ph type="body" sz="quarter" idx="11"/>
+          </p:nvPr>
+        </p:nvSpPr>
+        <p:spPr>
+          <a:xfrm>
+            <a:off x="6309905" y="4549552"/>
+            <a:ext cx="5486400" cy="1645920"/>
+          </a:xfrm>
+        </p:spPr>
+        <p:txBody>
+          <a:bodyPr>
+            <a:normAutofit/>
+          </a:bodyPr>
+          <a:lstStyle/>
+          <a:p>
+            <a:r>
+              <a:rPr lang="en-US" dirty="0"/>
+              <a:t>Enhancing your presentation</a:t>
+            </a:r>
+          </a:p>
+        </p:txBody>
+      </p:sp>
+    </p:spTree>
+    <p:extLst>
+      <p:ext uri="{BB962C8B-B14F-4D97-AF65-F5344CB8AC3E}">
+        <p14:creationId xmlns:p14="http://schemas.microsoft.com/office/powerpoint/2010/main" val="2039059756"/>
+      </p:ext>
+    </p:extLst>
+  </p:cSld>
+  <p:clrMapOvr>
+    <a:masterClrMapping/>
+  </p:clrMapOvr>
+</p:sld>
+</file>
+
+<file path=ppt/slides/slide17.xml><?xml version="1.0" encoding="utf-8"?>
+<p:sld xmlns:a="http://schemas.openxmlformats.org/drawingml/2006/main" xmlns:r="http://schemas.openxmlformats.org/officeDocument/2006/relationships" xmlns:p="http://schemas.openxmlformats.org/presentationml/2006/main">
+  <p:cSld>
+    <p:spTree>
+      <p:nvGrpSpPr>
+        <p:cNvPr id="1" name=""/>
+        <p:cNvGrpSpPr/>
+        <p:nvPr/>
+      </p:nvGrpSpPr>
+      <p:grpSpPr>
+        <a:xfrm>
+          <a:off x="0" y="0"/>
+          <a:ext cx="0" cy="0"/>
+          <a:chOff x="0" y="0"/>
+          <a:chExt cx="0" cy="0"/>
+        </a:xfrm>
+      </p:grpSpPr>
+      <p:sp>
+        <p:nvSpPr>
+          <p:cNvPr id="2" name="Title 1">
+            <a:extLst>
+              <a:ext uri="{FF2B5EF4-FFF2-40B4-BE49-F238E27FC236}">
+                <a16:creationId xmlns:a16="http://schemas.microsoft.com/office/drawing/2014/main" id="{60BD29B5-1B58-809F-FEA7-B82105E94664}"/>
+              </a:ext>
+            </a:extLst>
+          </p:cNvPr>
+          <p:cNvSpPr>
+            <a:spLocks noGrp="1"/>
+          </p:cNvSpPr>
+          <p:nvPr>
+            <p:ph type="title"/>
+          </p:nvPr>
+        </p:nvSpPr>
+        <p:spPr>
+          <a:xfrm>
+            <a:off x="6318885" y="3499667"/>
+            <a:ext cx="4939666" cy="2542810"/>
+          </a:xfrm>
+        </p:spPr>
+        <p:txBody>
+          <a:bodyPr/>
+          <a:lstStyle/>
+          <a:p>
+            <a:r>
+              <a:rPr lang="en-US" dirty="0"/>
+              <a:t>Navigating Q&amp;A sessions</a:t>
+            </a:r>
+          </a:p>
+        </p:txBody>
+      </p:sp>
+      <p:sp>
+        <p:nvSpPr>
+          <p:cNvPr id="4" name="Content Placeholder 3">
+            <a:extLst>
+              <a:ext uri="{FF2B5EF4-FFF2-40B4-BE49-F238E27FC236}">
+                <a16:creationId xmlns:a16="http://schemas.microsoft.com/office/drawing/2014/main" id="{07C3632C-2D2E-7026-33B8-EE42DA4BDB5C}"/>
+              </a:ext>
+            </a:extLst>
+          </p:cNvPr>
+          <p:cNvSpPr>
+            <a:spLocks noGrp="1"/>
+          </p:cNvSpPr>
+          <p:nvPr>
+            <p:ph sz="quarter" idx="14"/>
+          </p:nvPr>
+        </p:nvSpPr>
+        <p:spPr>
+          <a:xfrm>
+            <a:off x="603885" y="457201"/>
+            <a:ext cx="5198269" cy="2305050"/>
+          </a:xfrm>
+        </p:spPr>
+        <p:txBody>
+          <a:bodyPr/>
+          <a:lstStyle/>
+          <a:p>
+            <a:r>
+              <a:rPr lang="en-US" dirty="0"/>
+              <a:t>Know your material in advance</a:t>
+            </a:r>
+          </a:p>
+          <a:p>
+            <a:r>
+              <a:rPr lang="en-US" dirty="0"/>
+              <a:t>Anticipate common questions</a:t>
+            </a:r>
+          </a:p>
+          <a:p>
+            <a:r>
+              <a:rPr lang="en-US" dirty="0"/>
+              <a:t>Rehearse your responses</a:t>
+            </a:r>
+          </a:p>
+        </p:txBody>
+      </p:sp>
+      <p:sp>
+        <p:nvSpPr>
+          <p:cNvPr id="3" name="Content Placeholder 2">
+            <a:extLst>
+              <a:ext uri="{FF2B5EF4-FFF2-40B4-BE49-F238E27FC236}">
+                <a16:creationId xmlns:a16="http://schemas.microsoft.com/office/drawing/2014/main" id="{8B599B60-BF79-A832-6AD4-6C6FC6CE4317}"/>
+              </a:ext>
+            </a:extLst>
+          </p:cNvPr>
+          <p:cNvSpPr>
+            <a:spLocks noGrp="1"/>
+          </p:cNvSpPr>
+          <p:nvPr>
+            <p:ph sz="quarter" idx="15"/>
+          </p:nvPr>
+        </p:nvSpPr>
+        <p:spPr>
+          <a:xfrm>
+            <a:off x="594360" y="2810595"/>
+            <a:ext cx="5198269" cy="3319513"/>
+          </a:xfrm>
+        </p:spPr>
+        <p:txBody>
+          <a:bodyPr>
+            <a:normAutofit/>
+          </a:bodyPr>
+          <a:lstStyle/>
+          <a:p>
+            <a:r>
+              <a:rPr lang="en-US" dirty="0"/>
+              <a:t>Maintaining composure during the Q&amp;A session is essential for projecting confidence and authority. Consider the following tips for staying composed:</a:t>
+            </a:r>
+          </a:p>
+          <a:p>
+            <a:pPr lvl="1"/>
+            <a:r>
+              <a:rPr lang="en-US" dirty="0"/>
+              <a:t>Stay calm</a:t>
+            </a:r>
+          </a:p>
+          <a:p>
+            <a:pPr lvl="1"/>
+            <a:r>
+              <a:rPr lang="en-US" dirty="0"/>
+              <a:t>Actively listen</a:t>
+            </a:r>
+          </a:p>
+          <a:p>
+            <a:pPr lvl="1"/>
+            <a:r>
+              <a:rPr lang="en-US" dirty="0"/>
+              <a:t>Pause and reflect</a:t>
+            </a:r>
+          </a:p>
+          <a:p>
+            <a:pPr lvl="1"/>
+            <a:r>
+              <a:rPr lang="en-US" dirty="0"/>
+              <a:t>Maintain eye contact</a:t>
+            </a:r>
+          </a:p>
+        </p:txBody>
+      </p:sp>
+    </p:spTree>
+    <p:extLst>
+      <p:ext uri="{BB962C8B-B14F-4D97-AF65-F5344CB8AC3E}">
+        <p14:creationId xmlns:p14="http://schemas.microsoft.com/office/powerpoint/2010/main" val="3088225330"/>
+      </p:ext>
+    </p:extLst>
+  </p:cSld>
+  <p:clrMapOvr>
+    <a:masterClrMapping/>
+  </p:clrMapOvr>
+</p:sld>
+</file>
+
+<file path=ppt/slides/slide18.xml><?xml version="1.0" encoding="utf-8"?>
+<p:sld xmlns:a="http://schemas.openxmlformats.org/drawingml/2006/main" xmlns:r="http://schemas.openxmlformats.org/officeDocument/2006/relationships" xmlns:p="http://schemas.openxmlformats.org/presentationml/2006/main">
+  <p:cSld>
+    <p:spTree>
+      <p:nvGrpSpPr>
+        <p:cNvPr id="1" name=""/>
+        <p:cNvGrpSpPr/>
+        <p:nvPr/>
+      </p:nvGrpSpPr>
+      <p:grpSpPr>
+        <a:xfrm>
+          <a:off x="0" y="0"/>
+          <a:ext cx="0" cy="0"/>
+          <a:chOff x="0" y="0"/>
+          <a:chExt cx="0" cy="0"/>
+        </a:xfrm>
+      </p:grpSpPr>
       <p:sp>
         <p:nvSpPr>
           <p:cNvPr id="2" name="Title 1">
@@ -11353,7 +12578,7 @@
 </p:sld>
 </file>
 
-<file path=ppt/slides/slide15.xml><?xml version="1.0" encoding="utf-8"?>
+<file path=ppt/slides/slide19.xml><?xml version="1.0" encoding="utf-8"?>
 <p:sld xmlns:a="http://schemas.openxmlformats.org/drawingml/2006/main" xmlns:r="http://schemas.openxmlformats.org/officeDocument/2006/relationships" xmlns:p="http://schemas.openxmlformats.org/presentationml/2006/main">
   <p:cSld>
     <p:spTree>
@@ -11901,7 +13126,549 @@
 </p:sld>
 </file>
 
-<file path=ppt/slides/slide16.xml><?xml version="1.0" encoding="utf-8"?>
+<file path=ppt/slides/slide2.xml><?xml version="1.0" encoding="utf-8"?>
+<p:sld xmlns:a="http://schemas.openxmlformats.org/drawingml/2006/main" xmlns:r="http://schemas.openxmlformats.org/officeDocument/2006/relationships" xmlns:p="http://schemas.openxmlformats.org/presentationml/2006/main">
+  <p:cSld>
+    <p:spTree>
+      <p:nvGrpSpPr>
+        <p:cNvPr id="1" name=""/>
+        <p:cNvGrpSpPr/>
+        <p:nvPr/>
+      </p:nvGrpSpPr>
+      <p:grpSpPr>
+        <a:xfrm>
+          <a:off x="0" y="0"/>
+          <a:ext cx="0" cy="0"/>
+          <a:chOff x="0" y="0"/>
+          <a:chExt cx="0" cy="0"/>
+        </a:xfrm>
+      </p:grpSpPr>
+      <p:sp>
+        <p:nvSpPr>
+          <p:cNvPr id="3" name="Title 2">
+            <a:extLst>
+              <a:ext uri="{FF2B5EF4-FFF2-40B4-BE49-F238E27FC236}">
+                <a16:creationId xmlns:a16="http://schemas.microsoft.com/office/drawing/2014/main" id="{545D3755-C3E2-975E-DE68-CDECC4B526EC}"/>
+              </a:ext>
+            </a:extLst>
+          </p:cNvPr>
+          <p:cNvSpPr>
+            <a:spLocks noGrp="1"/>
+          </p:cNvSpPr>
+          <p:nvPr>
+            <p:ph type="title"/>
+          </p:nvPr>
+        </p:nvSpPr>
+        <p:spPr>
+          <a:xfrm>
+            <a:off x="594360" y="102875"/>
+            <a:ext cx="10873740" cy="1680205"/>
+          </a:xfrm>
+        </p:spPr>
+        <p:txBody>
+          <a:bodyPr/>
+          <a:lstStyle/>
+          <a:p>
+            <a:r>
+              <a:rPr lang="en-US" dirty="0"/>
+              <a:t>Spinal Cord Injury Affects</a:t>
+            </a:r>
+          </a:p>
+        </p:txBody>
+      </p:sp>
+      <p:sp>
+        <p:nvSpPr>
+          <p:cNvPr id="7" name="Text Placeholder 6">
+            <a:extLst>
+              <a:ext uri="{FF2B5EF4-FFF2-40B4-BE49-F238E27FC236}">
+                <a16:creationId xmlns:a16="http://schemas.microsoft.com/office/drawing/2014/main" id="{F70BD87D-F7DA-961B-4024-A354DC87D168}"/>
+              </a:ext>
+            </a:extLst>
+          </p:cNvPr>
+          <p:cNvSpPr>
+            <a:spLocks noGrp="1"/>
+          </p:cNvSpPr>
+          <p:nvPr>
+            <p:ph sz="quarter" idx="13"/>
+          </p:nvPr>
+        </p:nvSpPr>
+        <p:spPr>
+          <a:xfrm>
+            <a:off x="3657601" y="1783081"/>
+            <a:ext cx="7810500" cy="4703984"/>
+          </a:xfrm>
+        </p:spPr>
+        <p:txBody>
+          <a:bodyPr>
+            <a:noAutofit/>
+          </a:bodyPr>
+          <a:lstStyle/>
+          <a:p>
+            <a:pPr marL="0" indent="0">
+              <a:buNone/>
+            </a:pPr>
+            <a:r>
+              <a:rPr lang="en-US" sz="1900" dirty="0"/>
+              <a:t>A spinal cord injury (SCI) can greatly affect a person’s life and outlook on the future. In addition to the daily challenges of physical limitations, medical needs, as well as pain and suffering, </a:t>
+            </a:r>
+            <a:r>
+              <a:rPr lang="en-US" sz="1900" kern="0" dirty="0">
+                <a:solidFill>
+                  <a:srgbClr val="010101"/>
+                </a:solidFill>
+                <a:effectLst/>
+                <a:ea typeface="Georgia" panose="02040502050405020303" pitchFamily="18" charset="0"/>
+                <a:cs typeface="Georgia" panose="02040502050405020303" pitchFamily="18" charset="0"/>
+              </a:rPr>
+              <a:t>a SCI survivor’s ability to achieve life milestones that their able-bodied peers may take for granted can also be impacted. </a:t>
+            </a:r>
+            <a:endParaRPr lang="en-US" sz="1900" dirty="0"/>
+          </a:p>
+          <a:p>
+            <a:pPr marL="0" indent="0">
+              <a:buNone/>
+            </a:pPr>
+            <a:r>
+              <a:rPr lang="en-US" sz="1900" kern="0" dirty="0">
+                <a:solidFill>
+                  <a:srgbClr val="010101"/>
+                </a:solidFill>
+                <a:effectLst/>
+                <a:ea typeface="Georgia" panose="02040502050405020303" pitchFamily="18" charset="0"/>
+                <a:cs typeface="Georgia" panose="02040502050405020303" pitchFamily="18" charset="0"/>
+              </a:rPr>
+              <a:t>Growing up with a quadriplegic mother and understanding the everyday challenges her injury created, </a:t>
+            </a:r>
+          </a:p>
+          <a:p>
+            <a:pPr marL="0" indent="0">
+              <a:buNone/>
+            </a:pPr>
+            <a:r>
+              <a:rPr lang="en-US" sz="1900" dirty="0">
+                <a:solidFill>
+                  <a:srgbClr val="010101"/>
+                </a:solidFill>
+                <a:effectLst/>
+                <a:highlight>
+                  <a:srgbClr val="FFFFFF"/>
+                </a:highlight>
+                <a:ea typeface="Georgia" panose="02040502050405020303" pitchFamily="18" charset="0"/>
+                <a:cs typeface="Georgia" panose="02040502050405020303" pitchFamily="18" charset="0"/>
+              </a:rPr>
+              <a:t>During my mother’s initial hospitalization post SCI, her doctor told her that she would never drive, never get married and never have a family. Not only did she accomplish all three of these milestones, but she also went on to obtain a bachelor’s degree from Rice University as well as work to help other SCI survivors achieve independent living.</a:t>
+            </a:r>
+            <a:endParaRPr lang="en-US" sz="1900" dirty="0">
+              <a:effectLst/>
+              <a:highlight>
+                <a:srgbClr val="FFFFFF"/>
+              </a:highlight>
+              <a:ea typeface="Calibri" panose="020F0502020204030204" pitchFamily="34" charset="0"/>
+            </a:endParaRPr>
+          </a:p>
+          <a:p>
+            <a:pPr marL="0" indent="0">
+              <a:buNone/>
+            </a:pPr>
+            <a:r>
+              <a:rPr lang="en-US" sz="1900" kern="0" dirty="0">
+                <a:solidFill>
+                  <a:srgbClr val="010101"/>
+                </a:solidFill>
+                <a:highlight>
+                  <a:srgbClr val="FFFFFF"/>
+                </a:highlight>
+                <a:ea typeface="Georgia" panose="02040502050405020303" pitchFamily="18" charset="0"/>
+                <a:cs typeface="Georgia" panose="02040502050405020303" pitchFamily="18" charset="0"/>
+              </a:rPr>
+              <a:t>I</a:t>
+            </a:r>
+            <a:r>
+              <a:rPr lang="en-US" sz="1900" dirty="0">
+                <a:solidFill>
+                  <a:srgbClr val="010101"/>
+                </a:solidFill>
+                <a:effectLst/>
+                <a:highlight>
+                  <a:srgbClr val="FFFFFF"/>
+                </a:highlight>
+                <a:ea typeface="Georgia" panose="02040502050405020303" pitchFamily="18" charset="0"/>
+                <a:cs typeface="Georgia" panose="02040502050405020303" pitchFamily="18" charset="0"/>
+              </a:rPr>
+              <a:t> wanted to better understand how other survivors’ life milestones compare at injury versus post injury. </a:t>
+            </a:r>
+            <a:endParaRPr lang="en-US" sz="1900" kern="0" dirty="0">
+              <a:solidFill>
+                <a:srgbClr val="010101"/>
+              </a:solidFill>
+              <a:effectLst/>
+              <a:ea typeface="Georgia" panose="02040502050405020303" pitchFamily="18" charset="0"/>
+              <a:cs typeface="Georgia" panose="02040502050405020303" pitchFamily="18" charset="0"/>
+            </a:endParaRPr>
+          </a:p>
+          <a:p>
+            <a:pPr marL="0" indent="0">
+              <a:buNone/>
+            </a:pPr>
+            <a:endParaRPr lang="en-US" sz="1900" dirty="0"/>
+          </a:p>
+          <a:p>
+            <a:pPr marL="0" indent="0">
+              <a:buNone/>
+            </a:pPr>
+            <a:endParaRPr lang="en-US" sz="1900" dirty="0"/>
+          </a:p>
+          <a:p>
+            <a:endParaRPr lang="en-US" sz="1900" dirty="0"/>
+          </a:p>
+        </p:txBody>
+      </p:sp>
+      <p:grpSp>
+        <p:nvGrpSpPr>
+          <p:cNvPr id="19" name="Group 18">
+            <a:extLst>
+              <a:ext uri="{FF2B5EF4-FFF2-40B4-BE49-F238E27FC236}">
+                <a16:creationId xmlns:a16="http://schemas.microsoft.com/office/drawing/2014/main" id="{C78CEA4F-D72A-C069-6A51-328B103CA0CA}"/>
+              </a:ext>
+              <a:ext uri="{C183D7F6-B498-43B3-948B-1728B52AA6E4}">
+                <adec:decorative xmlns:adec="http://schemas.microsoft.com/office/drawing/2017/decorative" val="1"/>
+              </a:ext>
+            </a:extLst>
+          </p:cNvPr>
+          <p:cNvGrpSpPr>
+            <a:grpSpLocks/>
+          </p:cNvGrpSpPr>
+          <p:nvPr/>
+        </p:nvGrpSpPr>
+        <p:grpSpPr bwMode="auto">
+          <a:xfrm rot="16200000" flipV="1">
+            <a:off x="0" y="3900132"/>
+            <a:ext cx="2959226" cy="2959226"/>
+            <a:chOff x="0" y="12289"/>
+            <a:chExt cx="3550" cy="3551"/>
+          </a:xfrm>
+        </p:grpSpPr>
+        <p:sp>
+          <p:nvSpPr>
+            <p:cNvPr id="20" name="Freeform 19">
+              <a:extLst>
+                <a:ext uri="{FF2B5EF4-FFF2-40B4-BE49-F238E27FC236}">
+                  <a16:creationId xmlns:a16="http://schemas.microsoft.com/office/drawing/2014/main" id="{7E473402-19FD-A5B0-5CB6-E5F3926D3828}"/>
+                </a:ext>
+              </a:extLst>
+            </p:cNvPr>
+            <p:cNvSpPr>
+              <a:spLocks/>
+            </p:cNvSpPr>
+            <p:nvPr/>
+          </p:nvSpPr>
+          <p:spPr bwMode="auto">
+            <a:xfrm>
+              <a:off x="0" y="12289"/>
+              <a:ext cx="1789" cy="2386"/>
+            </a:xfrm>
+            <a:custGeom>
+              <a:avLst/>
+              <a:gdLst>
+                <a:gd name="T0" fmla="*/ 0 w 1789"/>
+                <a:gd name="T1" fmla="+- 0 12290 12290"/>
+                <a:gd name="T2" fmla="*/ 12290 h 2386"/>
+                <a:gd name="T3" fmla="*/ 0 w 1789"/>
+                <a:gd name="T4" fmla="+- 0 13484 12290"/>
+                <a:gd name="T5" fmla="*/ 13484 h 2386"/>
+                <a:gd name="T6" fmla="*/ 1192 w 1789"/>
+                <a:gd name="T7" fmla="+- 0 14676 12290"/>
+                <a:gd name="T8" fmla="*/ 14676 h 2386"/>
+                <a:gd name="T9" fmla="*/ 1789 w 1789"/>
+                <a:gd name="T10" fmla="+- 0 14079 12290"/>
+                <a:gd name="T11" fmla="*/ 14079 h 2386"/>
+                <a:gd name="T12" fmla="*/ 0 w 1789"/>
+                <a:gd name="T13" fmla="+- 0 12290 12290"/>
+                <a:gd name="T14" fmla="*/ 12290 h 2386"/>
+              </a:gdLst>
+              <a:ahLst/>
+              <a:cxnLst>
+                <a:cxn ang="0">
+                  <a:pos x="T0" y="T2"/>
+                </a:cxn>
+                <a:cxn ang="0">
+                  <a:pos x="T3" y="T5"/>
+                </a:cxn>
+                <a:cxn ang="0">
+                  <a:pos x="T6" y="T8"/>
+                </a:cxn>
+                <a:cxn ang="0">
+                  <a:pos x="T9" y="T11"/>
+                </a:cxn>
+                <a:cxn ang="0">
+                  <a:pos x="T12" y="T14"/>
+                </a:cxn>
+              </a:cxnLst>
+              <a:rect l="0" t="0" r="r" b="b"/>
+              <a:pathLst>
+                <a:path w="1789" h="2386">
+                  <a:moveTo>
+                    <a:pt x="0" y="0"/>
+                  </a:moveTo>
+                  <a:lnTo>
+                    <a:pt x="0" y="1194"/>
+                  </a:lnTo>
+                  <a:lnTo>
+                    <a:pt x="1192" y="2386"/>
+                  </a:lnTo>
+                  <a:lnTo>
+                    <a:pt x="1789" y="1789"/>
+                  </a:lnTo>
+                  <a:lnTo>
+                    <a:pt x="0" y="0"/>
+                  </a:lnTo>
+                  <a:close/>
+                </a:path>
+              </a:pathLst>
+            </a:custGeom>
+            <a:solidFill>
+              <a:schemeClr val="accent6"/>
+            </a:solidFill>
+            <a:ln>
+              <a:noFill/>
+            </a:ln>
+            <a:extLst>
+              <a:ext uri="{91240B29-F687-4F45-9708-019B960494DF}">
+                <a14:hiddenLine xmlns:a14="http://schemas.microsoft.com/office/drawing/2010/main" w="9525">
+                  <a:solidFill>
+                    <a:srgbClr val="000000"/>
+                  </a:solidFill>
+                  <a:round/>
+                  <a:headEnd/>
+                  <a:tailEnd/>
+                </a14:hiddenLine>
+              </a:ext>
+            </a:extLst>
+          </p:spPr>
+          <p:txBody>
+            <a:bodyPr rot="0" vert="horz" wrap="square" lIns="91440" tIns="45720" rIns="91440" bIns="45720" anchor="t" anchorCtr="0" upright="1">
+              <a:noAutofit/>
+            </a:bodyPr>
+            <a:lstStyle/>
+            <a:p>
+              <a:endParaRPr lang="en-US" dirty="0"/>
+            </a:p>
+          </p:txBody>
+        </p:sp>
+        <p:sp>
+          <p:nvSpPr>
+            <p:cNvPr id="21" name="Freeform 20">
+              <a:extLst>
+                <a:ext uri="{FF2B5EF4-FFF2-40B4-BE49-F238E27FC236}">
+                  <a16:creationId xmlns:a16="http://schemas.microsoft.com/office/drawing/2014/main" id="{879D1CAD-2EA2-9376-7B64-0C3AC590F651}"/>
+                </a:ext>
+              </a:extLst>
+            </p:cNvPr>
+            <p:cNvSpPr>
+              <a:spLocks/>
+            </p:cNvSpPr>
+            <p:nvPr/>
+          </p:nvSpPr>
+          <p:spPr bwMode="auto">
+            <a:xfrm>
+              <a:off x="0" y="14678"/>
+              <a:ext cx="1162" cy="1162"/>
+            </a:xfrm>
+            <a:custGeom>
+              <a:avLst/>
+              <a:gdLst>
+                <a:gd name="T0" fmla="*/ 0 w 1162"/>
+                <a:gd name="T1" fmla="+- 0 14679 14679"/>
+                <a:gd name="T2" fmla="*/ 14679 h 1162"/>
+                <a:gd name="T3" fmla="*/ 0 w 1162"/>
+                <a:gd name="T4" fmla="+- 0 15840 14679"/>
+                <a:gd name="T5" fmla="*/ 15840 h 1162"/>
+                <a:gd name="T6" fmla="*/ 1161 w 1162"/>
+                <a:gd name="T7" fmla="+- 0 15840 14679"/>
+                <a:gd name="T8" fmla="*/ 15840 h 1162"/>
+                <a:gd name="T9" fmla="*/ 0 w 1162"/>
+                <a:gd name="T10" fmla="+- 0 14679 14679"/>
+                <a:gd name="T11" fmla="*/ 14679 h 1162"/>
+              </a:gdLst>
+              <a:ahLst/>
+              <a:cxnLst>
+                <a:cxn ang="0">
+                  <a:pos x="T0" y="T2"/>
+                </a:cxn>
+                <a:cxn ang="0">
+                  <a:pos x="T3" y="T5"/>
+                </a:cxn>
+                <a:cxn ang="0">
+                  <a:pos x="T6" y="T8"/>
+                </a:cxn>
+                <a:cxn ang="0">
+                  <a:pos x="T9" y="T11"/>
+                </a:cxn>
+              </a:cxnLst>
+              <a:rect l="0" t="0" r="r" b="b"/>
+              <a:pathLst>
+                <a:path w="1162" h="1162">
+                  <a:moveTo>
+                    <a:pt x="0" y="0"/>
+                  </a:moveTo>
+                  <a:lnTo>
+                    <a:pt x="0" y="1161"/>
+                  </a:lnTo>
+                  <a:lnTo>
+                    <a:pt x="1161" y="1161"/>
+                  </a:lnTo>
+                  <a:lnTo>
+                    <a:pt x="0" y="0"/>
+                  </a:lnTo>
+                  <a:close/>
+                </a:path>
+              </a:pathLst>
+            </a:custGeom>
+            <a:solidFill>
+              <a:schemeClr val="tx2"/>
+            </a:solidFill>
+            <a:ln>
+              <a:noFill/>
+            </a:ln>
+            <a:extLst>
+              <a:ext uri="{91240B29-F687-4F45-9708-019B960494DF}">
+                <a14:hiddenLine xmlns:a14="http://schemas.microsoft.com/office/drawing/2010/main" w="9525">
+                  <a:solidFill>
+                    <a:srgbClr val="000000"/>
+                  </a:solidFill>
+                  <a:round/>
+                  <a:headEnd/>
+                  <a:tailEnd/>
+                </a14:hiddenLine>
+              </a:ext>
+            </a:extLst>
+          </p:spPr>
+          <p:txBody>
+            <a:bodyPr rot="0" vert="horz" wrap="square" lIns="91440" tIns="45720" rIns="91440" bIns="45720" anchor="t" anchorCtr="0" upright="1">
+              <a:noAutofit/>
+            </a:bodyPr>
+            <a:lstStyle/>
+            <a:p>
+              <a:endParaRPr lang="en-US" dirty="0"/>
+            </a:p>
+          </p:txBody>
+        </p:sp>
+        <p:sp>
+          <p:nvSpPr>
+            <p:cNvPr id="22" name="Freeform 21">
+              <a:extLst>
+                <a:ext uri="{FF2B5EF4-FFF2-40B4-BE49-F238E27FC236}">
+                  <a16:creationId xmlns:a16="http://schemas.microsoft.com/office/drawing/2014/main" id="{B16F8906-918C-BE0B-A4AB-6A1D48150AC7}"/>
+                </a:ext>
+              </a:extLst>
+            </p:cNvPr>
+            <p:cNvSpPr>
+              <a:spLocks/>
+            </p:cNvSpPr>
+            <p:nvPr/>
+          </p:nvSpPr>
+          <p:spPr bwMode="auto">
+            <a:xfrm>
+              <a:off x="1221" y="14675"/>
+              <a:ext cx="2329" cy="1165"/>
+            </a:xfrm>
+            <a:custGeom>
+              <a:avLst/>
+              <a:gdLst>
+                <a:gd name="T0" fmla="+- 0 3550 1221"/>
+                <a:gd name="T1" fmla="*/ T0 w 2329"/>
+                <a:gd name="T2" fmla="+- 0 15840 14676"/>
+                <a:gd name="T3" fmla="*/ 15840 h 1165"/>
+                <a:gd name="T4" fmla="+- 0 2386 1221"/>
+                <a:gd name="T5" fmla="*/ T4 w 2329"/>
+                <a:gd name="T6" fmla="+- 0 14676 14676"/>
+                <a:gd name="T7" fmla="*/ 14676 h 1165"/>
+                <a:gd name="T8" fmla="+- 0 1221 1221"/>
+                <a:gd name="T9" fmla="*/ T8 w 2329"/>
+                <a:gd name="T10" fmla="+- 0 15840 14676"/>
+                <a:gd name="T11" fmla="*/ 15840 h 1165"/>
+                <a:gd name="T12" fmla="+- 0 3550 1221"/>
+                <a:gd name="T13" fmla="*/ T12 w 2329"/>
+                <a:gd name="T14" fmla="+- 0 15840 14676"/>
+                <a:gd name="T15" fmla="*/ 15840 h 1165"/>
+              </a:gdLst>
+              <a:ahLst/>
+              <a:cxnLst>
+                <a:cxn ang="0">
+                  <a:pos x="T1" y="T3"/>
+                </a:cxn>
+                <a:cxn ang="0">
+                  <a:pos x="T5" y="T7"/>
+                </a:cxn>
+                <a:cxn ang="0">
+                  <a:pos x="T9" y="T11"/>
+                </a:cxn>
+                <a:cxn ang="0">
+                  <a:pos x="T13" y="T15"/>
+                </a:cxn>
+              </a:cxnLst>
+              <a:rect l="0" t="0" r="r" b="b"/>
+              <a:pathLst>
+                <a:path w="2329" h="1165">
+                  <a:moveTo>
+                    <a:pt x="2329" y="1164"/>
+                  </a:moveTo>
+                  <a:lnTo>
+                    <a:pt x="1165" y="0"/>
+                  </a:lnTo>
+                  <a:lnTo>
+                    <a:pt x="0" y="1164"/>
+                  </a:lnTo>
+                  <a:lnTo>
+                    <a:pt x="2329" y="1164"/>
+                  </a:lnTo>
+                </a:path>
+              </a:pathLst>
+            </a:custGeom>
+            <a:solidFill>
+              <a:schemeClr val="accent3"/>
+            </a:solidFill>
+            <a:ln>
+              <a:noFill/>
+            </a:ln>
+            <a:extLst>
+              <a:ext uri="{91240B29-F687-4F45-9708-019B960494DF}">
+                <a14:hiddenLine xmlns:a14="http://schemas.microsoft.com/office/drawing/2010/main" w="9525">
+                  <a:solidFill>
+                    <a:srgbClr val="000000"/>
+                  </a:solidFill>
+                  <a:round/>
+                  <a:headEnd/>
+                  <a:tailEnd/>
+                </a14:hiddenLine>
+              </a:ext>
+            </a:extLst>
+          </p:spPr>
+          <p:txBody>
+            <a:bodyPr rot="0" vert="horz" wrap="square" lIns="91440" tIns="45720" rIns="91440" bIns="45720" anchor="t" anchorCtr="0" upright="1">
+              <a:noAutofit/>
+            </a:bodyPr>
+            <a:lstStyle/>
+            <a:p>
+              <a:endParaRPr lang="en-US" dirty="0"/>
+            </a:p>
+          </p:txBody>
+        </p:sp>
+      </p:grpSp>
+    </p:spTree>
+    <p:extLst>
+      <p:ext uri="{BB962C8B-B14F-4D97-AF65-F5344CB8AC3E}">
+        <p14:creationId xmlns:p14="http://schemas.microsoft.com/office/powerpoint/2010/main" val="3200312026"/>
+      </p:ext>
+    </p:extLst>
+  </p:cSld>
+  <p:clrMapOvr>
+    <a:masterClrMapping/>
+  </p:clrMapOvr>
+</p:sld>
+</file>
+
+<file path=ppt/slides/slide20.xml><?xml version="1.0" encoding="utf-8"?>
 <p:sld xmlns:a="http://schemas.openxmlformats.org/drawingml/2006/main" xmlns:r="http://schemas.openxmlformats.org/officeDocument/2006/relationships" xmlns:p="http://schemas.openxmlformats.org/presentationml/2006/main">
   <p:cSld>
     <p:spTree>
@@ -12104,7 +13871,7 @@
 </p:sld>
 </file>
 
-<file path=ppt/slides/slide17.xml><?xml version="1.0" encoding="utf-8"?>
+<file path=ppt/slides/slide21.xml><?xml version="1.0" encoding="utf-8"?>
 <p:sld xmlns:a="http://schemas.openxmlformats.org/drawingml/2006/main" xmlns:r="http://schemas.openxmlformats.org/officeDocument/2006/relationships" xmlns:p="http://schemas.openxmlformats.org/presentationml/2006/main">
   <p:cSld>
     <p:spTree>
@@ -12630,7 +14397,7 @@
 </p:sld>
 </file>
 
-<file path=ppt/slides/slide18.xml><?xml version="1.0" encoding="utf-8"?>
+<file path=ppt/slides/slide22.xml><?xml version="1.0" encoding="utf-8"?>
 <p:sld xmlns:a="http://schemas.openxmlformats.org/drawingml/2006/main" xmlns:r="http://schemas.openxmlformats.org/officeDocument/2006/relationships" xmlns:p="http://schemas.openxmlformats.org/presentationml/2006/main">
   <p:cSld>
     <p:spTree>
@@ -12744,7 +14511,7 @@
 </p:sld>
 </file>
 
-<file path=ppt/slides/slide2.xml><?xml version="1.0" encoding="utf-8"?>
+<file path=ppt/slides/slide3.xml><?xml version="1.0" encoding="utf-8"?>
 <p:sld xmlns:a="http://schemas.openxmlformats.org/drawingml/2006/main" xmlns:r="http://schemas.openxmlformats.org/officeDocument/2006/relationships" xmlns:p="http://schemas.openxmlformats.org/presentationml/2006/main">
   <p:cSld>
     <p:spTree>
@@ -12789,7 +14556,7 @@
           <a:p>
             <a:r>
               <a:rPr lang="en-US" dirty="0"/>
-              <a:t>Spinal Cord Injury Affects</a:t>
+              <a:t>Data Questions</a:t>
             </a:r>
           </a:p>
         </p:txBody>
@@ -12822,63 +14589,255 @@
           </a:bodyPr>
           <a:lstStyle/>
           <a:p>
-            <a:pPr marL="0" indent="0">
+            <a:pPr marL="0" marR="0" indent="0" algn="just">
+              <a:spcBef>
+                <a:spcPts val="0"/>
+              </a:spcBef>
+              <a:spcAft>
+                <a:spcPts val="2010"/>
+              </a:spcAft>
               <a:buNone/>
             </a:pPr>
             <a:r>
-              <a:rPr lang="en-US" dirty="0"/>
-              <a:t>A spinal cord injury (SCI) can greatly affect a person’s life and future. In addition to physical limitations, further medical needs and pain and suffering, their education, career, family prospects and overall mental health can be affected as well.</a:t>
+              <a:rPr lang="en-US" sz="1900" dirty="0">
+                <a:solidFill>
+                  <a:srgbClr val="000000"/>
+                </a:solidFill>
+                <a:effectLst/>
+                <a:highlight>
+                  <a:srgbClr val="FFFFFF"/>
+                </a:highlight>
+                <a:ea typeface="Georgia" panose="02040502050405020303" pitchFamily="18" charset="0"/>
+                <a:cs typeface="Georgia" panose="02040502050405020303" pitchFamily="18" charset="0"/>
+              </a:rPr>
+              <a:t>How does a SCI survivor’s life milestones compare at injury vs post injury? </a:t>
             </a:r>
-          </a:p>
-          <a:p>
-            <a:pPr marL="0" indent="0">
+            <a:r>
+              <a:rPr lang="en-US" sz="1900" dirty="0">
+                <a:solidFill>
+                  <a:srgbClr val="010101"/>
+                </a:solidFill>
+                <a:effectLst/>
+                <a:highlight>
+                  <a:srgbClr val="FFFFFF"/>
+                </a:highlight>
+                <a:ea typeface="Georgia" panose="02040502050405020303" pitchFamily="18" charset="0"/>
+                <a:cs typeface="Georgia" panose="02040502050405020303" pitchFamily="18" charset="0"/>
+              </a:rPr>
+              <a:t>Do they let their injury stop them from continuing to live a full life? Or do they continue to strive for their goals, even with the everyday obstacles their SCI injury places in front of them?</a:t>
+            </a:r>
+            <a:endParaRPr lang="en-US" sz="1900" dirty="0">
+              <a:effectLst/>
+              <a:highlight>
+                <a:srgbClr val="FFFFFF"/>
+              </a:highlight>
+              <a:ea typeface="Calibri" panose="020F0502020204030204" pitchFamily="34" charset="0"/>
+            </a:endParaRPr>
+          </a:p>
+          <a:p>
+            <a:pPr marL="0" marR="0" indent="0" algn="just">
+              <a:spcBef>
+                <a:spcPts val="0"/>
+              </a:spcBef>
+              <a:spcAft>
+                <a:spcPts val="2010"/>
+              </a:spcAft>
               <a:buNone/>
             </a:pPr>
             <a:r>
-              <a:rPr lang="en-US" dirty="0"/>
-              <a:t>Growing up in the SCI community, I wanted to better understand quality of life after a SCI.</a:t>
+              <a:rPr lang="en-US" sz="1900" dirty="0">
+                <a:solidFill>
+                  <a:srgbClr val="010101"/>
+                </a:solidFill>
+                <a:effectLst/>
+                <a:highlight>
+                  <a:srgbClr val="FFFFFF"/>
+                </a:highlight>
+                <a:ea typeface="Georgia" panose="02040502050405020303" pitchFamily="18" charset="0"/>
+                <a:cs typeface="Georgia" panose="02040502050405020303" pitchFamily="18" charset="0"/>
+              </a:rPr>
+              <a:t>I will find this answer by analyzing the following:</a:t>
             </a:r>
-          </a:p>
-          <a:p>
-            <a:pPr marL="0" indent="0">
-              <a:buNone/>
+            <a:endParaRPr lang="en-US" sz="1900" dirty="0">
+              <a:effectLst/>
+              <a:highlight>
+                <a:srgbClr val="FFFFFF"/>
+              </a:highlight>
+              <a:ea typeface="Calibri" panose="020F0502020204030204" pitchFamily="34" charset="0"/>
+            </a:endParaRPr>
+          </a:p>
+          <a:p>
+            <a:pPr marL="342900" marR="0" lvl="0" indent="-342900" algn="just">
+              <a:spcBef>
+                <a:spcPts val="0"/>
+              </a:spcBef>
+              <a:spcAft>
+                <a:spcPts val="0"/>
+              </a:spcAft>
+              <a:buFont typeface="Georgia" panose="02040502050405020303" pitchFamily="18" charset="0"/>
+              <a:buChar char="-"/>
             </a:pPr>
             <a:r>
-              <a:rPr lang="en-US" dirty="0"/>
-              <a:t>I decided to narrow my research to the following variables:</a:t>
+              <a:rPr lang="en-US" sz="1900" dirty="0">
+                <a:solidFill>
+                  <a:srgbClr val="010101"/>
+                </a:solidFill>
+                <a:effectLst/>
+                <a:highlight>
+                  <a:srgbClr val="FFFFFF"/>
+                </a:highlight>
+                <a:ea typeface="Georgia" panose="02040502050405020303" pitchFamily="18" charset="0"/>
+                <a:cs typeface="Georgia" panose="02040502050405020303" pitchFamily="18" charset="0"/>
+              </a:rPr>
+              <a:t>What is the average age a spinal cord injury occurs?</a:t>
             </a:r>
-          </a:p>
-          <a:p>
-            <a:pPr lvl="1"/>
+            <a:endParaRPr lang="en-US" sz="1900" dirty="0">
+              <a:effectLst/>
+              <a:highlight>
+                <a:srgbClr val="FFFFFF"/>
+              </a:highlight>
+              <a:ea typeface="Georgia" panose="02040502050405020303" pitchFamily="18" charset="0"/>
+              <a:cs typeface="Georgia" panose="02040502050405020303" pitchFamily="18" charset="0"/>
+            </a:endParaRPr>
+          </a:p>
+          <a:p>
+            <a:pPr marL="342900" marR="0" lvl="0" indent="-342900" algn="just">
+              <a:spcBef>
+                <a:spcPts val="0"/>
+              </a:spcBef>
+              <a:spcAft>
+                <a:spcPts val="0"/>
+              </a:spcAft>
+              <a:buFont typeface="Georgia" panose="02040502050405020303" pitchFamily="18" charset="0"/>
+              <a:buChar char="-"/>
+            </a:pPr>
             <a:r>
-              <a:rPr lang="en-US" dirty="0"/>
-              <a:t>Average Age at Injury	</a:t>
+              <a:rPr lang="en-US" sz="1900" dirty="0">
+                <a:solidFill>
+                  <a:srgbClr val="010101"/>
+                </a:solidFill>
+                <a:effectLst/>
+                <a:highlight>
+                  <a:srgbClr val="FFFFFF"/>
+                </a:highlight>
+                <a:ea typeface="Georgia" panose="02040502050405020303" pitchFamily="18" charset="0"/>
+                <a:cs typeface="Georgia" panose="02040502050405020303" pitchFamily="18" charset="0"/>
+              </a:rPr>
+              <a:t>What is the average number of years a SCI survivor lives post-injury vs at large?</a:t>
             </a:r>
-          </a:p>
-          <a:p>
-            <a:pPr lvl="1"/>
+            <a:endParaRPr lang="en-US" sz="1900" dirty="0">
+              <a:effectLst/>
+              <a:highlight>
+                <a:srgbClr val="FFFFFF"/>
+              </a:highlight>
+              <a:ea typeface="Georgia" panose="02040502050405020303" pitchFamily="18" charset="0"/>
+              <a:cs typeface="Georgia" panose="02040502050405020303" pitchFamily="18" charset="0"/>
+            </a:endParaRPr>
+          </a:p>
+          <a:p>
+            <a:pPr marL="342900" marR="0" lvl="0" indent="-342900" algn="just">
+              <a:spcBef>
+                <a:spcPts val="0"/>
+              </a:spcBef>
+              <a:spcAft>
+                <a:spcPts val="0"/>
+              </a:spcAft>
+              <a:buFont typeface="Georgia" panose="02040502050405020303" pitchFamily="18" charset="0"/>
+              <a:buChar char="-"/>
+            </a:pPr>
             <a:r>
-              <a:rPr lang="en-US" dirty="0"/>
-              <a:t>Lifespan Post-Injury</a:t>
+              <a:rPr lang="en-US" sz="1900" dirty="0">
+                <a:solidFill>
+                  <a:srgbClr val="010101"/>
+                </a:solidFill>
+                <a:effectLst/>
+                <a:highlight>
+                  <a:srgbClr val="FFFFFF"/>
+                </a:highlight>
+                <a:ea typeface="Georgia" panose="02040502050405020303" pitchFamily="18" charset="0"/>
+                <a:cs typeface="Georgia" panose="02040502050405020303" pitchFamily="18" charset="0"/>
+              </a:rPr>
+              <a:t>What percentage of survivors give birth at injury vs post injury?</a:t>
             </a:r>
-          </a:p>
-          <a:p>
-            <a:pPr lvl="1"/>
+            <a:endParaRPr lang="en-US" sz="1900" dirty="0">
+              <a:effectLst/>
+              <a:highlight>
+                <a:srgbClr val="FFFFFF"/>
+              </a:highlight>
+              <a:ea typeface="Georgia" panose="02040502050405020303" pitchFamily="18" charset="0"/>
+              <a:cs typeface="Georgia" panose="02040502050405020303" pitchFamily="18" charset="0"/>
+            </a:endParaRPr>
+          </a:p>
+          <a:p>
+            <a:pPr marL="342900" marR="0" lvl="0" indent="-342900" algn="just">
+              <a:spcBef>
+                <a:spcPts val="0"/>
+              </a:spcBef>
+              <a:spcAft>
+                <a:spcPts val="0"/>
+              </a:spcAft>
+              <a:buFont typeface="Georgia" panose="02040502050405020303" pitchFamily="18" charset="0"/>
+              <a:buChar char="-"/>
+            </a:pPr>
             <a:r>
-              <a:rPr lang="en-US" dirty="0"/>
-              <a:t>Raising </a:t>
+              <a:rPr lang="en-US" sz="1900" dirty="0">
+                <a:solidFill>
+                  <a:srgbClr val="010101"/>
+                </a:solidFill>
+                <a:effectLst/>
+                <a:highlight>
+                  <a:srgbClr val="FFFFFF"/>
+                </a:highlight>
+                <a:ea typeface="Georgia" panose="02040502050405020303" pitchFamily="18" charset="0"/>
+                <a:cs typeface="Georgia" panose="02040502050405020303" pitchFamily="18" charset="0"/>
+              </a:rPr>
+              <a:t>What percentage of survivors pursue higher education at injury vs post injury?</a:t>
             </a:r>
+            <a:endParaRPr lang="en-US" sz="1900" dirty="0">
+              <a:effectLst/>
+              <a:highlight>
+                <a:srgbClr val="FFFFFF"/>
+              </a:highlight>
+              <a:ea typeface="Georgia" panose="02040502050405020303" pitchFamily="18" charset="0"/>
+              <a:cs typeface="Georgia" panose="02040502050405020303" pitchFamily="18" charset="0"/>
+            </a:endParaRPr>
+          </a:p>
+          <a:p>
+            <a:pPr marL="342900" marR="0" lvl="0" indent="-342900" algn="just">
+              <a:spcBef>
+                <a:spcPts val="0"/>
+              </a:spcBef>
+              <a:spcAft>
+                <a:spcPts val="0"/>
+              </a:spcAft>
+              <a:buFont typeface="Georgia" panose="02040502050405020303" pitchFamily="18" charset="0"/>
+              <a:buChar char="-"/>
+            </a:pPr>
             <a:r>
-              <a:rPr lang="en-US"/>
-              <a:t>a Family</a:t>
+              <a:rPr lang="en-US" sz="1900" dirty="0">
+                <a:solidFill>
+                  <a:srgbClr val="010101"/>
+                </a:solidFill>
+                <a:effectLst/>
+                <a:highlight>
+                  <a:srgbClr val="FFFFFF"/>
+                </a:highlight>
+                <a:ea typeface="Georgia" panose="02040502050405020303" pitchFamily="18" charset="0"/>
+                <a:cs typeface="Georgia" panose="02040502050405020303" pitchFamily="18" charset="0"/>
+              </a:rPr>
+              <a:t>What percentage of survivors have a career at injury vs post injury?</a:t>
             </a:r>
-            <a:endParaRPr lang="en-US" dirty="0"/>
-          </a:p>
-          <a:p>
-            <a:endParaRPr lang="en-US" dirty="0"/>
-          </a:p>
-          <a:p>
-            <a:endParaRPr lang="en-US" dirty="0"/>
+            <a:endParaRPr lang="en-US" sz="1900" dirty="0">
+              <a:effectLst/>
+              <a:highlight>
+                <a:srgbClr val="FFFFFF"/>
+              </a:highlight>
+              <a:ea typeface="Georgia" panose="02040502050405020303" pitchFamily="18" charset="0"/>
+              <a:cs typeface="Georgia" panose="02040502050405020303" pitchFamily="18" charset="0"/>
+            </a:endParaRPr>
+          </a:p>
+          <a:p>
+            <a:endParaRPr lang="en-US" sz="1900" dirty="0"/>
           </a:p>
         </p:txBody>
       </p:sp>
@@ -13214,12 +15173,435 @@
           </p:txBody>
         </p:sp>
       </p:grpSp>
+    </p:spTree>
+    <p:extLst>
+      <p:ext uri="{BB962C8B-B14F-4D97-AF65-F5344CB8AC3E}">
+        <p14:creationId xmlns:p14="http://schemas.microsoft.com/office/powerpoint/2010/main" val="264613607"/>
+      </p:ext>
+    </p:extLst>
+  </p:cSld>
+  <p:clrMapOvr>
+    <a:masterClrMapping/>
+  </p:clrMapOvr>
+</p:sld>
+</file>
+
+<file path=ppt/slides/slide4.xml><?xml version="1.0" encoding="utf-8"?>
+<p:sld xmlns:a="http://schemas.openxmlformats.org/drawingml/2006/main" xmlns:r="http://schemas.openxmlformats.org/officeDocument/2006/relationships" xmlns:p="http://schemas.openxmlformats.org/presentationml/2006/main">
+  <p:cSld>
+    <p:spTree>
+      <p:nvGrpSpPr>
+        <p:cNvPr id="1" name=""/>
+        <p:cNvGrpSpPr/>
+        <p:nvPr/>
+      </p:nvGrpSpPr>
+      <p:grpSpPr>
+        <a:xfrm>
+          <a:off x="0" y="0"/>
+          <a:ext cx="0" cy="0"/>
+          <a:chOff x="0" y="0"/>
+          <a:chExt cx="0" cy="0"/>
+        </a:xfrm>
+      </p:grpSpPr>
       <p:sp>
         <p:nvSpPr>
-          <p:cNvPr id="2" name="Text Placeholder 6">
+          <p:cNvPr id="2" name="Title 1">
             <a:extLst>
               <a:ext uri="{FF2B5EF4-FFF2-40B4-BE49-F238E27FC236}">
-                <a16:creationId xmlns:a16="http://schemas.microsoft.com/office/drawing/2014/main" id="{767814ED-ABFA-96E2-BD96-DA675C9E141A}"/>
+                <a16:creationId xmlns:a16="http://schemas.microsoft.com/office/drawing/2014/main" id="{B530BF65-C84B-45C3-72CA-AFDA68851174}"/>
+              </a:ext>
+            </a:extLst>
+          </p:cNvPr>
+          <p:cNvSpPr>
+            <a:spLocks noGrp="1"/>
+          </p:cNvSpPr>
+          <p:nvPr>
+            <p:ph type="title"/>
+          </p:nvPr>
+        </p:nvSpPr>
+        <p:spPr>
+          <a:xfrm>
+            <a:off x="594360" y="189572"/>
+            <a:ext cx="6787747" cy="1593507"/>
+          </a:xfrm>
+        </p:spPr>
+        <p:txBody>
+          <a:bodyPr/>
+          <a:lstStyle/>
+          <a:p>
+            <a:r>
+              <a:rPr lang="en-US" dirty="0"/>
+              <a:t>Research Data</a:t>
+            </a:r>
+          </a:p>
+        </p:txBody>
+      </p:sp>
+      <p:sp>
+        <p:nvSpPr>
+          <p:cNvPr id="3" name="Text Placeholder 2">
+            <a:extLst>
+              <a:ext uri="{FF2B5EF4-FFF2-40B4-BE49-F238E27FC236}">
+                <a16:creationId xmlns:a16="http://schemas.microsoft.com/office/drawing/2014/main" id="{3B8EBC2C-6DD7-5003-38EB-40753046FE8C}"/>
+              </a:ext>
+            </a:extLst>
+          </p:cNvPr>
+          <p:cNvSpPr>
+            <a:spLocks noGrp="1"/>
+          </p:cNvSpPr>
+          <p:nvPr>
+            <p:ph sz="quarter" idx="13"/>
+          </p:nvPr>
+        </p:nvSpPr>
+        <p:spPr>
+          <a:xfrm>
+            <a:off x="593725" y="2281238"/>
+            <a:ext cx="11267596" cy="3709987"/>
+          </a:xfrm>
+        </p:spPr>
+        <p:txBody>
+          <a:bodyPr tIns="457200">
+            <a:noAutofit/>
+          </a:bodyPr>
+          <a:lstStyle/>
+          <a:p>
+            <a:r>
+              <a:rPr lang="en-US" sz="2000" b="0" dirty="0">
+                <a:solidFill>
+                  <a:schemeClr val="bg1"/>
+                </a:solidFill>
+              </a:rPr>
+              <a:t>This research was conducted through analyzing the National                                                                Spinal Cord Injury Model Systems (SCIMS) Database.</a:t>
+            </a:r>
+          </a:p>
+          <a:p>
+            <a:r>
+              <a:rPr lang="en-US" sz="2000" b="0" dirty="0">
+                <a:solidFill>
+                  <a:schemeClr val="bg1"/>
+                </a:solidFill>
+              </a:rPr>
+              <a:t>The SCIMS Database was established in 1973 as a repository of data collected through the collaborative efforts of federally funded SCI Model System Centers.</a:t>
+            </a:r>
+          </a:p>
+          <a:p>
+            <a:r>
+              <a:rPr lang="en-US" sz="2000" b="0" dirty="0">
+                <a:solidFill>
+                  <a:schemeClr val="bg1"/>
+                </a:solidFill>
+              </a:rPr>
+              <a:t>The SCIMS Database and project research consists of years from 1972 through 2021.</a:t>
+            </a:r>
+          </a:p>
+          <a:p>
+            <a:pPr marL="0" indent="0">
+              <a:buNone/>
+            </a:pPr>
+            <a:r>
+              <a:rPr lang="en-US" sz="2000" b="0" dirty="0">
+                <a:solidFill>
+                  <a:schemeClr val="bg1"/>
+                </a:solidFill>
+              </a:rPr>
+              <a:t>	-Follow-up interviews were conducted at the first anniversary if injury, then every following 5 </a:t>
+            </a:r>
+            <a:r>
+              <a:rPr lang="en-US" sz="2000" b="0">
+                <a:solidFill>
+                  <a:schemeClr val="bg1"/>
+                </a:solidFill>
+              </a:rPr>
+              <a:t>year 	anniversary</a:t>
+            </a:r>
+            <a:r>
+              <a:rPr lang="en-US" sz="2000" b="0" dirty="0">
+                <a:solidFill>
+                  <a:schemeClr val="bg1"/>
+                </a:solidFill>
+              </a:rPr>
+              <a:t>. </a:t>
+            </a:r>
+          </a:p>
+          <a:p>
+            <a:r>
+              <a:rPr lang="en-US" sz="2000" b="0" dirty="0">
+                <a:solidFill>
+                  <a:schemeClr val="bg1"/>
+                </a:solidFill>
+              </a:rPr>
+              <a:t>The SCIMS Database captures data on 6% of new SCI cases that occur each year in the United States.</a:t>
+            </a:r>
+          </a:p>
+        </p:txBody>
+      </p:sp>
+    </p:spTree>
+    <p:extLst>
+      <p:ext uri="{BB962C8B-B14F-4D97-AF65-F5344CB8AC3E}">
+        <p14:creationId xmlns:p14="http://schemas.microsoft.com/office/powerpoint/2010/main" val="3346685798"/>
+      </p:ext>
+    </p:extLst>
+  </p:cSld>
+  <p:clrMapOvr>
+    <a:masterClrMapping/>
+  </p:clrMapOvr>
+</p:sld>
+</file>
+
+<file path=ppt/slides/slide5.xml><?xml version="1.0" encoding="utf-8"?>
+<p:sld xmlns:a="http://schemas.openxmlformats.org/drawingml/2006/main" xmlns:r="http://schemas.openxmlformats.org/officeDocument/2006/relationships" xmlns:p="http://schemas.openxmlformats.org/presentationml/2006/main">
+  <p:cSld>
+    <p:spTree>
+      <p:nvGrpSpPr>
+        <p:cNvPr id="1" name=""/>
+        <p:cNvGrpSpPr/>
+        <p:nvPr/>
+      </p:nvGrpSpPr>
+      <p:grpSpPr>
+        <a:xfrm>
+          <a:off x="0" y="0"/>
+          <a:ext cx="0" cy="0"/>
+          <a:chOff x="0" y="0"/>
+          <a:chExt cx="0" cy="0"/>
+        </a:xfrm>
+      </p:grpSpPr>
+      <p:sp>
+        <p:nvSpPr>
+          <p:cNvPr id="6" name="Title 5">
+            <a:extLst>
+              <a:ext uri="{FF2B5EF4-FFF2-40B4-BE49-F238E27FC236}">
+                <a16:creationId xmlns:a16="http://schemas.microsoft.com/office/drawing/2014/main" id="{76A9A9A7-F1D2-237D-AC72-E21A286F0A6F}"/>
+              </a:ext>
+            </a:extLst>
+          </p:cNvPr>
+          <p:cNvSpPr>
+            <a:spLocks noGrp="1"/>
+          </p:cNvSpPr>
+          <p:nvPr>
+            <p:ph type="title"/>
+          </p:nvPr>
+        </p:nvSpPr>
+        <p:spPr>
+          <a:xfrm>
+            <a:off x="690113" y="81091"/>
+            <a:ext cx="10834778" cy="1380760"/>
+          </a:xfrm>
+        </p:spPr>
+        <p:txBody>
+          <a:bodyPr/>
+          <a:lstStyle/>
+          <a:p>
+            <a:pPr marR="0" lvl="0" algn="ctr">
+              <a:spcBef>
+                <a:spcPts val="0"/>
+              </a:spcBef>
+              <a:spcAft>
+                <a:spcPts val="0"/>
+              </a:spcAft>
+            </a:pPr>
+            <a:r>
+              <a:rPr lang="en-US" sz="4400" dirty="0">
+                <a:solidFill>
+                  <a:srgbClr val="010101"/>
+                </a:solidFill>
+                <a:effectLst/>
+                <a:highlight>
+                  <a:srgbClr val="FFFFFF"/>
+                </a:highlight>
+                <a:ea typeface="Georgia" panose="02040502050405020303" pitchFamily="18" charset="0"/>
+                <a:cs typeface="Georgia" panose="02040502050405020303" pitchFamily="18" charset="0"/>
+              </a:rPr>
+              <a:t>What is the average age a spinal cord injury occurs?</a:t>
+            </a:r>
+            <a:endParaRPr lang="en-US" sz="4400" dirty="0">
+              <a:effectLst/>
+              <a:highlight>
+                <a:srgbClr val="FFFFFF"/>
+              </a:highlight>
+              <a:ea typeface="Georgia" panose="02040502050405020303" pitchFamily="18" charset="0"/>
+              <a:cs typeface="Georgia" panose="02040502050405020303" pitchFamily="18" charset="0"/>
+            </a:endParaRPr>
+          </a:p>
+        </p:txBody>
+      </p:sp>
+      <p:sp>
+        <p:nvSpPr>
+          <p:cNvPr id="4" name="Content Placeholder 3">
+            <a:extLst>
+              <a:ext uri="{FF2B5EF4-FFF2-40B4-BE49-F238E27FC236}">
+                <a16:creationId xmlns:a16="http://schemas.microsoft.com/office/drawing/2014/main" id="{CDB14AAA-1F04-769D-E7F0-4F68C8EB9283}"/>
+              </a:ext>
+            </a:extLst>
+          </p:cNvPr>
+          <p:cNvSpPr>
+            <a:spLocks noGrp="1"/>
+          </p:cNvSpPr>
+          <p:nvPr>
+            <p:ph sz="quarter" idx="14"/>
+          </p:nvPr>
+        </p:nvSpPr>
+        <p:spPr>
+          <a:xfrm>
+            <a:off x="1147346" y="1679561"/>
+            <a:ext cx="4218281" cy="3999060"/>
+          </a:xfrm>
+        </p:spPr>
+        <p:txBody>
+          <a:bodyPr/>
+          <a:lstStyle/>
+          <a:p>
+            <a:r>
+              <a:rPr lang="en-US" dirty="0"/>
+              <a:t>The average age at spinal cord injury was 35.93 years.</a:t>
+            </a:r>
+          </a:p>
+          <a:p>
+            <a:r>
+              <a:rPr lang="en-US" dirty="0"/>
+              <a:t>A majority of injuries happened between the ages 22 – 48. </a:t>
+            </a:r>
+          </a:p>
+          <a:p>
+            <a:r>
+              <a:rPr lang="en-US" dirty="0"/>
+              <a:t>Ages 22-48 are a very formidable time for most people. These are the years where you are finding who you are, completing your education, building a career and/or starting a family.</a:t>
+            </a:r>
+          </a:p>
+          <a:p>
+            <a:endParaRPr lang="en-US" dirty="0"/>
+          </a:p>
+        </p:txBody>
+      </p:sp>
+      <p:pic>
+        <p:nvPicPr>
+          <p:cNvPr id="16" name="Content Placeholder 15">
+            <a:extLst>
+              <a:ext uri="{FF2B5EF4-FFF2-40B4-BE49-F238E27FC236}">
+                <a16:creationId xmlns:a16="http://schemas.microsoft.com/office/drawing/2014/main" id="{3D90EC28-0B1C-A734-D534-309A544D8EED}"/>
+              </a:ext>
+            </a:extLst>
+          </p:cNvPr>
+          <p:cNvPicPr>
+            <a:picLocks noGrp="1" noChangeAspect="1"/>
+          </p:cNvPicPr>
+          <p:nvPr>
+            <p:ph sz="quarter" idx="13"/>
+          </p:nvPr>
+        </p:nvPicPr>
+        <p:blipFill>
+          <a:blip r:embed="rId3"/>
+          <a:stretch>
+            <a:fillRect/>
+          </a:stretch>
+        </p:blipFill>
+        <p:spPr>
+          <a:xfrm>
+            <a:off x="5437584" y="1706355"/>
+            <a:ext cx="5895000" cy="3998913"/>
+          </a:xfrm>
+        </p:spPr>
+      </p:pic>
+    </p:spTree>
+    <p:extLst>
+      <p:ext uri="{BB962C8B-B14F-4D97-AF65-F5344CB8AC3E}">
+        <p14:creationId xmlns:p14="http://schemas.microsoft.com/office/powerpoint/2010/main" val="4127695141"/>
+      </p:ext>
+    </p:extLst>
+  </p:cSld>
+  <p:clrMapOvr>
+    <a:masterClrMapping/>
+  </p:clrMapOvr>
+</p:sld>
+</file>
+
+<file path=ppt/slides/slide6.xml><?xml version="1.0" encoding="utf-8"?>
+<p:sld xmlns:a="http://schemas.openxmlformats.org/drawingml/2006/main" xmlns:r="http://schemas.openxmlformats.org/officeDocument/2006/relationships" xmlns:p="http://schemas.openxmlformats.org/presentationml/2006/main">
+  <p:cSld>
+    <p:spTree>
+      <p:nvGrpSpPr>
+        <p:cNvPr id="1" name=""/>
+        <p:cNvGrpSpPr/>
+        <p:nvPr/>
+      </p:nvGrpSpPr>
+      <p:grpSpPr>
+        <a:xfrm>
+          <a:off x="0" y="0"/>
+          <a:ext cx="0" cy="0"/>
+          <a:chOff x="0" y="0"/>
+          <a:chExt cx="0" cy="0"/>
+        </a:xfrm>
+      </p:grpSpPr>
+      <p:sp>
+        <p:nvSpPr>
+          <p:cNvPr id="4" name="Content Placeholder 3">
+            <a:extLst>
+              <a:ext uri="{FF2B5EF4-FFF2-40B4-BE49-F238E27FC236}">
+                <a16:creationId xmlns:a16="http://schemas.microsoft.com/office/drawing/2014/main" id="{CDB14AAA-1F04-769D-E7F0-4F68C8EB9283}"/>
+              </a:ext>
+            </a:extLst>
+          </p:cNvPr>
+          <p:cNvSpPr>
+            <a:spLocks noGrp="1"/>
+          </p:cNvSpPr>
+          <p:nvPr>
+            <p:ph sz="quarter" idx="14"/>
+          </p:nvPr>
+        </p:nvSpPr>
+        <p:spPr>
+          <a:xfrm>
+            <a:off x="1095590" y="1748561"/>
+            <a:ext cx="4218281" cy="2961462"/>
+          </a:xfrm>
+        </p:spPr>
+        <p:txBody>
+          <a:bodyPr/>
+          <a:lstStyle/>
+          <a:p>
+            <a:r>
+              <a:rPr lang="en-US" dirty="0"/>
+              <a:t>The average lifespan of a SCI survivor is 55.56.</a:t>
+            </a:r>
+          </a:p>
+          <a:p>
+            <a:endParaRPr lang="en-US" dirty="0"/>
+          </a:p>
+        </p:txBody>
+      </p:sp>
+      <p:pic>
+        <p:nvPicPr>
+          <p:cNvPr id="7" name="Picture 6">
+            <a:extLst>
+              <a:ext uri="{FF2B5EF4-FFF2-40B4-BE49-F238E27FC236}">
+                <a16:creationId xmlns:a16="http://schemas.microsoft.com/office/drawing/2014/main" id="{7F410627-08E5-6AE1-374E-0DD90B8270CF}"/>
+              </a:ext>
+            </a:extLst>
+          </p:cNvPr>
+          <p:cNvPicPr>
+            <a:picLocks noChangeAspect="1"/>
+          </p:cNvPicPr>
+          <p:nvPr/>
+        </p:nvPicPr>
+        <p:blipFill>
+          <a:blip r:embed="rId3"/>
+          <a:stretch>
+            <a:fillRect/>
+          </a:stretch>
+        </p:blipFill>
+        <p:spPr>
+          <a:xfrm>
+            <a:off x="5529302" y="1657304"/>
+            <a:ext cx="5864306" cy="4005072"/>
+          </a:xfrm>
+          <a:prstGeom prst="rect">
+            <a:avLst/>
+          </a:prstGeom>
+        </p:spPr>
+      </p:pic>
+      <p:sp>
+        <p:nvSpPr>
+          <p:cNvPr id="2" name="Title 5">
+            <a:extLst>
+              <a:ext uri="{FF2B5EF4-FFF2-40B4-BE49-F238E27FC236}">
+                <a16:creationId xmlns:a16="http://schemas.microsoft.com/office/drawing/2014/main" id="{223755DB-24FE-64C9-1D80-A383ED06AE0A}"/>
               </a:ext>
             </a:extLst>
           </p:cNvPr>
@@ -13230,19 +15612,155 @@
         </p:nvSpPr>
         <p:spPr>
           <a:xfrm>
-            <a:off x="7157049" y="4572025"/>
-            <a:ext cx="4161980" cy="1869234"/>
+            <a:off x="690113" y="81091"/>
+            <a:ext cx="10834778" cy="1380760"/>
           </a:xfrm>
           <a:prstGeom prst="rect">
             <a:avLst/>
           </a:prstGeom>
         </p:spPr>
         <p:txBody>
-          <a:bodyPr vert="horz" lIns="0" tIns="228600" rIns="0" bIns="0" rtlCol="0">
+          <a:bodyPr vert="horz" lIns="0" tIns="0" rIns="0" bIns="0" rtlCol="0" anchor="b" anchorCtr="0">
+            <a:noAutofit/>
+          </a:bodyPr>
+          <a:lstStyle>
+            <a:lvl1pPr algn="l" defTabSz="914400" rtl="0" eaLnBrk="1" latinLnBrk="0" hangingPunct="1">
+              <a:lnSpc>
+                <a:spcPct val="80000"/>
+              </a:lnSpc>
+              <a:spcBef>
+                <a:spcPct val="0"/>
+              </a:spcBef>
+              <a:buNone/>
+              <a:defRPr sz="4400" b="1" i="0" kern="1200" spc="100" baseline="0">
+                <a:solidFill>
+                  <a:schemeClr val="bg1"/>
+                </a:solidFill>
+                <a:latin typeface="+mj-lt"/>
+                <a:ea typeface="+mj-ea"/>
+                <a:cs typeface="+mj-cs"/>
+              </a:defRPr>
+            </a:lvl1pPr>
+            <a:lvl2pPr eaLnBrk="1" hangingPunct="1">
+              <a:defRPr>
+                <a:solidFill>
+                  <a:schemeClr val="tx2"/>
+                </a:solidFill>
+              </a:defRPr>
+            </a:lvl2pPr>
+            <a:lvl3pPr eaLnBrk="1" hangingPunct="1">
+              <a:defRPr>
+                <a:solidFill>
+                  <a:schemeClr val="tx2"/>
+                </a:solidFill>
+              </a:defRPr>
+            </a:lvl3pPr>
+            <a:lvl4pPr eaLnBrk="1" hangingPunct="1">
+              <a:defRPr>
+                <a:solidFill>
+                  <a:schemeClr val="tx2"/>
+                </a:solidFill>
+              </a:defRPr>
+            </a:lvl4pPr>
+            <a:lvl5pPr eaLnBrk="1" hangingPunct="1">
+              <a:defRPr>
+                <a:solidFill>
+                  <a:schemeClr val="tx2"/>
+                </a:solidFill>
+              </a:defRPr>
+            </a:lvl5pPr>
+            <a:lvl6pPr eaLnBrk="1" hangingPunct="1">
+              <a:defRPr>
+                <a:solidFill>
+                  <a:schemeClr val="tx2"/>
+                </a:solidFill>
+              </a:defRPr>
+            </a:lvl6pPr>
+            <a:lvl7pPr eaLnBrk="1" hangingPunct="1">
+              <a:defRPr>
+                <a:solidFill>
+                  <a:schemeClr val="tx2"/>
+                </a:solidFill>
+              </a:defRPr>
+            </a:lvl7pPr>
+            <a:lvl8pPr eaLnBrk="1" hangingPunct="1">
+              <a:defRPr>
+                <a:solidFill>
+                  <a:schemeClr val="tx2"/>
+                </a:solidFill>
+              </a:defRPr>
+            </a:lvl8pPr>
+            <a:lvl9pPr eaLnBrk="1" hangingPunct="1">
+              <a:defRPr>
+                <a:solidFill>
+                  <a:schemeClr val="tx2"/>
+                </a:solidFill>
+              </a:defRPr>
+            </a:lvl9pPr>
+          </a:lstStyle>
+          <a:p>
+            <a:pPr marR="0" lvl="0" algn="ctr">
+              <a:spcBef>
+                <a:spcPts val="0"/>
+              </a:spcBef>
+              <a:spcAft>
+                <a:spcPts val="0"/>
+              </a:spcAft>
+            </a:pPr>
+            <a:r>
+              <a:rPr lang="en-US" sz="4400" dirty="0">
+                <a:solidFill>
+                  <a:srgbClr val="010101"/>
+                </a:solidFill>
+                <a:effectLst/>
+                <a:highlight>
+                  <a:srgbClr val="FFFFFF"/>
+                </a:highlight>
+                <a:ea typeface="Georgia" panose="02040502050405020303" pitchFamily="18" charset="0"/>
+                <a:cs typeface="Georgia" panose="02040502050405020303" pitchFamily="18" charset="0"/>
+              </a:rPr>
+              <a:t>What is the average number of years a SCI survivor lives post-injury vs at large?</a:t>
+            </a:r>
+            <a:endParaRPr lang="en-US" sz="4400" dirty="0">
+              <a:effectLst/>
+              <a:highlight>
+                <a:srgbClr val="FFFFFF"/>
+              </a:highlight>
+              <a:ea typeface="Georgia" panose="02040502050405020303" pitchFamily="18" charset="0"/>
+              <a:cs typeface="Georgia" panose="02040502050405020303" pitchFamily="18" charset="0"/>
+            </a:endParaRPr>
+          </a:p>
+        </p:txBody>
+      </p:sp>
+      <p:sp>
+        <p:nvSpPr>
+          <p:cNvPr id="8" name="Content Placeholder 3">
+            <a:extLst>
+              <a:ext uri="{FF2B5EF4-FFF2-40B4-BE49-F238E27FC236}">
+                <a16:creationId xmlns:a16="http://schemas.microsoft.com/office/drawing/2014/main" id="{EBCDDB57-AF69-9731-B68E-132CE470EB4E}"/>
+              </a:ext>
+            </a:extLst>
+          </p:cNvPr>
+          <p:cNvSpPr txBox="1">
+            <a:spLocks/>
+          </p:cNvSpPr>
+          <p:nvPr/>
+        </p:nvSpPr>
+        <p:spPr>
+          <a:xfrm>
+            <a:off x="7306610" y="6057781"/>
+            <a:ext cx="4218281" cy="886482"/>
+          </a:xfrm>
+          <a:prstGeom prst="rect">
+            <a:avLst/>
+          </a:prstGeom>
+        </p:spPr>
+        <p:txBody>
+          <a:bodyPr vert="horz" lIns="0" tIns="274320" rIns="91440" bIns="45720" rtlCol="0">
             <a:normAutofit/>
           </a:bodyPr>
           <a:lstStyle>
-            <a:lvl1pPr marL="283464" indent="-283464" algn="l" defTabSz="914400" rtl="0" eaLnBrk="1" latinLnBrk="0" hangingPunct="1">
+            <a:lvl1pPr marL="0" indent="0" algn="l" defTabSz="914400" rtl="0" eaLnBrk="1" latinLnBrk="0" hangingPunct="1">
               <a:lnSpc>
                 <a:spcPct val="90000"/>
               </a:lnSpc>
@@ -13250,7 +15768,7 @@
                 <a:spcPts val="1800"/>
               </a:spcBef>
               <a:buFont typeface="Arial" panose="020B0604020202020204" pitchFamily="34" charset="0"/>
-              <a:buChar char="•"/>
+              <a:buNone/>
               <a:defRPr sz="2000" b="0" i="0" kern="1200">
                 <a:solidFill>
                   <a:schemeClr val="bg1"/>
@@ -13260,7 +15778,7 @@
                 <a:cs typeface="+mn-cs"/>
               </a:defRPr>
             </a:lvl1pPr>
-            <a:lvl2pPr marL="685800" indent="-283464" algn="l" defTabSz="914400" rtl="0" eaLnBrk="1" latinLnBrk="0" hangingPunct="1">
+            <a:lvl2pPr marL="457200" indent="0" algn="l" defTabSz="914400" rtl="0" eaLnBrk="1" latinLnBrk="0" hangingPunct="1">
               <a:lnSpc>
                 <a:spcPct val="90000"/>
               </a:lnSpc>
@@ -13268,7 +15786,7 @@
                 <a:spcPts val="1800"/>
               </a:spcBef>
               <a:buFont typeface="Arial" panose="020B0604020202020204" pitchFamily="34" charset="0"/>
-              <a:buChar char="•"/>
+              <a:buNone/>
               <a:defRPr sz="2000" b="0" i="0" kern="1200">
                 <a:solidFill>
                   <a:schemeClr val="bg1"/>
@@ -13278,7 +15796,7 @@
                 <a:cs typeface="+mn-cs"/>
               </a:defRPr>
             </a:lvl2pPr>
-            <a:lvl3pPr marL="1143000" indent="-283464" algn="l" defTabSz="914400" rtl="0" eaLnBrk="1" latinLnBrk="0" hangingPunct="1">
+            <a:lvl3pPr marL="914400" indent="0" algn="l" defTabSz="914400" rtl="0" eaLnBrk="1" latinLnBrk="0" hangingPunct="1">
               <a:lnSpc>
                 <a:spcPct val="90000"/>
               </a:lnSpc>
@@ -13286,7 +15804,7 @@
                 <a:spcPts val="1800"/>
               </a:spcBef>
               <a:buFont typeface="Arial" panose="020B0604020202020204" pitchFamily="34" charset="0"/>
-              <a:buChar char="•"/>
+              <a:buNone/>
               <a:defRPr sz="2000" b="0" i="0" kern="1200">
                 <a:solidFill>
                   <a:schemeClr val="bg1"/>
@@ -13296,7 +15814,7 @@
                 <a:cs typeface="+mn-cs"/>
               </a:defRPr>
             </a:lvl3pPr>
-            <a:lvl4pPr marL="1600200" indent="-283464" algn="l" defTabSz="914400" rtl="0" eaLnBrk="1" latinLnBrk="0" hangingPunct="1">
+            <a:lvl4pPr marL="1371600" indent="0" algn="l" defTabSz="914400" rtl="0" eaLnBrk="1" latinLnBrk="0" hangingPunct="1">
               <a:lnSpc>
                 <a:spcPct val="90000"/>
               </a:lnSpc>
@@ -13304,7 +15822,7 @@
                 <a:spcPts val="1800"/>
               </a:spcBef>
               <a:buFont typeface="Arial" panose="020B0604020202020204" pitchFamily="34" charset="0"/>
-              <a:buChar char="•"/>
+              <a:buNone/>
               <a:defRPr sz="2000" b="0" i="0" kern="1200">
                 <a:solidFill>
                   <a:schemeClr val="bg1"/>
@@ -13314,7 +15832,7 @@
                 <a:cs typeface="+mn-cs"/>
               </a:defRPr>
             </a:lvl4pPr>
-            <a:lvl5pPr marL="2057400" indent="-283464" algn="l" defTabSz="914400" rtl="0" eaLnBrk="1" latinLnBrk="0" hangingPunct="1">
+            <a:lvl5pPr marL="1828800" indent="0" algn="l" defTabSz="914400" rtl="0" eaLnBrk="1" latinLnBrk="0" hangingPunct="1">
               <a:lnSpc>
                 <a:spcPct val="90000"/>
               </a:lnSpc>
@@ -13322,7 +15840,7 @@
                 <a:spcPts val="1800"/>
               </a:spcBef>
               <a:buFont typeface="Arial" panose="020B0604020202020204" pitchFamily="34" charset="0"/>
-              <a:buChar char="•"/>
+              <a:buNone/>
               <a:defRPr sz="2000" b="0" i="0" kern="1200">
                 <a:solidFill>
                   <a:schemeClr val="bg1"/>
@@ -13406,21 +15924,10 @@
             </a:lvl9pPr>
           </a:lstStyle>
           <a:p>
-            <a:pPr lvl="1"/>
             <a:r>
               <a:rPr lang="en-US" dirty="0"/>
-              <a:t>Pursuit of Education	</a:t>
+              <a:t>ADD COMPARISON BY GENDER?</a:t>
             </a:r>
-          </a:p>
-          <a:p>
-            <a:pPr lvl="1"/>
-            <a:r>
-              <a:rPr lang="en-US" dirty="0"/>
-              <a:t>Occupation</a:t>
-            </a:r>
-          </a:p>
-          <a:p>
-            <a:endParaRPr lang="en-US" dirty="0"/>
           </a:p>
           <a:p>
             <a:endParaRPr lang="en-US" dirty="0"/>
@@ -13430,7 +15937,7 @@
     </p:spTree>
     <p:extLst>
       <p:ext uri="{BB962C8B-B14F-4D97-AF65-F5344CB8AC3E}">
-        <p14:creationId xmlns:p14="http://schemas.microsoft.com/office/powerpoint/2010/main" val="3200312026"/>
+        <p14:creationId xmlns:p14="http://schemas.microsoft.com/office/powerpoint/2010/main" val="706098357"/>
       </p:ext>
     </p:extLst>
   </p:cSld>
@@ -13440,7 +15947,7 @@
 </p:sld>
 </file>
 
-<file path=ppt/slides/slide3.xml><?xml version="1.0" encoding="utf-8"?>
+<file path=ppt/slides/slide7.xml><?xml version="1.0" encoding="utf-8"?>
 <p:sld xmlns:a="http://schemas.openxmlformats.org/drawingml/2006/main" xmlns:r="http://schemas.openxmlformats.org/officeDocument/2006/relationships" xmlns:p="http://schemas.openxmlformats.org/presentationml/2006/main">
   <p:cSld>
     <p:spTree>
@@ -13459,10 +15966,10 @@
       </p:grpSpPr>
       <p:sp>
         <p:nvSpPr>
-          <p:cNvPr id="2" name="Title 1">
+          <p:cNvPr id="4" name="Content Placeholder 3">
             <a:extLst>
               <a:ext uri="{FF2B5EF4-FFF2-40B4-BE49-F238E27FC236}">
-                <a16:creationId xmlns:a16="http://schemas.microsoft.com/office/drawing/2014/main" id="{B530BF65-C84B-45C3-72CA-AFDA68851174}"/>
+                <a16:creationId xmlns:a16="http://schemas.microsoft.com/office/drawing/2014/main" id="{CDB14AAA-1F04-769D-E7F0-4F68C8EB9283}"/>
               </a:ext>
             </a:extLst>
           </p:cNvPr>
@@ -13470,13 +15977,13 @@
             <a:spLocks noGrp="1"/>
           </p:cNvSpPr>
           <p:nvPr>
-            <p:ph type="title"/>
+            <p:ph sz="quarter" idx="14"/>
           </p:nvPr>
         </p:nvSpPr>
         <p:spPr>
           <a:xfrm>
-            <a:off x="594360" y="189572"/>
-            <a:ext cx="6787747" cy="1593507"/>
+            <a:off x="7306610" y="5682206"/>
+            <a:ext cx="4218281" cy="942881"/>
           </a:xfrm>
         </p:spPr>
         <p:txBody>
@@ -13485,113 +15992,184 @@
           <a:p>
             <a:r>
               <a:rPr lang="en-US" dirty="0"/>
-              <a:t>Research Data</a:t>
+              <a:t>The average lifespan of a SCI survivor is 55.56.</a:t>
             </a:r>
+          </a:p>
+          <a:p>
+            <a:endParaRPr lang="en-US" dirty="0"/>
           </a:p>
         </p:txBody>
       </p:sp>
       <p:sp>
         <p:nvSpPr>
-          <p:cNvPr id="3" name="Text Placeholder 2">
+          <p:cNvPr id="2" name="Title 5">
             <a:extLst>
               <a:ext uri="{FF2B5EF4-FFF2-40B4-BE49-F238E27FC236}">
-                <a16:creationId xmlns:a16="http://schemas.microsoft.com/office/drawing/2014/main" id="{3B8EBC2C-6DD7-5003-38EB-40753046FE8C}"/>
+                <a16:creationId xmlns:a16="http://schemas.microsoft.com/office/drawing/2014/main" id="{223755DB-24FE-64C9-1D80-A383ED06AE0A}"/>
               </a:ext>
             </a:extLst>
           </p:cNvPr>
-          <p:cNvSpPr>
-            <a:spLocks noGrp="1"/>
+          <p:cNvSpPr txBox="1">
+            <a:spLocks/>
           </p:cNvSpPr>
-          <p:nvPr>
-            <p:ph sz="quarter" idx="13"/>
-          </p:nvPr>
+          <p:nvPr/>
         </p:nvSpPr>
         <p:spPr>
           <a:xfrm>
-            <a:off x="593725" y="2281238"/>
-            <a:ext cx="11267596" cy="3709987"/>
+            <a:off x="690113" y="81091"/>
+            <a:ext cx="10834778" cy="1109354"/>
           </a:xfrm>
+          <a:prstGeom prst="rect">
+            <a:avLst/>
+          </a:prstGeom>
         </p:spPr>
         <p:txBody>
-          <a:bodyPr tIns="457200">
+          <a:bodyPr vert="horz" lIns="0" tIns="0" rIns="0" bIns="0" rtlCol="0" anchor="b" anchorCtr="0">
             <a:noAutofit/>
           </a:bodyPr>
-          <a:lstStyle/>
-          <a:p>
-            <a:r>
-              <a:rPr lang="en-US" sz="2000" b="0" dirty="0">
+          <a:lstStyle>
+            <a:lvl1pPr algn="l" defTabSz="914400" rtl="0" eaLnBrk="1" latinLnBrk="0" hangingPunct="1">
+              <a:lnSpc>
+                <a:spcPct val="80000"/>
+              </a:lnSpc>
+              <a:spcBef>
+                <a:spcPct val="0"/>
+              </a:spcBef>
+              <a:buNone/>
+              <a:defRPr sz="4400" b="1" i="0" kern="1200" spc="100" baseline="0">
                 <a:solidFill>
                   <a:schemeClr val="bg1"/>
                 </a:solidFill>
-              </a:rPr>
-              <a:t>This research was conducted through analyzing the National                                                                Spinal Cord Injury Model Systems (SCIMS) Database.</a:t>
-            </a:r>
-          </a:p>
-          <a:p>
-            <a:r>
-              <a:rPr lang="en-US" sz="2000" b="0" dirty="0">
+                <a:latin typeface="+mj-lt"/>
+                <a:ea typeface="+mj-ea"/>
+                <a:cs typeface="+mj-cs"/>
+              </a:defRPr>
+            </a:lvl1pPr>
+            <a:lvl2pPr eaLnBrk="1" hangingPunct="1">
+              <a:defRPr>
                 <a:solidFill>
-                  <a:schemeClr val="bg1"/>
+                  <a:schemeClr val="tx2"/>
                 </a:solidFill>
-              </a:rPr>
-              <a:t>The SCIMS Database was established in 1973 as a repository of data collected through the collaborative efforts of federally funded SCI Model System Centers.</a:t>
-            </a:r>
-          </a:p>
-          <a:p>
-            <a:r>
-              <a:rPr lang="en-US" sz="2000" b="0" dirty="0">
+              </a:defRPr>
+            </a:lvl2pPr>
+            <a:lvl3pPr eaLnBrk="1" hangingPunct="1">
+              <a:defRPr>
                 <a:solidFill>
-                  <a:schemeClr val="bg1"/>
+                  <a:schemeClr val="tx2"/>
                 </a:solidFill>
-              </a:rPr>
-              <a:t>The SCIMS Database and project research consists of years from 1972 through 2021.</a:t>
-            </a:r>
-          </a:p>
-          <a:p>
-            <a:pPr marL="0" indent="0">
-              <a:buNone/>
+              </a:defRPr>
+            </a:lvl3pPr>
+            <a:lvl4pPr eaLnBrk="1" hangingPunct="1">
+              <a:defRPr>
+                <a:solidFill>
+                  <a:schemeClr val="tx2"/>
+                </a:solidFill>
+              </a:defRPr>
+            </a:lvl4pPr>
+            <a:lvl5pPr eaLnBrk="1" hangingPunct="1">
+              <a:defRPr>
+                <a:solidFill>
+                  <a:schemeClr val="tx2"/>
+                </a:solidFill>
+              </a:defRPr>
+            </a:lvl5pPr>
+            <a:lvl6pPr eaLnBrk="1" hangingPunct="1">
+              <a:defRPr>
+                <a:solidFill>
+                  <a:schemeClr val="tx2"/>
+                </a:solidFill>
+              </a:defRPr>
+            </a:lvl6pPr>
+            <a:lvl7pPr eaLnBrk="1" hangingPunct="1">
+              <a:defRPr>
+                <a:solidFill>
+                  <a:schemeClr val="tx2"/>
+                </a:solidFill>
+              </a:defRPr>
+            </a:lvl7pPr>
+            <a:lvl8pPr eaLnBrk="1" hangingPunct="1">
+              <a:defRPr>
+                <a:solidFill>
+                  <a:schemeClr val="tx2"/>
+                </a:solidFill>
+              </a:defRPr>
+            </a:lvl8pPr>
+            <a:lvl9pPr eaLnBrk="1" hangingPunct="1">
+              <a:defRPr>
+                <a:solidFill>
+                  <a:schemeClr val="tx2"/>
+                </a:solidFill>
+              </a:defRPr>
+            </a:lvl9pPr>
+          </a:lstStyle>
+          <a:p>
+            <a:pPr marR="0" lvl="0" algn="ctr">
+              <a:spcBef>
+                <a:spcPts val="0"/>
+              </a:spcBef>
+              <a:spcAft>
+                <a:spcPts val="0"/>
+              </a:spcAft>
             </a:pPr>
             <a:r>
-              <a:rPr lang="en-US" sz="2000" b="0" dirty="0">
+              <a:rPr lang="en-US" sz="4400" dirty="0">
                 <a:solidFill>
-                  <a:schemeClr val="bg1"/>
+                  <a:srgbClr val="010101"/>
                 </a:solidFill>
+                <a:effectLst/>
+                <a:highlight>
+                  <a:srgbClr val="FFFFFF"/>
+                </a:highlight>
+                <a:ea typeface="Georgia" panose="02040502050405020303" pitchFamily="18" charset="0"/>
+                <a:cs typeface="Georgia" panose="02040502050405020303" pitchFamily="18" charset="0"/>
               </a:rPr>
-              <a:t>	-Follow-up interviews were conducted at the first anniversary if injury, then every following 5 </a:t>
+              <a:t>What is the average number of years a SCI survivor lives post-injury vs at large?</a:t>
             </a:r>
-            <a:r>
-              <a:rPr lang="en-US" sz="2000" b="0">
-                <a:solidFill>
-                  <a:schemeClr val="bg1"/>
-                </a:solidFill>
-              </a:rPr>
-              <a:t>year 	anniversary</a:t>
-            </a:r>
-            <a:r>
-              <a:rPr lang="en-US" sz="2000" b="0" dirty="0">
-                <a:solidFill>
-                  <a:schemeClr val="bg1"/>
-                </a:solidFill>
-              </a:rPr>
-              <a:t>. </a:t>
-            </a:r>
-          </a:p>
-          <a:p>
-            <a:r>
-              <a:rPr lang="en-US" sz="2000" b="0" dirty="0">
-                <a:solidFill>
-                  <a:schemeClr val="bg1"/>
-                </a:solidFill>
-              </a:rPr>
-              <a:t>The SCIMS Database captures data on 6% of new SCI cases that occur each year in the United States.</a:t>
-            </a:r>
+            <a:endParaRPr lang="en-US" sz="4400" dirty="0">
+              <a:effectLst/>
+              <a:highlight>
+                <a:srgbClr val="FFFFFF"/>
+              </a:highlight>
+              <a:ea typeface="Georgia" panose="02040502050405020303" pitchFamily="18" charset="0"/>
+              <a:cs typeface="Georgia" panose="02040502050405020303" pitchFamily="18" charset="0"/>
+            </a:endParaRPr>
           </a:p>
         </p:txBody>
       </p:sp>
+      <p:pic>
+        <p:nvPicPr>
+          <p:cNvPr id="5" name="Picture 4">
+            <a:extLst>
+              <a:ext uri="{FF2B5EF4-FFF2-40B4-BE49-F238E27FC236}">
+                <a16:creationId xmlns:a16="http://schemas.microsoft.com/office/drawing/2014/main" id="{D8CA696C-2D5C-1E85-6785-26B7E694A488}"/>
+              </a:ext>
+            </a:extLst>
+          </p:cNvPr>
+          <p:cNvPicPr>
+            <a:picLocks noChangeAspect="1"/>
+          </p:cNvPicPr>
+          <p:nvPr/>
+        </p:nvPicPr>
+        <p:blipFill>
+          <a:blip r:embed="rId3"/>
+          <a:stretch>
+            <a:fillRect/>
+          </a:stretch>
+        </p:blipFill>
+        <p:spPr>
+          <a:xfrm>
+            <a:off x="2708694" y="1421873"/>
+            <a:ext cx="7461849" cy="4289890"/>
+          </a:xfrm>
+          <a:prstGeom prst="rect">
+            <a:avLst/>
+          </a:prstGeom>
+        </p:spPr>
+      </p:pic>
     </p:spTree>
     <p:extLst>
       <p:ext uri="{BB962C8B-B14F-4D97-AF65-F5344CB8AC3E}">
-        <p14:creationId xmlns:p14="http://schemas.microsoft.com/office/powerpoint/2010/main" val="3346685798"/>
+        <p14:creationId xmlns:p14="http://schemas.microsoft.com/office/powerpoint/2010/main" val="3635275732"/>
       </p:ext>
     </p:extLst>
   </p:cSld>
@@ -13601,7 +16179,7 @@
 </p:sld>
 </file>
 
-<file path=ppt/slides/slide4.xml><?xml version="1.0" encoding="utf-8"?>
+<file path=ppt/slides/slide8.xml><?xml version="1.0" encoding="utf-8"?>
 <p:sld xmlns:a="http://schemas.openxmlformats.org/drawingml/2006/main" xmlns:r="http://schemas.openxmlformats.org/officeDocument/2006/relationships" xmlns:p="http://schemas.openxmlformats.org/presentationml/2006/main">
   <p:cSld>
     <p:spTree>
@@ -13620,39 +16198,6 @@
       </p:grpSpPr>
       <p:sp>
         <p:nvSpPr>
-          <p:cNvPr id="6" name="Title 5">
-            <a:extLst>
-              <a:ext uri="{FF2B5EF4-FFF2-40B4-BE49-F238E27FC236}">
-                <a16:creationId xmlns:a16="http://schemas.microsoft.com/office/drawing/2014/main" id="{76A9A9A7-F1D2-237D-AC72-E21A286F0A6F}"/>
-              </a:ext>
-            </a:extLst>
-          </p:cNvPr>
-          <p:cNvSpPr>
-            <a:spLocks noGrp="1"/>
-          </p:cNvSpPr>
-          <p:nvPr>
-            <p:ph type="title"/>
-          </p:nvPr>
-        </p:nvSpPr>
-        <p:spPr>
-          <a:xfrm>
-            <a:off x="3661409" y="4661717"/>
-            <a:ext cx="7936230" cy="1380760"/>
-          </a:xfrm>
-        </p:spPr>
-        <p:txBody>
-          <a:bodyPr/>
-          <a:lstStyle/>
-          <a:p>
-            <a:r>
-              <a:rPr lang="en-US" dirty="0"/>
-              <a:t>Age at SCI</a:t>
-            </a:r>
-          </a:p>
-        </p:txBody>
-      </p:sp>
-      <p:sp>
-        <p:nvSpPr>
           <p:cNvPr id="4" name="Content Placeholder 3">
             <a:extLst>
               <a:ext uri="{FF2B5EF4-FFF2-40B4-BE49-F238E27FC236}">
@@ -13669,148 +16214,8 @@
         </p:nvSpPr>
         <p:spPr>
           <a:xfrm>
-            <a:off x="1095590" y="584005"/>
-            <a:ext cx="4218281" cy="3999060"/>
-          </a:xfrm>
-        </p:spPr>
-        <p:txBody>
-          <a:bodyPr/>
-          <a:lstStyle/>
-          <a:p>
-            <a:r>
-              <a:rPr lang="en-US" dirty="0"/>
-              <a:t>The average age at spinal cord injury was 35.93 years.</a:t>
-            </a:r>
-          </a:p>
-          <a:p>
-            <a:r>
-              <a:rPr lang="en-US" dirty="0"/>
-              <a:t>A majority of injuries happened between the ages 22 – 48. </a:t>
-            </a:r>
-          </a:p>
-          <a:p>
-            <a:r>
-              <a:rPr lang="en-US" dirty="0"/>
-              <a:t>Ages 22-48 are a very formidable time for most people. These are the years where you are finding who you are, completing your education, building a career and/or starting a family.</a:t>
-            </a:r>
-          </a:p>
-          <a:p>
-            <a:endParaRPr lang="en-US" dirty="0"/>
-          </a:p>
-        </p:txBody>
-      </p:sp>
-      <p:pic>
-        <p:nvPicPr>
-          <p:cNvPr id="16" name="Content Placeholder 15">
-            <a:extLst>
-              <a:ext uri="{FF2B5EF4-FFF2-40B4-BE49-F238E27FC236}">
-                <a16:creationId xmlns:a16="http://schemas.microsoft.com/office/drawing/2014/main" id="{3D90EC28-0B1C-A734-D534-309A544D8EED}"/>
-              </a:ext>
-            </a:extLst>
-          </p:cNvPr>
-          <p:cNvPicPr>
-            <a:picLocks noGrp="1" noChangeAspect="1"/>
-          </p:cNvPicPr>
-          <p:nvPr>
-            <p:ph sz="quarter" idx="13"/>
-          </p:nvPr>
-        </p:nvPicPr>
-        <p:blipFill>
-          <a:blip r:embed="rId3"/>
-          <a:stretch>
-            <a:fillRect/>
-          </a:stretch>
-        </p:blipFill>
-        <p:spPr>
-          <a:xfrm>
-            <a:off x="5394454" y="671184"/>
-            <a:ext cx="5895000" cy="3998913"/>
-          </a:xfrm>
-        </p:spPr>
-      </p:pic>
-    </p:spTree>
-    <p:extLst>
-      <p:ext uri="{BB962C8B-B14F-4D97-AF65-F5344CB8AC3E}">
-        <p14:creationId xmlns:p14="http://schemas.microsoft.com/office/powerpoint/2010/main" val="4127695141"/>
-      </p:ext>
-    </p:extLst>
-  </p:cSld>
-  <p:clrMapOvr>
-    <a:masterClrMapping/>
-  </p:clrMapOvr>
-</p:sld>
-</file>
-
-<file path=ppt/slides/slide5.xml><?xml version="1.0" encoding="utf-8"?>
-<p:sld xmlns:a="http://schemas.openxmlformats.org/drawingml/2006/main" xmlns:r="http://schemas.openxmlformats.org/officeDocument/2006/relationships" xmlns:p="http://schemas.openxmlformats.org/presentationml/2006/main">
-  <p:cSld>
-    <p:spTree>
-      <p:nvGrpSpPr>
-        <p:cNvPr id="1" name=""/>
-        <p:cNvGrpSpPr/>
-        <p:nvPr/>
-      </p:nvGrpSpPr>
-      <p:grpSpPr>
-        <a:xfrm>
-          <a:off x="0" y="0"/>
-          <a:ext cx="0" cy="0"/>
-          <a:chOff x="0" y="0"/>
-          <a:chExt cx="0" cy="0"/>
-        </a:xfrm>
-      </p:grpSpPr>
-      <p:sp>
-        <p:nvSpPr>
-          <p:cNvPr id="6" name="Title 5">
-            <a:extLst>
-              <a:ext uri="{FF2B5EF4-FFF2-40B4-BE49-F238E27FC236}">
-                <a16:creationId xmlns:a16="http://schemas.microsoft.com/office/drawing/2014/main" id="{76A9A9A7-F1D2-237D-AC72-E21A286F0A6F}"/>
-              </a:ext>
-            </a:extLst>
-          </p:cNvPr>
-          <p:cNvSpPr>
-            <a:spLocks noGrp="1"/>
-          </p:cNvSpPr>
-          <p:nvPr>
-            <p:ph type="title"/>
-          </p:nvPr>
-        </p:nvSpPr>
-        <p:spPr>
-          <a:xfrm>
-            <a:off x="3661409" y="4661717"/>
-            <a:ext cx="7936230" cy="1380760"/>
-          </a:xfrm>
-        </p:spPr>
-        <p:txBody>
-          <a:bodyPr/>
-          <a:lstStyle/>
-          <a:p>
-            <a:r>
-              <a:rPr lang="en-US" dirty="0"/>
-              <a:t>Average Lifespan post SCI</a:t>
-            </a:r>
-          </a:p>
-        </p:txBody>
-      </p:sp>
-      <p:sp>
-        <p:nvSpPr>
-          <p:cNvPr id="4" name="Content Placeholder 3">
-            <a:extLst>
-              <a:ext uri="{FF2B5EF4-FFF2-40B4-BE49-F238E27FC236}">
-                <a16:creationId xmlns:a16="http://schemas.microsoft.com/office/drawing/2014/main" id="{CDB14AAA-1F04-769D-E7F0-4F68C8EB9283}"/>
-              </a:ext>
-            </a:extLst>
-          </p:cNvPr>
-          <p:cNvSpPr>
-            <a:spLocks noGrp="1"/>
-          </p:cNvSpPr>
-          <p:nvPr>
-            <p:ph sz="quarter" idx="14"/>
-          </p:nvPr>
-        </p:nvSpPr>
-        <p:spPr>
-          <a:xfrm>
-            <a:off x="1095590" y="584005"/>
-            <a:ext cx="4218281" cy="3999060"/>
+            <a:off x="1095590" y="1748561"/>
+            <a:ext cx="4218281" cy="2961462"/>
           </a:xfrm>
         </p:spPr>
         <p:txBody>
@@ -13855,135 +16260,8 @@
         </p:blipFill>
         <p:spPr>
           <a:xfrm>
-            <a:off x="5529302" y="656645"/>
+            <a:off x="5529302" y="1657304"/>
             <a:ext cx="5864306" cy="4005072"/>
-          </a:xfrm>
-          <a:prstGeom prst="rect">
-            <a:avLst/>
-          </a:prstGeom>
-        </p:spPr>
-      </p:pic>
-    </p:spTree>
-    <p:extLst>
-      <p:ext uri="{BB962C8B-B14F-4D97-AF65-F5344CB8AC3E}">
-        <p14:creationId xmlns:p14="http://schemas.microsoft.com/office/powerpoint/2010/main" val="706098357"/>
-      </p:ext>
-    </p:extLst>
-  </p:cSld>
-  <p:clrMapOvr>
-    <a:masterClrMapping/>
-  </p:clrMapOvr>
-</p:sld>
-</file>
-
-<file path=ppt/slides/slide6.xml><?xml version="1.0" encoding="utf-8"?>
-<p:sld xmlns:a="http://schemas.openxmlformats.org/drawingml/2006/main" xmlns:r="http://schemas.openxmlformats.org/officeDocument/2006/relationships" xmlns:p="http://schemas.openxmlformats.org/presentationml/2006/main">
-  <p:cSld>
-    <p:spTree>
-      <p:nvGrpSpPr>
-        <p:cNvPr id="1" name=""/>
-        <p:cNvGrpSpPr/>
-        <p:nvPr/>
-      </p:nvGrpSpPr>
-      <p:grpSpPr>
-        <a:xfrm>
-          <a:off x="0" y="0"/>
-          <a:ext cx="0" cy="0"/>
-          <a:chOff x="0" y="0"/>
-          <a:chExt cx="0" cy="0"/>
-        </a:xfrm>
-      </p:grpSpPr>
-      <p:sp>
-        <p:nvSpPr>
-          <p:cNvPr id="2" name="Title 1">
-            <a:extLst>
-              <a:ext uri="{FF2B5EF4-FFF2-40B4-BE49-F238E27FC236}">
-                <a16:creationId xmlns:a16="http://schemas.microsoft.com/office/drawing/2014/main" id="{F0759DC4-8B30-98A0-5BAB-C78BA4A4AD55}"/>
-              </a:ext>
-            </a:extLst>
-          </p:cNvPr>
-          <p:cNvSpPr>
-            <a:spLocks noGrp="1"/>
-          </p:cNvSpPr>
-          <p:nvPr>
-            <p:ph type="title"/>
-          </p:nvPr>
-        </p:nvSpPr>
-        <p:spPr>
-          <a:xfrm>
-            <a:off x="3442590" y="242675"/>
-            <a:ext cx="4217667" cy="595222"/>
-          </a:xfrm>
-        </p:spPr>
-        <p:txBody>
-          <a:bodyPr/>
-          <a:lstStyle/>
-          <a:p>
-            <a:r>
-              <a:rPr lang="en-US" sz="4200" dirty="0"/>
-              <a:t>Marriage Rates</a:t>
-            </a:r>
-          </a:p>
-        </p:txBody>
-      </p:sp>
-      <p:sp>
-        <p:nvSpPr>
-          <p:cNvPr id="7" name="TextBox 6">
-            <a:extLst>
-              <a:ext uri="{FF2B5EF4-FFF2-40B4-BE49-F238E27FC236}">
-                <a16:creationId xmlns:a16="http://schemas.microsoft.com/office/drawing/2014/main" id="{8C38F152-E7C4-7A1D-C6ED-B18775AB9B2C}"/>
-              </a:ext>
-            </a:extLst>
-          </p:cNvPr>
-          <p:cNvSpPr txBox="1"/>
-          <p:nvPr/>
-        </p:nvSpPr>
-        <p:spPr>
-          <a:xfrm>
-            <a:off x="457200" y="1863306"/>
-            <a:ext cx="2518913" cy="612475"/>
-          </a:xfrm>
-          <a:prstGeom prst="rect">
-            <a:avLst/>
-          </a:prstGeom>
-          <a:solidFill>
-            <a:schemeClr val="tx1"/>
-          </a:solidFill>
-        </p:spPr>
-        <p:txBody>
-          <a:bodyPr wrap="square" rtlCol="0">
-            <a:spAutoFit/>
-          </a:bodyPr>
-          <a:lstStyle/>
-          <a:p>
-            <a:endParaRPr lang="en-US" dirty="0"/>
-          </a:p>
-        </p:txBody>
-      </p:sp>
-      <p:pic>
-        <p:nvPicPr>
-          <p:cNvPr id="6" name="Picture 5">
-            <a:extLst>
-              <a:ext uri="{FF2B5EF4-FFF2-40B4-BE49-F238E27FC236}">
-                <a16:creationId xmlns:a16="http://schemas.microsoft.com/office/drawing/2014/main" id="{224FA8D6-658B-725D-56AF-E7DA09A96E19}"/>
-              </a:ext>
-            </a:extLst>
-          </p:cNvPr>
-          <p:cNvPicPr>
-            <a:picLocks noChangeAspect="1"/>
-          </p:cNvPicPr>
-          <p:nvPr/>
-        </p:nvPicPr>
-        <p:blipFill>
-          <a:blip r:embed="rId3"/>
-          <a:stretch>
-            <a:fillRect/>
-          </a:stretch>
-        </p:blipFill>
-        <p:spPr>
-          <a:xfrm>
-            <a:off x="1467139" y="1135238"/>
-            <a:ext cx="7630590" cy="4124901"/>
           </a:xfrm>
           <a:prstGeom prst="rect">
             <a:avLst/>
@@ -13992,10 +16270,10 @@
       </p:pic>
       <p:sp>
         <p:nvSpPr>
-          <p:cNvPr id="8" name="Content Placeholder 3">
+          <p:cNvPr id="2" name="Title 5">
             <a:extLst>
               <a:ext uri="{FF2B5EF4-FFF2-40B4-BE49-F238E27FC236}">
-                <a16:creationId xmlns:a16="http://schemas.microsoft.com/office/drawing/2014/main" id="{36A71E29-E193-AEC3-8F97-E10D018B0C59}"/>
+                <a16:creationId xmlns:a16="http://schemas.microsoft.com/office/drawing/2014/main" id="{223755DB-24FE-64C9-1D80-A383ED06AE0A}"/>
               </a:ext>
             </a:extLst>
           </p:cNvPr>
@@ -14006,19 +16284,155 @@
         </p:nvSpPr>
         <p:spPr>
           <a:xfrm>
-            <a:off x="1346371" y="5553673"/>
-            <a:ext cx="10014618" cy="1035774"/>
+            <a:off x="690113" y="81091"/>
+            <a:ext cx="10834778" cy="1380760"/>
           </a:xfrm>
           <a:prstGeom prst="rect">
             <a:avLst/>
           </a:prstGeom>
         </p:spPr>
         <p:txBody>
-          <a:bodyPr vert="horz" lIns="0" tIns="45720" rIns="91440" bIns="45720" rtlCol="0">
+          <a:bodyPr vert="horz" lIns="0" tIns="0" rIns="0" bIns="0" rtlCol="0" anchor="b" anchorCtr="0">
+            <a:noAutofit/>
+          </a:bodyPr>
+          <a:lstStyle>
+            <a:lvl1pPr algn="l" defTabSz="914400" rtl="0" eaLnBrk="1" latinLnBrk="0" hangingPunct="1">
+              <a:lnSpc>
+                <a:spcPct val="80000"/>
+              </a:lnSpc>
+              <a:spcBef>
+                <a:spcPct val="0"/>
+              </a:spcBef>
+              <a:buNone/>
+              <a:defRPr sz="4400" b="1" i="0" kern="1200" spc="100" baseline="0">
+                <a:solidFill>
+                  <a:schemeClr val="bg1"/>
+                </a:solidFill>
+                <a:latin typeface="+mj-lt"/>
+                <a:ea typeface="+mj-ea"/>
+                <a:cs typeface="+mj-cs"/>
+              </a:defRPr>
+            </a:lvl1pPr>
+            <a:lvl2pPr eaLnBrk="1" hangingPunct="1">
+              <a:defRPr>
+                <a:solidFill>
+                  <a:schemeClr val="tx2"/>
+                </a:solidFill>
+              </a:defRPr>
+            </a:lvl2pPr>
+            <a:lvl3pPr eaLnBrk="1" hangingPunct="1">
+              <a:defRPr>
+                <a:solidFill>
+                  <a:schemeClr val="tx2"/>
+                </a:solidFill>
+              </a:defRPr>
+            </a:lvl3pPr>
+            <a:lvl4pPr eaLnBrk="1" hangingPunct="1">
+              <a:defRPr>
+                <a:solidFill>
+                  <a:schemeClr val="tx2"/>
+                </a:solidFill>
+              </a:defRPr>
+            </a:lvl4pPr>
+            <a:lvl5pPr eaLnBrk="1" hangingPunct="1">
+              <a:defRPr>
+                <a:solidFill>
+                  <a:schemeClr val="tx2"/>
+                </a:solidFill>
+              </a:defRPr>
+            </a:lvl5pPr>
+            <a:lvl6pPr eaLnBrk="1" hangingPunct="1">
+              <a:defRPr>
+                <a:solidFill>
+                  <a:schemeClr val="tx2"/>
+                </a:solidFill>
+              </a:defRPr>
+            </a:lvl6pPr>
+            <a:lvl7pPr eaLnBrk="1" hangingPunct="1">
+              <a:defRPr>
+                <a:solidFill>
+                  <a:schemeClr val="tx2"/>
+                </a:solidFill>
+              </a:defRPr>
+            </a:lvl7pPr>
+            <a:lvl8pPr eaLnBrk="1" hangingPunct="1">
+              <a:defRPr>
+                <a:solidFill>
+                  <a:schemeClr val="tx2"/>
+                </a:solidFill>
+              </a:defRPr>
+            </a:lvl8pPr>
+            <a:lvl9pPr eaLnBrk="1" hangingPunct="1">
+              <a:defRPr>
+                <a:solidFill>
+                  <a:schemeClr val="tx2"/>
+                </a:solidFill>
+              </a:defRPr>
+            </a:lvl9pPr>
+          </a:lstStyle>
+          <a:p>
+            <a:pPr marR="0" lvl="0" algn="ctr">
+              <a:spcBef>
+                <a:spcPts val="0"/>
+              </a:spcBef>
+              <a:spcAft>
+                <a:spcPts val="0"/>
+              </a:spcAft>
+            </a:pPr>
+            <a:r>
+              <a:rPr lang="en-US" sz="4400" dirty="0">
+                <a:solidFill>
+                  <a:srgbClr val="010101"/>
+                </a:solidFill>
+                <a:effectLst/>
+                <a:highlight>
+                  <a:srgbClr val="FFFFFF"/>
+                </a:highlight>
+                <a:ea typeface="Georgia" panose="02040502050405020303" pitchFamily="18" charset="0"/>
+                <a:cs typeface="Georgia" panose="02040502050405020303" pitchFamily="18" charset="0"/>
+              </a:rPr>
+              <a:t>What is the average number of years a SCI survivor lives post-injury vs at large?</a:t>
+            </a:r>
+            <a:endParaRPr lang="en-US" sz="4400" dirty="0">
+              <a:effectLst/>
+              <a:highlight>
+                <a:srgbClr val="FFFFFF"/>
+              </a:highlight>
+              <a:ea typeface="Georgia" panose="02040502050405020303" pitchFamily="18" charset="0"/>
+              <a:cs typeface="Georgia" panose="02040502050405020303" pitchFamily="18" charset="0"/>
+            </a:endParaRPr>
+          </a:p>
+        </p:txBody>
+      </p:sp>
+      <p:sp>
+        <p:nvSpPr>
+          <p:cNvPr id="8" name="Content Placeholder 3">
+            <a:extLst>
+              <a:ext uri="{FF2B5EF4-FFF2-40B4-BE49-F238E27FC236}">
+                <a16:creationId xmlns:a16="http://schemas.microsoft.com/office/drawing/2014/main" id="{EBCDDB57-AF69-9731-B68E-132CE470EB4E}"/>
+              </a:ext>
+            </a:extLst>
+          </p:cNvPr>
+          <p:cNvSpPr txBox="1">
+            <a:spLocks/>
+          </p:cNvSpPr>
+          <p:nvPr/>
+        </p:nvSpPr>
+        <p:spPr>
+          <a:xfrm>
+            <a:off x="7306610" y="6057781"/>
+            <a:ext cx="4218281" cy="886482"/>
+          </a:xfrm>
+          <a:prstGeom prst="rect">
+            <a:avLst/>
+          </a:prstGeom>
+        </p:spPr>
+        <p:txBody>
+          <a:bodyPr vert="horz" lIns="0" tIns="274320" rIns="91440" bIns="45720" rtlCol="0">
             <a:normAutofit/>
           </a:bodyPr>
           <a:lstStyle>
-            <a:lvl1pPr marL="342900" indent="-342900" algn="l" defTabSz="914400" rtl="0" eaLnBrk="1" latinLnBrk="0" hangingPunct="1">
+            <a:lvl1pPr marL="0" indent="0" algn="l" defTabSz="914400" rtl="0" eaLnBrk="1" latinLnBrk="0" hangingPunct="1">
               <a:lnSpc>
                 <a:spcPct val="90000"/>
               </a:lnSpc>
@@ -14026,7 +16440,7 @@
                 <a:spcPts val="1800"/>
               </a:spcBef>
               <a:buFont typeface="Arial" panose="020B0604020202020204" pitchFamily="34" charset="0"/>
-              <a:buChar char="•"/>
+              <a:buNone/>
               <a:defRPr sz="2000" b="0" i="0" kern="1200">
                 <a:solidFill>
                   <a:schemeClr val="bg1"/>
@@ -14036,7 +16450,7 @@
                 <a:cs typeface="+mn-cs"/>
               </a:defRPr>
             </a:lvl1pPr>
-            <a:lvl2pPr marL="685800" indent="-283464" algn="l" defTabSz="914400" rtl="0" eaLnBrk="1" latinLnBrk="0" hangingPunct="1">
+            <a:lvl2pPr marL="457200" indent="0" algn="l" defTabSz="914400" rtl="0" eaLnBrk="1" latinLnBrk="0" hangingPunct="1">
               <a:lnSpc>
                 <a:spcPct val="90000"/>
               </a:lnSpc>
@@ -14044,7 +16458,7 @@
                 <a:spcPts val="1800"/>
               </a:spcBef>
               <a:buFont typeface="Arial" panose="020B0604020202020204" pitchFamily="34" charset="0"/>
-              <a:buChar char="•"/>
+              <a:buNone/>
               <a:defRPr sz="2000" b="0" i="0" kern="1200">
                 <a:solidFill>
                   <a:schemeClr val="bg1"/>
@@ -14054,7 +16468,7 @@
                 <a:cs typeface="+mn-cs"/>
               </a:defRPr>
             </a:lvl2pPr>
-            <a:lvl3pPr marL="1143000" indent="-283464" algn="l" defTabSz="914400" rtl="0" eaLnBrk="1" latinLnBrk="0" hangingPunct="1">
+            <a:lvl3pPr marL="914400" indent="0" algn="l" defTabSz="914400" rtl="0" eaLnBrk="1" latinLnBrk="0" hangingPunct="1">
               <a:lnSpc>
                 <a:spcPct val="90000"/>
               </a:lnSpc>
@@ -14062,7 +16476,7 @@
                 <a:spcPts val="1800"/>
               </a:spcBef>
               <a:buFont typeface="Arial" panose="020B0604020202020204" pitchFamily="34" charset="0"/>
-              <a:buChar char="•"/>
+              <a:buNone/>
               <a:defRPr sz="2000" b="0" i="0" kern="1200">
                 <a:solidFill>
                   <a:schemeClr val="bg1"/>
@@ -14072,7 +16486,7 @@
                 <a:cs typeface="+mn-cs"/>
               </a:defRPr>
             </a:lvl3pPr>
-            <a:lvl4pPr marL="1600200" indent="-283464" algn="l" defTabSz="914400" rtl="0" eaLnBrk="1" latinLnBrk="0" hangingPunct="1">
+            <a:lvl4pPr marL="1371600" indent="0" algn="l" defTabSz="914400" rtl="0" eaLnBrk="1" latinLnBrk="0" hangingPunct="1">
               <a:lnSpc>
                 <a:spcPct val="90000"/>
               </a:lnSpc>
@@ -14080,7 +16494,7 @@
                 <a:spcPts val="1800"/>
               </a:spcBef>
               <a:buFont typeface="Arial" panose="020B0604020202020204" pitchFamily="34" charset="0"/>
-              <a:buChar char="•"/>
+              <a:buNone/>
               <a:defRPr sz="2000" b="0" i="0" kern="1200">
                 <a:solidFill>
                   <a:schemeClr val="bg1"/>
@@ -14090,7 +16504,7 @@
                 <a:cs typeface="+mn-cs"/>
               </a:defRPr>
             </a:lvl4pPr>
-            <a:lvl5pPr marL="2057400" indent="-283464" algn="l" defTabSz="914400" rtl="0" eaLnBrk="1" latinLnBrk="0" hangingPunct="1">
+            <a:lvl5pPr marL="1828800" indent="0" algn="l" defTabSz="914400" rtl="0" eaLnBrk="1" latinLnBrk="0" hangingPunct="1">
               <a:lnSpc>
                 <a:spcPct val="90000"/>
               </a:lnSpc>
@@ -14098,7 +16512,7 @@
                 <a:spcPts val="1800"/>
               </a:spcBef>
               <a:buFont typeface="Arial" panose="020B0604020202020204" pitchFamily="34" charset="0"/>
-              <a:buChar char="•"/>
+              <a:buNone/>
               <a:defRPr sz="2000" b="0" i="0" kern="1200">
                 <a:solidFill>
                   <a:schemeClr val="bg1"/>
@@ -14184,380 +16598,18 @@
           <a:p>
             <a:r>
               <a:rPr lang="en-US" dirty="0"/>
-              <a:t>The percentage of single survivors decreased from time of injury through 30 years.</a:t>
+              <a:t>ADD COMPARISON BY GENDER?</a:t>
             </a:r>
           </a:p>
           <a:p>
-            <a:r>
-              <a:rPr lang="en-US" dirty="0"/>
-              <a:t>Both the marriage rate and divorce rate increased over this time period.</a:t>
-            </a:r>
+            <a:endParaRPr lang="en-US" dirty="0"/>
           </a:p>
         </p:txBody>
       </p:sp>
     </p:spTree>
     <p:extLst>
       <p:ext uri="{BB962C8B-B14F-4D97-AF65-F5344CB8AC3E}">
-        <p14:creationId xmlns:p14="http://schemas.microsoft.com/office/powerpoint/2010/main" val="1781485680"/>
-      </p:ext>
-    </p:extLst>
-  </p:cSld>
-  <p:clrMapOvr>
-    <a:masterClrMapping/>
-  </p:clrMapOvr>
-</p:sld>
-</file>
-
-<file path=ppt/slides/slide7.xml><?xml version="1.0" encoding="utf-8"?>
-<p:sld xmlns:a="http://schemas.openxmlformats.org/drawingml/2006/main" xmlns:r="http://schemas.openxmlformats.org/officeDocument/2006/relationships" xmlns:p="http://schemas.openxmlformats.org/presentationml/2006/main">
-  <p:cSld>
-    <p:spTree>
-      <p:nvGrpSpPr>
-        <p:cNvPr id="1" name=""/>
-        <p:cNvGrpSpPr/>
-        <p:nvPr/>
-      </p:nvGrpSpPr>
-      <p:grpSpPr>
-        <a:xfrm>
-          <a:off x="0" y="0"/>
-          <a:ext cx="0" cy="0"/>
-          <a:chOff x="0" y="0"/>
-          <a:chExt cx="0" cy="0"/>
-        </a:xfrm>
-      </p:grpSpPr>
-      <p:sp>
-        <p:nvSpPr>
-          <p:cNvPr id="6" name="Title 5">
-            <a:extLst>
-              <a:ext uri="{FF2B5EF4-FFF2-40B4-BE49-F238E27FC236}">
-                <a16:creationId xmlns:a16="http://schemas.microsoft.com/office/drawing/2014/main" id="{76A9A9A7-F1D2-237D-AC72-E21A286F0A6F}"/>
-              </a:ext>
-            </a:extLst>
-          </p:cNvPr>
-          <p:cNvSpPr>
-            <a:spLocks noGrp="1"/>
-          </p:cNvSpPr>
-          <p:nvPr>
-            <p:ph type="title"/>
-          </p:nvPr>
-        </p:nvSpPr>
-        <p:spPr>
-          <a:xfrm>
-            <a:off x="3661409" y="4661717"/>
-            <a:ext cx="7936230" cy="1380760"/>
-          </a:xfrm>
-        </p:spPr>
-        <p:txBody>
-          <a:bodyPr/>
-          <a:lstStyle/>
-          <a:p>
-            <a:r>
-              <a:rPr lang="en-US" dirty="0"/>
-              <a:t>Child Birth</a:t>
-            </a:r>
-          </a:p>
-        </p:txBody>
-      </p:sp>
-      <p:sp>
-        <p:nvSpPr>
-          <p:cNvPr id="4" name="Content Placeholder 3">
-            <a:extLst>
-              <a:ext uri="{FF2B5EF4-FFF2-40B4-BE49-F238E27FC236}">
-                <a16:creationId xmlns:a16="http://schemas.microsoft.com/office/drawing/2014/main" id="{CDB14AAA-1F04-769D-E7F0-4F68C8EB9283}"/>
-              </a:ext>
-            </a:extLst>
-          </p:cNvPr>
-          <p:cNvSpPr>
-            <a:spLocks noGrp="1"/>
-          </p:cNvSpPr>
-          <p:nvPr>
-            <p:ph sz="quarter" idx="14"/>
-          </p:nvPr>
-        </p:nvSpPr>
-        <p:spPr>
-          <a:xfrm>
-            <a:off x="7629524" y="592242"/>
-            <a:ext cx="4218281" cy="3999060"/>
-          </a:xfrm>
-        </p:spPr>
-        <p:txBody>
-          <a:bodyPr/>
-          <a:lstStyle/>
-          <a:p>
-            <a:r>
-              <a:rPr lang="en-US" dirty="0"/>
-              <a:t>The number of survivors with children increased 9.6% after injury, suggesting that survivors did not allow their limitations to prevent them from having a family. </a:t>
-            </a:r>
-          </a:p>
-          <a:p>
-            <a:endParaRPr lang="en-US" dirty="0"/>
-          </a:p>
-        </p:txBody>
-      </p:sp>
-      <p:pic>
-        <p:nvPicPr>
-          <p:cNvPr id="5" name="Content Placeholder 17">
-            <a:extLst>
-              <a:ext uri="{FF2B5EF4-FFF2-40B4-BE49-F238E27FC236}">
-                <a16:creationId xmlns:a16="http://schemas.microsoft.com/office/drawing/2014/main" id="{C00245DF-B40C-7E74-C75A-D6F891294767}"/>
-              </a:ext>
-            </a:extLst>
-          </p:cNvPr>
-          <p:cNvPicPr>
-            <a:picLocks noChangeAspect="1"/>
-          </p:cNvPicPr>
-          <p:nvPr/>
-        </p:nvPicPr>
-        <p:blipFill>
-          <a:blip r:embed="rId3"/>
-          <a:stretch>
-            <a:fillRect/>
-          </a:stretch>
-        </p:blipFill>
-        <p:spPr>
-          <a:xfrm>
-            <a:off x="3919947" y="923611"/>
-            <a:ext cx="3609658" cy="3597275"/>
-          </a:xfrm>
-          <a:prstGeom prst="rect">
-            <a:avLst/>
-          </a:prstGeom>
-        </p:spPr>
-      </p:pic>
-      <p:pic>
-        <p:nvPicPr>
-          <p:cNvPr id="7" name="Content Placeholder 13">
-            <a:extLst>
-              <a:ext uri="{FF2B5EF4-FFF2-40B4-BE49-F238E27FC236}">
-                <a16:creationId xmlns:a16="http://schemas.microsoft.com/office/drawing/2014/main" id="{B1267144-0F60-F303-A3D5-9BC2E72FBEF6}"/>
-              </a:ext>
-            </a:extLst>
-          </p:cNvPr>
-          <p:cNvPicPr>
-            <a:picLocks noChangeAspect="1"/>
-          </p:cNvPicPr>
-          <p:nvPr/>
-        </p:nvPicPr>
-        <p:blipFill>
-          <a:blip r:embed="rId4"/>
-          <a:stretch>
-            <a:fillRect/>
-          </a:stretch>
-        </p:blipFill>
-        <p:spPr>
-          <a:xfrm>
-            <a:off x="659395" y="845230"/>
-            <a:ext cx="3591061" cy="3597275"/>
-          </a:xfrm>
-          <a:prstGeom prst="rect">
-            <a:avLst/>
-          </a:prstGeom>
-        </p:spPr>
-      </p:pic>
-      <p:sp>
-        <p:nvSpPr>
-          <p:cNvPr id="8" name="TextBox 7">
-            <a:extLst>
-              <a:ext uri="{FF2B5EF4-FFF2-40B4-BE49-F238E27FC236}">
-                <a16:creationId xmlns:a16="http://schemas.microsoft.com/office/drawing/2014/main" id="{D3CDA2FC-EBBF-EE7F-D5EC-AD28C0F68788}"/>
-              </a:ext>
-            </a:extLst>
-          </p:cNvPr>
-          <p:cNvSpPr txBox="1"/>
-          <p:nvPr/>
-        </p:nvSpPr>
-        <p:spPr>
-          <a:xfrm>
-            <a:off x="1993124" y="475898"/>
-            <a:ext cx="1041620" cy="369332"/>
-          </a:xfrm>
-          <a:prstGeom prst="rect">
-            <a:avLst/>
-          </a:prstGeom>
-          <a:noFill/>
-        </p:spPr>
-        <p:txBody>
-          <a:bodyPr wrap="square" rtlCol="0">
-            <a:spAutoFit/>
-          </a:bodyPr>
-          <a:lstStyle/>
-          <a:p>
-            <a:r>
-              <a:rPr lang="en-US" b="1" dirty="0">
-                <a:solidFill>
-                  <a:schemeClr val="bg1"/>
-                </a:solidFill>
-              </a:rPr>
-              <a:t>At Injury</a:t>
-            </a:r>
-          </a:p>
-        </p:txBody>
-      </p:sp>
-      <p:sp>
-        <p:nvSpPr>
-          <p:cNvPr id="9" name="TextBox 8">
-            <a:extLst>
-              <a:ext uri="{FF2B5EF4-FFF2-40B4-BE49-F238E27FC236}">
-                <a16:creationId xmlns:a16="http://schemas.microsoft.com/office/drawing/2014/main" id="{3620F464-2733-40B8-A7E0-28B5C9E27462}"/>
-              </a:ext>
-            </a:extLst>
-          </p:cNvPr>
-          <p:cNvSpPr txBox="1"/>
-          <p:nvPr/>
-        </p:nvSpPr>
-        <p:spPr>
-          <a:xfrm>
-            <a:off x="5008307" y="516969"/>
-            <a:ext cx="1398102" cy="369332"/>
-          </a:xfrm>
-          <a:prstGeom prst="rect">
-            <a:avLst/>
-          </a:prstGeom>
-          <a:noFill/>
-        </p:spPr>
-        <p:txBody>
-          <a:bodyPr wrap="square" rtlCol="0">
-            <a:spAutoFit/>
-          </a:bodyPr>
-          <a:lstStyle/>
-          <a:p>
-            <a:r>
-              <a:rPr lang="en-US" b="1" dirty="0">
-                <a:solidFill>
-                  <a:schemeClr val="bg1"/>
-                </a:solidFill>
-              </a:rPr>
-              <a:t>Post Injury</a:t>
-            </a:r>
-          </a:p>
-        </p:txBody>
-      </p:sp>
-    </p:spTree>
-    <p:extLst>
-      <p:ext uri="{BB962C8B-B14F-4D97-AF65-F5344CB8AC3E}">
-        <p14:creationId xmlns:p14="http://schemas.microsoft.com/office/powerpoint/2010/main" val="18010177"/>
-      </p:ext>
-    </p:extLst>
-  </p:cSld>
-  <p:clrMapOvr>
-    <a:masterClrMapping/>
-  </p:clrMapOvr>
-</p:sld>
-</file>
-
-<file path=ppt/slides/slide8.xml><?xml version="1.0" encoding="utf-8"?>
-<p:sld xmlns:a="http://schemas.openxmlformats.org/drawingml/2006/main" xmlns:r="http://schemas.openxmlformats.org/officeDocument/2006/relationships" xmlns:p="http://schemas.openxmlformats.org/presentationml/2006/main">
-  <p:cSld>
-    <p:spTree>
-      <p:nvGrpSpPr>
-        <p:cNvPr id="1" name=""/>
-        <p:cNvGrpSpPr/>
-        <p:nvPr/>
-      </p:nvGrpSpPr>
-      <p:grpSpPr>
-        <a:xfrm>
-          <a:off x="0" y="0"/>
-          <a:ext cx="0" cy="0"/>
-          <a:chOff x="0" y="0"/>
-          <a:chExt cx="0" cy="0"/>
-        </a:xfrm>
-      </p:grpSpPr>
-      <p:pic>
-        <p:nvPicPr>
-          <p:cNvPr id="6" name="Content Placeholder 5">
-            <a:extLst>
-              <a:ext uri="{FF2B5EF4-FFF2-40B4-BE49-F238E27FC236}">
-                <a16:creationId xmlns:a16="http://schemas.microsoft.com/office/drawing/2014/main" id="{D7941AC6-7C10-6801-D81A-1F6D8C70D9C1}"/>
-              </a:ext>
-            </a:extLst>
-          </p:cNvPr>
-          <p:cNvPicPr>
-            <a:picLocks noGrp="1" noChangeAspect="1"/>
-          </p:cNvPicPr>
-          <p:nvPr>
-            <p:ph sz="quarter" idx="13"/>
-          </p:nvPr>
-        </p:nvPicPr>
-        <p:blipFill>
-          <a:blip r:embed="rId3"/>
-          <a:stretch>
-            <a:fillRect/>
-          </a:stretch>
-        </p:blipFill>
-        <p:spPr>
-          <a:xfrm>
-            <a:off x="0" y="1927033"/>
-            <a:ext cx="5900099" cy="3001461"/>
-          </a:xfrm>
-        </p:spPr>
-      </p:pic>
-      <p:pic>
-        <p:nvPicPr>
-          <p:cNvPr id="8" name="Picture 7">
-            <a:extLst>
-              <a:ext uri="{FF2B5EF4-FFF2-40B4-BE49-F238E27FC236}">
-                <a16:creationId xmlns:a16="http://schemas.microsoft.com/office/drawing/2014/main" id="{BBB5240C-7EF7-951D-6C72-9DAAF33066B1}"/>
-              </a:ext>
-            </a:extLst>
-          </p:cNvPr>
-          <p:cNvPicPr>
-            <a:picLocks noChangeAspect="1"/>
-          </p:cNvPicPr>
-          <p:nvPr/>
-        </p:nvPicPr>
-        <p:blipFill>
-          <a:blip r:embed="rId4"/>
-          <a:stretch>
-            <a:fillRect/>
-          </a:stretch>
-        </p:blipFill>
-        <p:spPr>
-          <a:xfrm>
-            <a:off x="6189540" y="1929506"/>
-            <a:ext cx="5894901" cy="2998988"/>
-          </a:xfrm>
-          <a:prstGeom prst="rect">
-            <a:avLst/>
-          </a:prstGeom>
-        </p:spPr>
-      </p:pic>
-      <p:sp>
-        <p:nvSpPr>
-          <p:cNvPr id="2" name="Title 1">
-            <a:extLst>
-              <a:ext uri="{FF2B5EF4-FFF2-40B4-BE49-F238E27FC236}">
-                <a16:creationId xmlns:a16="http://schemas.microsoft.com/office/drawing/2014/main" id="{F0759DC4-8B30-98A0-5BAB-C78BA4A4AD55}"/>
-              </a:ext>
-            </a:extLst>
-          </p:cNvPr>
-          <p:cNvSpPr>
-            <a:spLocks noGrp="1"/>
-          </p:cNvSpPr>
-          <p:nvPr>
-            <p:ph type="title"/>
-          </p:nvPr>
-        </p:nvSpPr>
-        <p:spPr>
-          <a:xfrm>
-            <a:off x="195901" y="199057"/>
-            <a:ext cx="9540815" cy="595222"/>
-          </a:xfrm>
-        </p:spPr>
-        <p:txBody>
-          <a:bodyPr/>
-          <a:lstStyle/>
-          <a:p>
-            <a:r>
-              <a:rPr lang="en-US" sz="4200" dirty="0"/>
-              <a:t>Highest Education Level Completed</a:t>
-            </a:r>
-          </a:p>
-        </p:txBody>
-      </p:sp>
-    </p:spTree>
-    <p:extLst>
-      <p:ext uri="{BB962C8B-B14F-4D97-AF65-F5344CB8AC3E}">
-        <p14:creationId xmlns:p14="http://schemas.microsoft.com/office/powerpoint/2010/main" val="1850768898"/>
+        <p14:creationId xmlns:p14="http://schemas.microsoft.com/office/powerpoint/2010/main" val="1445717319"/>
       </p:ext>
     </p:extLst>
   </p:cSld>
@@ -14589,7 +16641,7 @@
           <p:cNvPr id="4" name="Content Placeholder 3">
             <a:extLst>
               <a:ext uri="{FF2B5EF4-FFF2-40B4-BE49-F238E27FC236}">
-                <a16:creationId xmlns:a16="http://schemas.microsoft.com/office/drawing/2014/main" id="{43E198AA-251D-4446-30C4-8F2FA7F6A72C}"/>
+                <a16:creationId xmlns:a16="http://schemas.microsoft.com/office/drawing/2014/main" id="{CDB14AAA-1F04-769D-E7F0-4F68C8EB9283}"/>
               </a:ext>
             </a:extLst>
           </p:cNvPr>
@@ -14602,8 +16654,8 @@
         </p:nvSpPr>
         <p:spPr>
           <a:xfrm>
-            <a:off x="500982" y="2393226"/>
-            <a:ext cx="10014618" cy="4265233"/>
+            <a:off x="7629524" y="1679163"/>
+            <a:ext cx="4218281" cy="3999060"/>
           </a:xfrm>
         </p:spPr>
         <p:txBody>
@@ -14612,78 +16664,292 @@
           <a:p>
             <a:r>
               <a:rPr lang="en-US" dirty="0"/>
-              <a:t>The amount of survivors continuing to pursue higher levels of education saw a dramatic increase post-injury</a:t>
+              <a:t>The number of survivors with children increased 9.6% after injury, suggesting that survivors did not allow their limitations to prevent them from having a family. </a:t>
             </a:r>
           </a:p>
           <a:p>
+            <a:endParaRPr lang="en-US" dirty="0"/>
+          </a:p>
+        </p:txBody>
+      </p:sp>
+      <p:pic>
+        <p:nvPicPr>
+          <p:cNvPr id="5" name="Content Placeholder 17">
+            <a:extLst>
+              <a:ext uri="{FF2B5EF4-FFF2-40B4-BE49-F238E27FC236}">
+                <a16:creationId xmlns:a16="http://schemas.microsoft.com/office/drawing/2014/main" id="{C00245DF-B40C-7E74-C75A-D6F891294767}"/>
+              </a:ext>
+            </a:extLst>
+          </p:cNvPr>
+          <p:cNvPicPr>
+            <a:picLocks noChangeAspect="1"/>
+          </p:cNvPicPr>
+          <p:nvPr/>
+        </p:nvPicPr>
+        <p:blipFill>
+          <a:blip r:embed="rId3"/>
+          <a:stretch>
+            <a:fillRect/>
+          </a:stretch>
+        </p:blipFill>
+        <p:spPr>
+          <a:xfrm>
+            <a:off x="3919947" y="1863887"/>
+            <a:ext cx="3609658" cy="3597275"/>
+          </a:xfrm>
+          <a:prstGeom prst="rect">
+            <a:avLst/>
+          </a:prstGeom>
+        </p:spPr>
+      </p:pic>
+      <p:pic>
+        <p:nvPicPr>
+          <p:cNvPr id="7" name="Content Placeholder 13">
+            <a:extLst>
+              <a:ext uri="{FF2B5EF4-FFF2-40B4-BE49-F238E27FC236}">
+                <a16:creationId xmlns:a16="http://schemas.microsoft.com/office/drawing/2014/main" id="{B1267144-0F60-F303-A3D5-9BC2E72FBEF6}"/>
+              </a:ext>
+            </a:extLst>
+          </p:cNvPr>
+          <p:cNvPicPr>
+            <a:picLocks noChangeAspect="1"/>
+          </p:cNvPicPr>
+          <p:nvPr/>
+        </p:nvPicPr>
+        <p:blipFill>
+          <a:blip r:embed="rId4"/>
+          <a:stretch>
+            <a:fillRect/>
+          </a:stretch>
+        </p:blipFill>
+        <p:spPr>
+          <a:xfrm>
+            <a:off x="659395" y="1785506"/>
+            <a:ext cx="3591061" cy="3597275"/>
+          </a:xfrm>
+          <a:prstGeom prst="rect">
+            <a:avLst/>
+          </a:prstGeom>
+        </p:spPr>
+      </p:pic>
+      <p:sp>
+        <p:nvSpPr>
+          <p:cNvPr id="8" name="TextBox 7">
+            <a:extLst>
+              <a:ext uri="{FF2B5EF4-FFF2-40B4-BE49-F238E27FC236}">
+                <a16:creationId xmlns:a16="http://schemas.microsoft.com/office/drawing/2014/main" id="{D3CDA2FC-EBBF-EE7F-D5EC-AD28C0F68788}"/>
+              </a:ext>
+            </a:extLst>
+          </p:cNvPr>
+          <p:cNvSpPr txBox="1"/>
+          <p:nvPr/>
+        </p:nvSpPr>
+        <p:spPr>
+          <a:xfrm>
+            <a:off x="1993124" y="475898"/>
+            <a:ext cx="1041620" cy="369332"/>
+          </a:xfrm>
+          <a:prstGeom prst="rect">
+            <a:avLst/>
+          </a:prstGeom>
+          <a:noFill/>
+        </p:spPr>
+        <p:txBody>
+          <a:bodyPr wrap="square" rtlCol="0">
+            <a:spAutoFit/>
+          </a:bodyPr>
+          <a:lstStyle/>
+          <a:p>
             <a:r>
-              <a:rPr lang="en-US" dirty="0"/>
-              <a:t>Bachelor’s Degrees saw an 18.02% increase</a:t>
-            </a:r>
-          </a:p>
-          <a:p>
-            <a:r>
-              <a:rPr lang="en-US" dirty="0"/>
-              <a:t>Associate’s Degrees saw an 14.45% increase</a:t>
-            </a:r>
-          </a:p>
-          <a:p>
-            <a:r>
-              <a:rPr lang="en-US" dirty="0"/>
-              <a:t>Master’s Degrees saw an 9.11% increase</a:t>
-            </a:r>
-          </a:p>
-          <a:p>
-            <a:r>
-              <a:rPr lang="en-US" dirty="0"/>
-              <a:t>Doctorate Degrees saw an 3.02% increase</a:t>
-            </a:r>
-          </a:p>
-          <a:p>
-            <a:r>
-              <a:rPr lang="en-US" dirty="0"/>
-              <a:t>High School Diplomas or lower education saw a 40.51% drop </a:t>
+              <a:rPr lang="en-US" b="1" dirty="0">
+                <a:solidFill>
+                  <a:schemeClr val="bg1"/>
+                </a:solidFill>
+              </a:rPr>
+              <a:t>At Injury</a:t>
             </a:r>
           </a:p>
         </p:txBody>
       </p:sp>
       <p:sp>
         <p:nvSpPr>
-          <p:cNvPr id="2" name="Title 1">
+          <p:cNvPr id="9" name="TextBox 8">
             <a:extLst>
               <a:ext uri="{FF2B5EF4-FFF2-40B4-BE49-F238E27FC236}">
-                <a16:creationId xmlns:a16="http://schemas.microsoft.com/office/drawing/2014/main" id="{F0759DC4-8B30-98A0-5BAB-C78BA4A4AD55}"/>
+                <a16:creationId xmlns:a16="http://schemas.microsoft.com/office/drawing/2014/main" id="{3620F464-2733-40B8-A7E0-28B5C9E27462}"/>
               </a:ext>
             </a:extLst>
           </p:cNvPr>
-          <p:cNvSpPr>
-            <a:spLocks noGrp="1"/>
-          </p:cNvSpPr>
-          <p:nvPr>
-            <p:ph type="title"/>
-          </p:nvPr>
+          <p:cNvSpPr txBox="1"/>
+          <p:nvPr/>
         </p:nvSpPr>
         <p:spPr>
           <a:xfrm>
-            <a:off x="500982" y="1231543"/>
-            <a:ext cx="9540815" cy="595222"/>
+            <a:off x="5008307" y="516969"/>
+            <a:ext cx="1398102" cy="369332"/>
           </a:xfrm>
+          <a:prstGeom prst="rect">
+            <a:avLst/>
+          </a:prstGeom>
+          <a:noFill/>
         </p:spPr>
         <p:txBody>
-          <a:bodyPr/>
+          <a:bodyPr wrap="square" rtlCol="0">
+            <a:spAutoFit/>
+          </a:bodyPr>
           <a:lstStyle/>
           <a:p>
             <a:r>
-              <a:rPr lang="en-US" sz="4200" dirty="0"/>
-              <a:t>Highest Education Level Completed</a:t>
+              <a:rPr lang="en-US" b="1" dirty="0">
+                <a:solidFill>
+                  <a:schemeClr val="bg1"/>
+                </a:solidFill>
+              </a:rPr>
+              <a:t>Post Injury</a:t>
             </a:r>
+          </a:p>
+        </p:txBody>
+      </p:sp>
+      <p:sp>
+        <p:nvSpPr>
+          <p:cNvPr id="2" name="Title 5">
+            <a:extLst>
+              <a:ext uri="{FF2B5EF4-FFF2-40B4-BE49-F238E27FC236}">
+                <a16:creationId xmlns:a16="http://schemas.microsoft.com/office/drawing/2014/main" id="{DB416918-87CD-82FA-81FE-FAE5EFF1934D}"/>
+              </a:ext>
+            </a:extLst>
+          </p:cNvPr>
+          <p:cNvSpPr txBox="1">
+            <a:spLocks/>
+          </p:cNvSpPr>
+          <p:nvPr/>
+        </p:nvSpPr>
+        <p:spPr>
+          <a:xfrm>
+            <a:off x="690113" y="81091"/>
+            <a:ext cx="10834778" cy="1380760"/>
+          </a:xfrm>
+          <a:prstGeom prst="rect">
+            <a:avLst/>
+          </a:prstGeom>
+        </p:spPr>
+        <p:txBody>
+          <a:bodyPr vert="horz" lIns="0" tIns="0" rIns="0" bIns="0" rtlCol="0" anchor="b" anchorCtr="0">
+            <a:noAutofit/>
+          </a:bodyPr>
+          <a:lstStyle>
+            <a:lvl1pPr algn="l" defTabSz="914400" rtl="0" eaLnBrk="1" latinLnBrk="0" hangingPunct="1">
+              <a:lnSpc>
+                <a:spcPct val="80000"/>
+              </a:lnSpc>
+              <a:spcBef>
+                <a:spcPct val="0"/>
+              </a:spcBef>
+              <a:buNone/>
+              <a:defRPr sz="4400" b="1" i="0" kern="1200" spc="100" baseline="0">
+                <a:solidFill>
+                  <a:schemeClr val="bg1"/>
+                </a:solidFill>
+                <a:latin typeface="+mj-lt"/>
+                <a:ea typeface="+mj-ea"/>
+                <a:cs typeface="+mj-cs"/>
+              </a:defRPr>
+            </a:lvl1pPr>
+            <a:lvl2pPr eaLnBrk="1" hangingPunct="1">
+              <a:defRPr>
+                <a:solidFill>
+                  <a:schemeClr val="tx2"/>
+                </a:solidFill>
+              </a:defRPr>
+            </a:lvl2pPr>
+            <a:lvl3pPr eaLnBrk="1" hangingPunct="1">
+              <a:defRPr>
+                <a:solidFill>
+                  <a:schemeClr val="tx2"/>
+                </a:solidFill>
+              </a:defRPr>
+            </a:lvl3pPr>
+            <a:lvl4pPr eaLnBrk="1" hangingPunct="1">
+              <a:defRPr>
+                <a:solidFill>
+                  <a:schemeClr val="tx2"/>
+                </a:solidFill>
+              </a:defRPr>
+            </a:lvl4pPr>
+            <a:lvl5pPr eaLnBrk="1" hangingPunct="1">
+              <a:defRPr>
+                <a:solidFill>
+                  <a:schemeClr val="tx2"/>
+                </a:solidFill>
+              </a:defRPr>
+            </a:lvl5pPr>
+            <a:lvl6pPr eaLnBrk="1" hangingPunct="1">
+              <a:defRPr>
+                <a:solidFill>
+                  <a:schemeClr val="tx2"/>
+                </a:solidFill>
+              </a:defRPr>
+            </a:lvl6pPr>
+            <a:lvl7pPr eaLnBrk="1" hangingPunct="1">
+              <a:defRPr>
+                <a:solidFill>
+                  <a:schemeClr val="tx2"/>
+                </a:solidFill>
+              </a:defRPr>
+            </a:lvl7pPr>
+            <a:lvl8pPr eaLnBrk="1" hangingPunct="1">
+              <a:defRPr>
+                <a:solidFill>
+                  <a:schemeClr val="tx2"/>
+                </a:solidFill>
+              </a:defRPr>
+            </a:lvl8pPr>
+            <a:lvl9pPr eaLnBrk="1" hangingPunct="1">
+              <a:defRPr>
+                <a:solidFill>
+                  <a:schemeClr val="tx2"/>
+                </a:solidFill>
+              </a:defRPr>
+            </a:lvl9pPr>
+          </a:lstStyle>
+          <a:p>
+            <a:pPr marR="0" lvl="0" algn="ctr">
+              <a:spcBef>
+                <a:spcPts val="0"/>
+              </a:spcBef>
+              <a:spcAft>
+                <a:spcPts val="0"/>
+              </a:spcAft>
+            </a:pPr>
+            <a:r>
+              <a:rPr lang="en-US" sz="4400" dirty="0">
+                <a:solidFill>
+                  <a:srgbClr val="010101"/>
+                </a:solidFill>
+                <a:effectLst/>
+                <a:highlight>
+                  <a:srgbClr val="FFFFFF"/>
+                </a:highlight>
+                <a:ea typeface="Georgia" panose="02040502050405020303" pitchFamily="18" charset="0"/>
+                <a:cs typeface="Georgia" panose="02040502050405020303" pitchFamily="18" charset="0"/>
+              </a:rPr>
+              <a:t>What percentage of survivors give birth at injury vs post injury?</a:t>
+            </a:r>
+            <a:endParaRPr lang="en-US" sz="4400" dirty="0">
+              <a:effectLst/>
+              <a:highlight>
+                <a:srgbClr val="FFFFFF"/>
+              </a:highlight>
+              <a:ea typeface="Georgia" panose="02040502050405020303" pitchFamily="18" charset="0"/>
+              <a:cs typeface="Georgia" panose="02040502050405020303" pitchFamily="18" charset="0"/>
+            </a:endParaRPr>
           </a:p>
         </p:txBody>
       </p:sp>
     </p:spTree>
     <p:extLst>
       <p:ext uri="{BB962C8B-B14F-4D97-AF65-F5344CB8AC3E}">
-        <p14:creationId xmlns:p14="http://schemas.microsoft.com/office/powerpoint/2010/main" val="716150947"/>
+        <p14:creationId xmlns:p14="http://schemas.microsoft.com/office/powerpoint/2010/main" val="18010177"/>
       </p:ext>
     </p:extLst>
   </p:cSld>
@@ -15485,6 +17751,15 @@
 </file>
 
 <file path=customXml/item1.xml><?xml version="1.0" encoding="utf-8"?>
+<?mso-contentType ?>
+<FormTemplates xmlns="http://schemas.microsoft.com/sharepoint/v3/contenttype/forms">
+  <Display>DocumentLibraryForm</Display>
+  <Edit>DocumentLibraryForm</Edit>
+  <New>DocumentLibraryForm</New>
+</FormTemplates>
+</file>
+
+<file path=customXml/item2.xml><?xml version="1.0" encoding="utf-8"?>
 <p:properties xmlns:p="http://schemas.microsoft.com/office/2006/metadata/properties" xmlns:xsi="http://www.w3.org/2001/XMLSchema-instance" xmlns:pc="http://schemas.microsoft.com/office/infopath/2007/PartnerControls">
   <documentManagement>
     <Background xmlns="71af3243-3dd4-4a8d-8c0d-dd76da1f02a5">false</Background>
@@ -15502,15 +17777,6 @@
     <MediaServiceKeyPoints xmlns="71af3243-3dd4-4a8d-8c0d-dd76da1f02a5" xsi:nil="true"/>
   </documentManagement>
 </p:properties>
-</file>
-
-<file path=customXml/item2.xml><?xml version="1.0" encoding="utf-8"?>
-<?mso-contentType ?>
-<FormTemplates xmlns="http://schemas.microsoft.com/sharepoint/v3/contenttype/forms">
-  <Display>DocumentLibraryForm</Display>
-  <Edit>DocumentLibraryForm</Edit>
-  <New>DocumentLibraryForm</New>
-</FormTemplates>
 </file>
 
 <file path=customXml/item3.xml><?xml version="1.0" encoding="utf-8"?>
@@ -15826,6 +18092,14 @@
 </file>
 
 <file path=customXml/itemProps1.xml><?xml version="1.0" encoding="utf-8"?>
+<ds:datastoreItem xmlns:ds="http://schemas.openxmlformats.org/officeDocument/2006/customXml" ds:itemID="{C21FFAC0-05A2-416A-B06C-C248395482CF}">
+  <ds:schemaRefs>
+    <ds:schemaRef ds:uri="http://schemas.microsoft.com/sharepoint/v3/contenttype/forms"/>
+  </ds:schemaRefs>
+</ds:datastoreItem>
+</file>
+
+<file path=customXml/itemProps2.xml><?xml version="1.0" encoding="utf-8"?>
 <ds:datastoreItem xmlns:ds="http://schemas.openxmlformats.org/officeDocument/2006/customXml" ds:itemID="{4F4B194E-8B30-4377-8C59-ECFB902D2A26}">
   <ds:schemaRefs>
     <ds:schemaRef ds:uri="http://schemas.microsoft.com/office/2006/metadata/properties"/>
@@ -15833,14 +18107,6 @@
     <ds:schemaRef ds:uri="71af3243-3dd4-4a8d-8c0d-dd76da1f02a5"/>
     <ds:schemaRef ds:uri="http://schemas.microsoft.com/sharepoint/v3"/>
     <ds:schemaRef ds:uri="230e9df3-be65-4c73-a93b-d1236ebd677e"/>
-  </ds:schemaRefs>
-</ds:datastoreItem>
-</file>
-
-<file path=customXml/itemProps2.xml><?xml version="1.0" encoding="utf-8"?>
-<ds:datastoreItem xmlns:ds="http://schemas.openxmlformats.org/officeDocument/2006/customXml" ds:itemID="{C21FFAC0-05A2-416A-B06C-C248395482CF}">
-  <ds:schemaRefs>
-    <ds:schemaRef ds:uri="http://schemas.microsoft.com/sharepoint/v3/contenttype/forms"/>
   </ds:schemaRefs>
 </ds:datastoreItem>
 </file>

--- a/ppt/sci.pptx
+++ b/ppt/sci.pptx
@@ -13239,37 +13239,6 @@
               </a:rPr>
               <a:t>Growing up with a quadriplegic mother and understanding the everyday challenges her injury created, </a:t>
             </a:r>
-          </a:p>
-          <a:p>
-            <a:pPr marL="0" indent="0">
-              <a:buNone/>
-            </a:pPr>
-            <a:r>
-              <a:rPr lang="en-US" sz="1900" dirty="0">
-                <a:solidFill>
-                  <a:srgbClr val="010101"/>
-                </a:solidFill>
-                <a:effectLst/>
-                <a:highlight>
-                  <a:srgbClr val="FFFFFF"/>
-                </a:highlight>
-                <a:ea typeface="Georgia" panose="02040502050405020303" pitchFamily="18" charset="0"/>
-                <a:cs typeface="Georgia" panose="02040502050405020303" pitchFamily="18" charset="0"/>
-              </a:rPr>
-              <a:t>During my mother’s initial hospitalization post SCI, her doctor told her that she would never drive, never get married and never have a family. Not only did she accomplish all three of these milestones, but she also went on to obtain a bachelor’s degree from Rice University as well as work to help other SCI survivors achieve independent living.</a:t>
-            </a:r>
-            <a:endParaRPr lang="en-US" sz="1900" dirty="0">
-              <a:effectLst/>
-              <a:highlight>
-                <a:srgbClr val="FFFFFF"/>
-              </a:highlight>
-              <a:ea typeface="Calibri" panose="020F0502020204030204" pitchFamily="34" charset="0"/>
-            </a:endParaRPr>
-          </a:p>
-          <a:p>
-            <a:pPr marL="0" indent="0">
-              <a:buNone/>
-            </a:pPr>
             <a:r>
               <a:rPr lang="en-US" sz="1900" kern="0" dirty="0">
                 <a:solidFill>
@@ -13304,6 +13273,32 @@
               <a:effectLst/>
               <a:ea typeface="Georgia" panose="02040502050405020303" pitchFamily="18" charset="0"/>
               <a:cs typeface="Georgia" panose="02040502050405020303" pitchFamily="18" charset="0"/>
+            </a:endParaRPr>
+          </a:p>
+          <a:p>
+            <a:pPr marL="0" indent="0">
+              <a:buNone/>
+            </a:pPr>
+            <a:r>
+              <a:rPr lang="en-US" sz="1900" dirty="0">
+                <a:solidFill>
+                  <a:srgbClr val="010101"/>
+                </a:solidFill>
+                <a:effectLst/>
+                <a:highlight>
+                  <a:srgbClr val="FFFFFF"/>
+                </a:highlight>
+                <a:ea typeface="Georgia" panose="02040502050405020303" pitchFamily="18" charset="0"/>
+                <a:cs typeface="Georgia" panose="02040502050405020303" pitchFamily="18" charset="0"/>
+              </a:rPr>
+              <a:t>During my mother’s initial hospitalization post SCI, her doctor told her that she would never drive, never get married and never have a family. Not only did she accomplish all three of these milestones, but she also went on to obtain a bachelor’s degree from Rice University as well as work to help other SCI survivors achieve independent living.</a:t>
+            </a:r>
+            <a:endParaRPr lang="en-US" sz="1900" dirty="0">
+              <a:effectLst/>
+              <a:highlight>
+                <a:srgbClr val="FFFFFF"/>
+              </a:highlight>
+              <a:ea typeface="Calibri" panose="020F0502020204030204" pitchFamily="34" charset="0"/>
             </a:endParaRPr>
           </a:p>
           <a:p>
@@ -17751,15 +17746,6 @@
 </file>
 
 <file path=customXml/item1.xml><?xml version="1.0" encoding="utf-8"?>
-<?mso-contentType ?>
-<FormTemplates xmlns="http://schemas.microsoft.com/sharepoint/v3/contenttype/forms">
-  <Display>DocumentLibraryForm</Display>
-  <Edit>DocumentLibraryForm</Edit>
-  <New>DocumentLibraryForm</New>
-</FormTemplates>
-</file>
-
-<file path=customXml/item2.xml><?xml version="1.0" encoding="utf-8"?>
 <p:properties xmlns:p="http://schemas.microsoft.com/office/2006/metadata/properties" xmlns:xsi="http://www.w3.org/2001/XMLSchema-instance" xmlns:pc="http://schemas.microsoft.com/office/infopath/2007/PartnerControls">
   <documentManagement>
     <Background xmlns="71af3243-3dd4-4a8d-8c0d-dd76da1f02a5">false</Background>
@@ -17777,6 +17763,15 @@
     <MediaServiceKeyPoints xmlns="71af3243-3dd4-4a8d-8c0d-dd76da1f02a5" xsi:nil="true"/>
   </documentManagement>
 </p:properties>
+</file>
+
+<file path=customXml/item2.xml><?xml version="1.0" encoding="utf-8"?>
+<?mso-contentType ?>
+<FormTemplates xmlns="http://schemas.microsoft.com/sharepoint/v3/contenttype/forms">
+  <Display>DocumentLibraryForm</Display>
+  <Edit>DocumentLibraryForm</Edit>
+  <New>DocumentLibraryForm</New>
+</FormTemplates>
 </file>
 
 <file path=customXml/item3.xml><?xml version="1.0" encoding="utf-8"?>
@@ -18092,14 +18087,6 @@
 </file>
 
 <file path=customXml/itemProps1.xml><?xml version="1.0" encoding="utf-8"?>
-<ds:datastoreItem xmlns:ds="http://schemas.openxmlformats.org/officeDocument/2006/customXml" ds:itemID="{C21FFAC0-05A2-416A-B06C-C248395482CF}">
-  <ds:schemaRefs>
-    <ds:schemaRef ds:uri="http://schemas.microsoft.com/sharepoint/v3/contenttype/forms"/>
-  </ds:schemaRefs>
-</ds:datastoreItem>
-</file>
-
-<file path=customXml/itemProps2.xml><?xml version="1.0" encoding="utf-8"?>
 <ds:datastoreItem xmlns:ds="http://schemas.openxmlformats.org/officeDocument/2006/customXml" ds:itemID="{4F4B194E-8B30-4377-8C59-ECFB902D2A26}">
   <ds:schemaRefs>
     <ds:schemaRef ds:uri="http://schemas.microsoft.com/office/2006/metadata/properties"/>
@@ -18107,6 +18094,14 @@
     <ds:schemaRef ds:uri="71af3243-3dd4-4a8d-8c0d-dd76da1f02a5"/>
     <ds:schemaRef ds:uri="http://schemas.microsoft.com/sharepoint/v3"/>
     <ds:schemaRef ds:uri="230e9df3-be65-4c73-a93b-d1236ebd677e"/>
+  </ds:schemaRefs>
+</ds:datastoreItem>
+</file>
+
+<file path=customXml/itemProps2.xml><?xml version="1.0" encoding="utf-8"?>
+<ds:datastoreItem xmlns:ds="http://schemas.openxmlformats.org/officeDocument/2006/customXml" ds:itemID="{C21FFAC0-05A2-416A-B06C-C248395482CF}">
+  <ds:schemaRefs>
+    <ds:schemaRef ds:uri="http://schemas.microsoft.com/sharepoint/v3/contenttype/forms"/>
   </ds:schemaRefs>
 </ds:datastoreItem>
 </file>
